--- a/ppt/인창컴퓨터동아리.pptx
+++ b/ppt/인창컴퓨터동아리.pptx
@@ -2,7 +2,7 @@
 <file path=ppt/presentation.xml><?xml version="1.0" encoding="utf-8"?>
 <p:presentation xmlns:r="http://schemas.openxmlformats.org/officeDocument/2006/relationships" xmlns:c="http://schemas.openxmlformats.org/drawingml/2006/chart" xmlns:a="http://schemas.openxmlformats.org/drawingml/2006/main" xmlns:dgm="http://schemas.openxmlformats.org/drawingml/2006/diagram" xmlns:dsp="http://schemas.microsoft.com/office/drawing/2008/diagram" xmlns:p="http://schemas.openxmlformats.org/presentationml/2006/main" saveSubsetFonts="1">
   <p:sldMasterIdLst>
-    <p:sldMasterId id="2147483679" r:id="rId1"/>
+    <p:sldMasterId id="2147483674" r:id="rId1"/>
   </p:sldMasterIdLst>
   <p:sldIdLst>
     <p:sldId id="256" r:id="rId2"/>
@@ -156,10 +156,9 @@
           </a:lstStyle>
           <a:p>
             <a:r>
-              <a:rPr lang="ko-KR" altLang="en-US" smtClean="0"/>
+              <a:rPr lang="ko-KR" altLang="en-US"/>
               <a:t>마스터 제목 스타일 편집</a:t>
             </a:r>
-            <a:endParaRPr lang="ko-KR" altLang="en-US"/>
           </a:p>
         </p:txBody>
       </p:sp>
@@ -221,10 +220,9 @@
           </a:lstStyle>
           <a:p>
             <a:r>
-              <a:rPr lang="ko-KR" altLang="en-US" smtClean="0"/>
+              <a:rPr lang="ko-KR" altLang="en-US"/>
               <a:t>마스터 부제목 스타일 편집</a:t>
             </a:r>
-            <a:endParaRPr lang="ko-KR" altLang="en-US"/>
           </a:p>
         </p:txBody>
       </p:sp>
@@ -252,7 +250,7 @@
                 </a:solidFill>
               </a:rPr>
               <a:pPr/>
-              <a:t>2019-05-06</a:t>
+              <a:t>2020-11-05</a:t>
             </a:fld>
             <a:endParaRPr lang="ko-KR" altLang="en-US">
               <a:solidFill>
@@ -371,10 +369,9 @@
           <a:lstStyle/>
           <a:p>
             <a:r>
-              <a:rPr lang="ko-KR" altLang="en-US" smtClean="0"/>
+              <a:rPr lang="ko-KR" altLang="en-US"/>
               <a:t>마스터 제목 스타일 편집</a:t>
             </a:r>
-            <a:endParaRPr lang="ko-KR" altLang="en-US"/>
           </a:p>
         </p:txBody>
       </p:sp>
@@ -395,38 +392,37 @@
           <a:p>
             <a:pPr lvl="0"/>
             <a:r>
-              <a:rPr lang="ko-KR" altLang="en-US" smtClean="0"/>
+              <a:rPr lang="ko-KR" altLang="en-US"/>
               <a:t>마스터 텍스트 스타일을 편집합니다</a:t>
             </a:r>
           </a:p>
           <a:p>
             <a:pPr lvl="1"/>
             <a:r>
-              <a:rPr lang="ko-KR" altLang="en-US" smtClean="0"/>
+              <a:rPr lang="ko-KR" altLang="en-US"/>
               <a:t>둘째 수준</a:t>
             </a:r>
           </a:p>
           <a:p>
             <a:pPr lvl="2"/>
             <a:r>
-              <a:rPr lang="ko-KR" altLang="en-US" smtClean="0"/>
+              <a:rPr lang="ko-KR" altLang="en-US"/>
               <a:t>셋째 수준</a:t>
             </a:r>
           </a:p>
           <a:p>
             <a:pPr lvl="3"/>
             <a:r>
-              <a:rPr lang="ko-KR" altLang="en-US" smtClean="0"/>
+              <a:rPr lang="ko-KR" altLang="en-US"/>
               <a:t>넷째 수준</a:t>
             </a:r>
           </a:p>
           <a:p>
             <a:pPr lvl="4"/>
             <a:r>
-              <a:rPr lang="ko-KR" altLang="en-US" smtClean="0"/>
+              <a:rPr lang="ko-KR" altLang="en-US"/>
               <a:t>다섯째 수준</a:t>
             </a:r>
-            <a:endParaRPr lang="ko-KR" altLang="en-US"/>
           </a:p>
         </p:txBody>
       </p:sp>
@@ -454,7 +450,7 @@
                 </a:solidFill>
               </a:rPr>
               <a:pPr/>
-              <a:t>2019-05-06</a:t>
+              <a:t>2020-11-05</a:t>
             </a:fld>
             <a:endParaRPr lang="ko-KR" altLang="en-US">
               <a:solidFill>
@@ -578,10 +574,9 @@
           <a:lstStyle/>
           <a:p>
             <a:r>
-              <a:rPr lang="ko-KR" altLang="en-US" smtClean="0"/>
+              <a:rPr lang="ko-KR" altLang="en-US"/>
               <a:t>마스터 제목 스타일 편집</a:t>
             </a:r>
-            <a:endParaRPr lang="ko-KR" altLang="en-US"/>
           </a:p>
         </p:txBody>
       </p:sp>
@@ -607,38 +602,37 @@
           <a:p>
             <a:pPr lvl="0"/>
             <a:r>
-              <a:rPr lang="ko-KR" altLang="en-US" smtClean="0"/>
+              <a:rPr lang="ko-KR" altLang="en-US"/>
               <a:t>마스터 텍스트 스타일을 편집합니다</a:t>
             </a:r>
           </a:p>
           <a:p>
             <a:pPr lvl="1"/>
             <a:r>
-              <a:rPr lang="ko-KR" altLang="en-US" smtClean="0"/>
+              <a:rPr lang="ko-KR" altLang="en-US"/>
               <a:t>둘째 수준</a:t>
             </a:r>
           </a:p>
           <a:p>
             <a:pPr lvl="2"/>
             <a:r>
-              <a:rPr lang="ko-KR" altLang="en-US" smtClean="0"/>
+              <a:rPr lang="ko-KR" altLang="en-US"/>
               <a:t>셋째 수준</a:t>
             </a:r>
           </a:p>
           <a:p>
             <a:pPr lvl="3"/>
             <a:r>
-              <a:rPr lang="ko-KR" altLang="en-US" smtClean="0"/>
+              <a:rPr lang="ko-KR" altLang="en-US"/>
               <a:t>넷째 수준</a:t>
             </a:r>
           </a:p>
           <a:p>
             <a:pPr lvl="4"/>
             <a:r>
-              <a:rPr lang="ko-KR" altLang="en-US" smtClean="0"/>
+              <a:rPr lang="ko-KR" altLang="en-US"/>
               <a:t>다섯째 수준</a:t>
             </a:r>
-            <a:endParaRPr lang="ko-KR" altLang="en-US"/>
           </a:p>
         </p:txBody>
       </p:sp>
@@ -666,7 +660,7 @@
                 </a:solidFill>
               </a:rPr>
               <a:pPr/>
-              <a:t>2019-05-06</a:t>
+              <a:t>2020-11-05</a:t>
             </a:fld>
             <a:endParaRPr lang="ko-KR" altLang="en-US">
               <a:solidFill>
@@ -785,10 +779,9 @@
           <a:lstStyle/>
           <a:p>
             <a:r>
-              <a:rPr lang="ko-KR" altLang="en-US" smtClean="0"/>
+              <a:rPr lang="ko-KR" altLang="en-US"/>
               <a:t>마스터 제목 스타일 편집</a:t>
             </a:r>
-            <a:endParaRPr lang="ko-KR" altLang="en-US"/>
           </a:p>
         </p:txBody>
       </p:sp>
@@ -809,38 +802,37 @@
           <a:p>
             <a:pPr lvl="0"/>
             <a:r>
-              <a:rPr lang="ko-KR" altLang="en-US" smtClean="0"/>
+              <a:rPr lang="ko-KR" altLang="en-US"/>
               <a:t>마스터 텍스트 스타일을 편집합니다</a:t>
             </a:r>
           </a:p>
           <a:p>
             <a:pPr lvl="1"/>
             <a:r>
-              <a:rPr lang="ko-KR" altLang="en-US" smtClean="0"/>
+              <a:rPr lang="ko-KR" altLang="en-US"/>
               <a:t>둘째 수준</a:t>
             </a:r>
           </a:p>
           <a:p>
             <a:pPr lvl="2"/>
             <a:r>
-              <a:rPr lang="ko-KR" altLang="en-US" smtClean="0"/>
+              <a:rPr lang="ko-KR" altLang="en-US"/>
               <a:t>셋째 수준</a:t>
             </a:r>
           </a:p>
           <a:p>
             <a:pPr lvl="3"/>
             <a:r>
-              <a:rPr lang="ko-KR" altLang="en-US" smtClean="0"/>
+              <a:rPr lang="ko-KR" altLang="en-US"/>
               <a:t>넷째 수준</a:t>
             </a:r>
           </a:p>
           <a:p>
             <a:pPr lvl="4"/>
             <a:r>
-              <a:rPr lang="ko-KR" altLang="en-US" smtClean="0"/>
+              <a:rPr lang="ko-KR" altLang="en-US"/>
               <a:t>다섯째 수준</a:t>
             </a:r>
-            <a:endParaRPr lang="ko-KR" altLang="en-US"/>
           </a:p>
         </p:txBody>
       </p:sp>
@@ -868,7 +860,7 @@
                 </a:solidFill>
               </a:rPr>
               <a:pPr/>
-              <a:t>2019-05-06</a:t>
+              <a:t>2020-11-05</a:t>
             </a:fld>
             <a:endParaRPr lang="ko-KR" altLang="en-US">
               <a:solidFill>
@@ -996,10 +988,9 @@
           </a:lstStyle>
           <a:p>
             <a:r>
-              <a:rPr lang="ko-KR" altLang="en-US" smtClean="0"/>
+              <a:rPr lang="ko-KR" altLang="en-US"/>
               <a:t>마스터 제목 스타일 편집</a:t>
             </a:r>
-            <a:endParaRPr lang="ko-KR" altLang="en-US"/>
           </a:p>
         </p:txBody>
       </p:sp>
@@ -1116,7 +1107,7 @@
           <a:p>
             <a:pPr lvl="0"/>
             <a:r>
-              <a:rPr lang="ko-KR" altLang="en-US" smtClean="0"/>
+              <a:rPr lang="ko-KR" altLang="en-US"/>
               <a:t>마스터 텍스트 스타일을 편집합니다</a:t>
             </a:r>
           </a:p>
@@ -1146,7 +1137,7 @@
                 </a:solidFill>
               </a:rPr>
               <a:pPr/>
-              <a:t>2019-05-06</a:t>
+              <a:t>2020-11-05</a:t>
             </a:fld>
             <a:endParaRPr lang="ko-KR" altLang="en-US">
               <a:solidFill>
@@ -1265,10 +1256,9 @@
           <a:lstStyle/>
           <a:p>
             <a:r>
-              <a:rPr lang="ko-KR" altLang="en-US" smtClean="0"/>
+              <a:rPr lang="ko-KR" altLang="en-US"/>
               <a:t>마스터 제목 스타일 편집</a:t>
             </a:r>
-            <a:endParaRPr lang="ko-KR" altLang="en-US"/>
           </a:p>
         </p:txBody>
       </p:sp>
@@ -1294,38 +1284,37 @@
           <a:p>
             <a:pPr lvl="0"/>
             <a:r>
-              <a:rPr lang="ko-KR" altLang="en-US" smtClean="0"/>
+              <a:rPr lang="ko-KR" altLang="en-US"/>
               <a:t>마스터 텍스트 스타일을 편집합니다</a:t>
             </a:r>
           </a:p>
           <a:p>
             <a:pPr lvl="1"/>
             <a:r>
-              <a:rPr lang="ko-KR" altLang="en-US" smtClean="0"/>
+              <a:rPr lang="ko-KR" altLang="en-US"/>
               <a:t>둘째 수준</a:t>
             </a:r>
           </a:p>
           <a:p>
             <a:pPr lvl="2"/>
             <a:r>
-              <a:rPr lang="ko-KR" altLang="en-US" smtClean="0"/>
+              <a:rPr lang="ko-KR" altLang="en-US"/>
               <a:t>셋째 수준</a:t>
             </a:r>
           </a:p>
           <a:p>
             <a:pPr lvl="3"/>
             <a:r>
-              <a:rPr lang="ko-KR" altLang="en-US" smtClean="0"/>
+              <a:rPr lang="ko-KR" altLang="en-US"/>
               <a:t>넷째 수준</a:t>
             </a:r>
           </a:p>
           <a:p>
             <a:pPr lvl="4"/>
             <a:r>
-              <a:rPr lang="ko-KR" altLang="en-US" smtClean="0"/>
+              <a:rPr lang="ko-KR" altLang="en-US"/>
               <a:t>다섯째 수준</a:t>
             </a:r>
-            <a:endParaRPr lang="ko-KR" altLang="en-US"/>
           </a:p>
         </p:txBody>
       </p:sp>
@@ -1351,38 +1340,37 @@
           <a:p>
             <a:pPr lvl="0"/>
             <a:r>
-              <a:rPr lang="ko-KR" altLang="en-US" smtClean="0"/>
+              <a:rPr lang="ko-KR" altLang="en-US"/>
               <a:t>마스터 텍스트 스타일을 편집합니다</a:t>
             </a:r>
           </a:p>
           <a:p>
             <a:pPr lvl="1"/>
             <a:r>
-              <a:rPr lang="ko-KR" altLang="en-US" smtClean="0"/>
+              <a:rPr lang="ko-KR" altLang="en-US"/>
               <a:t>둘째 수준</a:t>
             </a:r>
           </a:p>
           <a:p>
             <a:pPr lvl="2"/>
             <a:r>
-              <a:rPr lang="ko-KR" altLang="en-US" smtClean="0"/>
+              <a:rPr lang="ko-KR" altLang="en-US"/>
               <a:t>셋째 수준</a:t>
             </a:r>
           </a:p>
           <a:p>
             <a:pPr lvl="3"/>
             <a:r>
-              <a:rPr lang="ko-KR" altLang="en-US" smtClean="0"/>
+              <a:rPr lang="ko-KR" altLang="en-US"/>
               <a:t>넷째 수준</a:t>
             </a:r>
           </a:p>
           <a:p>
             <a:pPr lvl="4"/>
             <a:r>
-              <a:rPr lang="ko-KR" altLang="en-US" smtClean="0"/>
+              <a:rPr lang="ko-KR" altLang="en-US"/>
               <a:t>다섯째 수준</a:t>
             </a:r>
-            <a:endParaRPr lang="ko-KR" altLang="en-US"/>
           </a:p>
         </p:txBody>
       </p:sp>
@@ -1410,7 +1398,7 @@
                 </a:solidFill>
               </a:rPr>
               <a:pPr/>
-              <a:t>2019-05-06</a:t>
+              <a:t>2020-11-05</a:t>
             </a:fld>
             <a:endParaRPr lang="ko-KR" altLang="en-US">
               <a:solidFill>
@@ -1534,10 +1522,9 @@
           <a:lstStyle/>
           <a:p>
             <a:r>
-              <a:rPr lang="ko-KR" altLang="en-US" smtClean="0"/>
+              <a:rPr lang="ko-KR" altLang="en-US"/>
               <a:t>마스터 제목 스타일 편집</a:t>
             </a:r>
-            <a:endParaRPr lang="ko-KR" altLang="en-US"/>
           </a:p>
         </p:txBody>
       </p:sp>
@@ -1600,7 +1587,7 @@
           <a:p>
             <a:pPr lvl="0"/>
             <a:r>
-              <a:rPr lang="ko-KR" altLang="en-US" smtClean="0"/>
+              <a:rPr lang="ko-KR" altLang="en-US"/>
               <a:t>마스터 텍스트 스타일을 편집합니다</a:t>
             </a:r>
           </a:p>
@@ -1628,38 +1615,37 @@
           <a:p>
             <a:pPr lvl="0"/>
             <a:r>
-              <a:rPr lang="ko-KR" altLang="en-US" smtClean="0"/>
+              <a:rPr lang="ko-KR" altLang="en-US"/>
               <a:t>마스터 텍스트 스타일을 편집합니다</a:t>
             </a:r>
           </a:p>
           <a:p>
             <a:pPr lvl="1"/>
             <a:r>
-              <a:rPr lang="ko-KR" altLang="en-US" smtClean="0"/>
+              <a:rPr lang="ko-KR" altLang="en-US"/>
               <a:t>둘째 수준</a:t>
             </a:r>
           </a:p>
           <a:p>
             <a:pPr lvl="2"/>
             <a:r>
-              <a:rPr lang="ko-KR" altLang="en-US" smtClean="0"/>
+              <a:rPr lang="ko-KR" altLang="en-US"/>
               <a:t>셋째 수준</a:t>
             </a:r>
           </a:p>
           <a:p>
             <a:pPr lvl="3"/>
             <a:r>
-              <a:rPr lang="ko-KR" altLang="en-US" smtClean="0"/>
+              <a:rPr lang="ko-KR" altLang="en-US"/>
               <a:t>넷째 수준</a:t>
             </a:r>
           </a:p>
           <a:p>
             <a:pPr lvl="4"/>
             <a:r>
-              <a:rPr lang="ko-KR" altLang="en-US" smtClean="0"/>
+              <a:rPr lang="ko-KR" altLang="en-US"/>
               <a:t>다섯째 수준</a:t>
             </a:r>
-            <a:endParaRPr lang="ko-KR" altLang="en-US"/>
           </a:p>
         </p:txBody>
       </p:sp>
@@ -1722,7 +1708,7 @@
           <a:p>
             <a:pPr lvl="0"/>
             <a:r>
-              <a:rPr lang="ko-KR" altLang="en-US" smtClean="0"/>
+              <a:rPr lang="ko-KR" altLang="en-US"/>
               <a:t>마스터 텍스트 스타일을 편집합니다</a:t>
             </a:r>
           </a:p>
@@ -1750,38 +1736,37 @@
           <a:p>
             <a:pPr lvl="0"/>
             <a:r>
-              <a:rPr lang="ko-KR" altLang="en-US" smtClean="0"/>
+              <a:rPr lang="ko-KR" altLang="en-US"/>
               <a:t>마스터 텍스트 스타일을 편집합니다</a:t>
             </a:r>
           </a:p>
           <a:p>
             <a:pPr lvl="1"/>
             <a:r>
-              <a:rPr lang="ko-KR" altLang="en-US" smtClean="0"/>
+              <a:rPr lang="ko-KR" altLang="en-US"/>
               <a:t>둘째 수준</a:t>
             </a:r>
           </a:p>
           <a:p>
             <a:pPr lvl="2"/>
             <a:r>
-              <a:rPr lang="ko-KR" altLang="en-US" smtClean="0"/>
+              <a:rPr lang="ko-KR" altLang="en-US"/>
               <a:t>셋째 수준</a:t>
             </a:r>
           </a:p>
           <a:p>
             <a:pPr lvl="3"/>
             <a:r>
-              <a:rPr lang="ko-KR" altLang="en-US" smtClean="0"/>
+              <a:rPr lang="ko-KR" altLang="en-US"/>
               <a:t>넷째 수준</a:t>
             </a:r>
           </a:p>
           <a:p>
             <a:pPr lvl="4"/>
             <a:r>
-              <a:rPr lang="ko-KR" altLang="en-US" smtClean="0"/>
+              <a:rPr lang="ko-KR" altLang="en-US"/>
               <a:t>다섯째 수준</a:t>
             </a:r>
-            <a:endParaRPr lang="ko-KR" altLang="en-US"/>
           </a:p>
         </p:txBody>
       </p:sp>
@@ -1809,7 +1794,7 @@
                 </a:solidFill>
               </a:rPr>
               <a:pPr/>
-              <a:t>2019-05-06</a:t>
+              <a:t>2020-11-05</a:t>
             </a:fld>
             <a:endParaRPr lang="ko-KR" altLang="en-US">
               <a:solidFill>
@@ -1928,10 +1913,9 @@
           <a:lstStyle/>
           <a:p>
             <a:r>
-              <a:rPr lang="ko-KR" altLang="en-US" smtClean="0"/>
+              <a:rPr lang="ko-KR" altLang="en-US"/>
               <a:t>마스터 제목 스타일 편집</a:t>
             </a:r>
-            <a:endParaRPr lang="ko-KR" altLang="en-US"/>
           </a:p>
         </p:txBody>
       </p:sp>
@@ -1959,7 +1943,7 @@
                 </a:solidFill>
               </a:rPr>
               <a:pPr/>
-              <a:t>2019-05-06</a:t>
+              <a:t>2020-11-05</a:t>
             </a:fld>
             <a:endParaRPr lang="ko-KR" altLang="en-US">
               <a:solidFill>
@@ -2086,7 +2070,7 @@
                 </a:solidFill>
               </a:rPr>
               <a:pPr/>
-              <a:t>2019-05-06</a:t>
+              <a:t>2020-11-05</a:t>
             </a:fld>
             <a:endParaRPr lang="ko-KR" altLang="en-US">
               <a:solidFill>
@@ -2214,10 +2198,9 @@
           </a:lstStyle>
           <a:p>
             <a:r>
-              <a:rPr lang="ko-KR" altLang="en-US" smtClean="0"/>
+              <a:rPr lang="ko-KR" altLang="en-US"/>
               <a:t>마스터 제목 스타일 편집</a:t>
             </a:r>
-            <a:endParaRPr lang="ko-KR" altLang="en-US"/>
           </a:p>
         </p:txBody>
       </p:sp>
@@ -2271,38 +2254,37 @@
           <a:p>
             <a:pPr lvl="0"/>
             <a:r>
-              <a:rPr lang="ko-KR" altLang="en-US" smtClean="0"/>
+              <a:rPr lang="ko-KR" altLang="en-US"/>
               <a:t>마스터 텍스트 스타일을 편집합니다</a:t>
             </a:r>
           </a:p>
           <a:p>
             <a:pPr lvl="1"/>
             <a:r>
-              <a:rPr lang="ko-KR" altLang="en-US" smtClean="0"/>
+              <a:rPr lang="ko-KR" altLang="en-US"/>
               <a:t>둘째 수준</a:t>
             </a:r>
           </a:p>
           <a:p>
             <a:pPr lvl="2"/>
             <a:r>
-              <a:rPr lang="ko-KR" altLang="en-US" smtClean="0"/>
+              <a:rPr lang="ko-KR" altLang="en-US"/>
               <a:t>셋째 수준</a:t>
             </a:r>
           </a:p>
           <a:p>
             <a:pPr lvl="3"/>
             <a:r>
-              <a:rPr lang="ko-KR" altLang="en-US" smtClean="0"/>
+              <a:rPr lang="ko-KR" altLang="en-US"/>
               <a:t>넷째 수준</a:t>
             </a:r>
           </a:p>
           <a:p>
             <a:pPr lvl="4"/>
             <a:r>
-              <a:rPr lang="ko-KR" altLang="en-US" smtClean="0"/>
+              <a:rPr lang="ko-KR" altLang="en-US"/>
               <a:t>다섯째 수준</a:t>
             </a:r>
-            <a:endParaRPr lang="ko-KR" altLang="en-US"/>
           </a:p>
         </p:txBody>
       </p:sp>
@@ -2365,7 +2347,7 @@
           <a:p>
             <a:pPr lvl="0"/>
             <a:r>
-              <a:rPr lang="ko-KR" altLang="en-US" smtClean="0"/>
+              <a:rPr lang="ko-KR" altLang="en-US"/>
               <a:t>마스터 텍스트 스타일을 편집합니다</a:t>
             </a:r>
           </a:p>
@@ -2395,7 +2377,7 @@
                 </a:solidFill>
               </a:rPr>
               <a:pPr/>
-              <a:t>2019-05-06</a:t>
+              <a:t>2020-11-05</a:t>
             </a:fld>
             <a:endParaRPr lang="ko-KR" altLang="en-US">
               <a:solidFill>
@@ -2523,10 +2505,9 @@
           </a:lstStyle>
           <a:p>
             <a:r>
-              <a:rPr lang="ko-KR" altLang="en-US" smtClean="0"/>
+              <a:rPr lang="ko-KR" altLang="en-US"/>
               <a:t>마스터 제목 스타일 편집</a:t>
             </a:r>
-            <a:endParaRPr lang="ko-KR" altLang="en-US"/>
           </a:p>
         </p:txBody>
       </p:sp>
@@ -2650,7 +2631,7 @@
           <a:p>
             <a:pPr lvl="0"/>
             <a:r>
-              <a:rPr lang="ko-KR" altLang="en-US" smtClean="0"/>
+              <a:rPr lang="ko-KR" altLang="en-US"/>
               <a:t>마스터 텍스트 스타일을 편집합니다</a:t>
             </a:r>
           </a:p>
@@ -2680,7 +2661,7 @@
                 </a:solidFill>
               </a:rPr>
               <a:pPr/>
-              <a:t>2019-05-06</a:t>
+              <a:t>2020-11-05</a:t>
             </a:fld>
             <a:endParaRPr lang="ko-KR" altLang="en-US">
               <a:solidFill>
@@ -2814,10 +2795,9 @@
           <a:lstStyle/>
           <a:p>
             <a:r>
-              <a:rPr lang="ko-KR" altLang="en-US" smtClean="0"/>
+              <a:rPr lang="ko-KR" altLang="en-US"/>
               <a:t>마스터 제목 스타일 편집</a:t>
             </a:r>
-            <a:endParaRPr lang="ko-KR" altLang="en-US"/>
           </a:p>
         </p:txBody>
       </p:sp>
@@ -2848,38 +2828,37 @@
           <a:p>
             <a:pPr lvl="0"/>
             <a:r>
-              <a:rPr lang="ko-KR" altLang="en-US" smtClean="0"/>
+              <a:rPr lang="ko-KR" altLang="en-US"/>
               <a:t>마스터 텍스트 스타일을 편집합니다</a:t>
             </a:r>
           </a:p>
           <a:p>
             <a:pPr lvl="1"/>
             <a:r>
-              <a:rPr lang="ko-KR" altLang="en-US" smtClean="0"/>
+              <a:rPr lang="ko-KR" altLang="en-US"/>
               <a:t>둘째 수준</a:t>
             </a:r>
           </a:p>
           <a:p>
             <a:pPr lvl="2"/>
             <a:r>
-              <a:rPr lang="ko-KR" altLang="en-US" smtClean="0"/>
+              <a:rPr lang="ko-KR" altLang="en-US"/>
               <a:t>셋째 수준</a:t>
             </a:r>
           </a:p>
           <a:p>
             <a:pPr lvl="3"/>
             <a:r>
-              <a:rPr lang="ko-KR" altLang="en-US" smtClean="0"/>
+              <a:rPr lang="ko-KR" altLang="en-US"/>
               <a:t>넷째 수준</a:t>
             </a:r>
           </a:p>
           <a:p>
             <a:pPr lvl="4"/>
             <a:r>
-              <a:rPr lang="ko-KR" altLang="en-US" smtClean="0"/>
+              <a:rPr lang="ko-KR" altLang="en-US"/>
               <a:t>다섯째 수준</a:t>
             </a:r>
-            <a:endParaRPr lang="ko-KR" altLang="en-US"/>
           </a:p>
         </p:txBody>
       </p:sp>
@@ -2925,7 +2904,7 @@
                 </a:solidFill>
               </a:rPr>
               <a:pPr/>
-              <a:t>2019-05-06</a:t>
+              <a:t>2020-11-05</a:t>
             </a:fld>
             <a:endParaRPr lang="ko-KR" altLang="en-US">
               <a:solidFill>
@@ -3339,22 +3318,23 @@
 </file>
 
 <file path=ppt/slides/slide1.xml><?xml version="1.0" encoding="utf-8"?>
-<p:sld xmlns:r="http://schemas.openxmlformats.org/officeDocument/2006/relationships" xmlns:c="http://schemas.openxmlformats.org/drawingml/2006/chart" xmlns:a="http://schemas.openxmlformats.org/drawingml/2006/main" xmlns:dgm="http://schemas.openxmlformats.org/drawingml/2006/diagram" xmlns:dsp="http://schemas.microsoft.com/office/drawing/2008/diagram" xmlns:p="http://schemas.openxmlformats.org/presentationml/2006/main">
+<p:sld xmlns:a="http://schemas.openxmlformats.org/drawingml/2006/main" xmlns:r="http://schemas.openxmlformats.org/officeDocument/2006/relationships" xmlns:p="http://schemas.openxmlformats.org/presentationml/2006/main">
   <p:cSld>
     <p:bg>
-      <p:bgPr shadeToTitle="0">
+      <p:bgPr>
         <a:gradFill flip="none" rotWithShape="1">
           <a:gsLst>
             <a:gs pos="0">
-              <a:srgbClr val="61d6e1"/>
+              <a:srgbClr val="61D6E1"/>
             </a:gs>
             <a:gs pos="100000">
-              <a:srgbClr val="ffcccc"/>
+              <a:srgbClr val="FFCCCC"/>
             </a:gs>
           </a:gsLst>
           <a:lin ang="2700000" scaled="1"/>
           <a:tileRect/>
         </a:gradFill>
+        <a:effectLst/>
       </p:bgPr>
     </p:bg>
     <p:spTree>
@@ -3379,8 +3359,8 @@
         </p:nvSpPr>
         <p:spPr>
           <a:xfrm>
-            <a:off x="3958348" y="4474829"/>
-            <a:ext cx="4275303" cy="925082"/>
+            <a:off x="3958348" y="4524375"/>
+            <a:ext cx="4275303" cy="825990"/>
           </a:xfrm>
           <a:prstGeom prst="roundRect">
             <a:avLst>
@@ -3394,10 +3374,10 @@
             <a:gradFill flip="none" rotWithShape="1">
               <a:gsLst>
                 <a:gs pos="0">
-                  <a:srgbClr val="61d6e1"/>
+                  <a:srgbClr val="61D6E1"/>
                 </a:gs>
                 <a:gs pos="100000">
-                  <a:srgbClr val="ffcccc"/>
+                  <a:srgbClr val="FFCCCC"/>
                 </a:gs>
               </a:gsLst>
               <a:lin ang="10800000" scaled="0"/>
@@ -3429,7 +3409,7 @@
               <a:defRPr/>
             </a:pPr>
             <a:r>
-              <a:rPr lang="ko-KR" altLang="en-US" sz="3000">
+              <a:rPr lang="ko-KR" altLang="en-US" sz="3000" dirty="0">
                 <a:solidFill>
                   <a:prstClr val="black">
                     <a:lumMod val="65000"/>
@@ -3441,16 +3421,6 @@
               </a:rPr>
               <a:t>인창컴퓨터동아리</a:t>
             </a:r>
-            <a:endParaRPr lang="ko-KR" altLang="en-US" sz="3000">
-              <a:solidFill>
-                <a:prstClr val="black">
-                  <a:lumMod val="65000"/>
-                  <a:lumOff val="35000"/>
-                </a:prstClr>
-              </a:solidFill>
-              <a:latin typeface="한컴 윤고딕 250"/>
-              <a:ea typeface="한컴 윤고딕 250"/>
-            </a:endParaRPr>
           </a:p>
         </p:txBody>
       </p:sp>
@@ -3482,18 +3452,22 @@
               <a:defRPr/>
             </a:pPr>
             <a:r>
-              <a:rPr lang="en-US" altLang="ko-KR" sz="7000" b="1">
-                <a:solidFill>
-                  <a:prstClr val="white"/>
+              <a:rPr lang="en-US" altLang="ko-KR" sz="7000" b="1" dirty="0">
+                <a:solidFill>
+                  <a:schemeClr val="bg2">
+                    <a:lumMod val="50000"/>
+                  </a:schemeClr>
                 </a:solidFill>
                 <a:latin typeface="한컴 윤고딕 230"/>
                 <a:ea typeface="한컴 윤고딕 230"/>
               </a:rPr>
               <a:t>SIINS</a:t>
             </a:r>
-            <a:endParaRPr lang="en-US" altLang="ko-KR" sz="2400" i="1">
+            <a:endParaRPr lang="en-US" altLang="ko-KR" sz="2400" i="1" dirty="0">
               <a:solidFill>
-                <a:prstClr val="white"/>
+                <a:schemeClr val="bg2">
+                  <a:lumMod val="50000"/>
+                </a:schemeClr>
               </a:solidFill>
               <a:latin typeface="한컴 윤고딕 230"/>
               <a:ea typeface="한컴 윤고딕 230"/>
@@ -3507,22 +3481,17 @@
               <a:defRPr/>
             </a:pPr>
             <a:r>
-              <a:rPr lang="en-US" altLang="ko-KR" sz="3000">
-                <a:solidFill>
-                  <a:prstClr val="white"/>
+              <a:rPr lang="en-US" altLang="ko-KR" sz="3000" dirty="0">
+                <a:solidFill>
+                  <a:schemeClr val="bg2">
+                    <a:lumMod val="50000"/>
+                  </a:schemeClr>
                 </a:solidFill>
                 <a:latin typeface="한컴 윤고딕 230"/>
                 <a:ea typeface="한컴 윤고딕 230"/>
               </a:rPr>
-              <a:t>School Informatino Integrated Notification System</a:t>
-            </a:r>
-            <a:endParaRPr lang="en-US" altLang="ko-KR" sz="3000">
-              <a:solidFill>
-                <a:prstClr val="white"/>
-              </a:solidFill>
-              <a:latin typeface="한컴 윤고딕 230"/>
-              <a:ea typeface="한컴 윤고딕 230"/>
-            </a:endParaRPr>
+              <a:t>School Information Integrated Notification System</a:t>
+            </a:r>
           </a:p>
         </p:txBody>
       </p:sp>
@@ -3531,21 +3500,14 @@
   <p:clrMapOvr>
     <a:masterClrMapping/>
   </p:clrMapOvr>
-  <mc:AlternateContent xmlns:mc="http://schemas.openxmlformats.org/markup-compatibility/2006">
-    <mc:Choice xmlns:p14="http://schemas.microsoft.com/office/powerpoint/2010/main" Requires="p14">
-      <p:transition xmlns:mc="http://schemas.openxmlformats.org/markup-compatibility/2006" xmlns:p14="http://schemas.microsoft.com/office/powerpoint/2010/main" mc:Ignorable="p14" p14:dur="500"/>
+  <mc:AlternateContent xmlns:mc="http://schemas.openxmlformats.org/markup-compatibility/2006" xmlns:p14="http://schemas.microsoft.com/office/powerpoint/2010/main">
+    <mc:Choice Requires="p14">
+      <p:transition/>
     </mc:Choice>
-    <mc:Fallback>
+    <mc:Fallback xmlns:dsp="http://schemas.microsoft.com/office/drawing/2008/diagram" xmlns:dgm="http://schemas.openxmlformats.org/drawingml/2006/diagram" xmlns:c="http://schemas.openxmlformats.org/drawingml/2006/chart" xmlns="">
       <p:transition/>
     </mc:Fallback>
   </mc:AlternateContent>
-  <p:timing>
-    <p:tnLst>
-      <p:par>
-        <p:cTn id="1" dur="indefinite" restart="never" nodeType="tmRoot"/>
-      </p:par>
-    </p:tnLst>
-  </p:timing>
 </p:sld>
 </file>
 
@@ -3636,16 +3598,20 @@
             <a:r>
               <a:rPr lang="en-US" altLang="ko-KR" sz="2500" i="1">
                 <a:solidFill>
-                  <a:prstClr val="white"/>
+                  <a:schemeClr val="bg2">
+                    <a:lumMod val="50000"/>
+                  </a:schemeClr>
                 </a:solidFill>
                 <a:latin typeface="Cambria"/>
                 <a:cs typeface="Arial"/>
               </a:rPr>
               <a:t>SIINS</a:t>
             </a:r>
-            <a:endParaRPr lang="en-US" altLang="ko-KR" i="1">
+            <a:endParaRPr lang="en-US" altLang="ko-KR" sz="2500" i="1">
               <a:solidFill>
-                <a:prstClr val="white"/>
+                <a:schemeClr val="bg2">
+                  <a:lumMod val="50000"/>
+                </a:schemeClr>
               </a:solidFill>
               <a:latin typeface="Cambria"/>
               <a:cs typeface="Arial"/>
@@ -3661,7 +3627,9 @@
             <a:r>
               <a:rPr lang="en-US" altLang="ko-KR" sz="1400">
                 <a:solidFill>
-                  <a:prstClr val="white"/>
+                  <a:schemeClr val="bg2">
+                    <a:lumMod val="50000"/>
+                  </a:schemeClr>
                 </a:solidFill>
                 <a:latin typeface="Cambria"/>
                 <a:cs typeface="Arial"/>
@@ -3670,7 +3638,9 @@
             </a:r>
             <a:endParaRPr lang="en-US" altLang="ko-KR" sz="1400">
               <a:solidFill>
-                <a:prstClr val="white"/>
+                <a:schemeClr val="bg2">
+                  <a:lumMod val="50000"/>
+                </a:schemeClr>
               </a:solidFill>
               <a:latin typeface="Cambria"/>
               <a:cs typeface="Arial"/>
@@ -3707,6 +3677,11 @@
             </a:pPr>
             <a:r>
               <a:rPr lang="ko-KR" altLang="en-US" sz="3000" b="1">
+                <a:ln w="9525">
+                  <a:solidFill>
+                    <a:srgbClr val="a6a6a6"/>
+                  </a:solidFill>
+                </a:ln>
                 <a:solidFill>
                   <a:srgbClr val="62d6e1"/>
                 </a:solidFill>
@@ -3714,6 +3689,11 @@
               <a:t>과제 알림 서비스</a:t>
             </a:r>
             <a:endParaRPr lang="ko-KR" altLang="en-US" sz="3000" b="1">
+              <a:ln w="9525">
+                <a:solidFill>
+                  <a:srgbClr val="a6a6a6"/>
+                </a:solidFill>
+              </a:ln>
               <a:solidFill>
                 <a:srgbClr val="62d6e1"/>
               </a:solidFill>
@@ -3792,6 +3772,11 @@
             </a:pPr>
             <a:r>
               <a:rPr lang="en-US" altLang="ko-KR" sz="4000" b="1">
+                <a:ln w="9525">
+                  <a:solidFill>
+                    <a:srgbClr val="a6a6a6"/>
+                  </a:solidFill>
+                </a:ln>
                 <a:solidFill>
                   <a:srgbClr val="63d6e1"/>
                 </a:solidFill>
@@ -3800,6 +3785,11 @@
             </a:r>
             <a:r>
               <a:rPr lang="ko-KR" altLang="en-US" sz="4000" b="1">
+                <a:ln w="9525">
+                  <a:solidFill>
+                    <a:srgbClr val="a6a6a6"/>
+                  </a:solidFill>
+                </a:ln>
                 <a:solidFill>
                   <a:srgbClr val="63d6e1"/>
                 </a:solidFill>
@@ -3808,6 +3798,11 @@
             </a:r>
             <a:r>
               <a:rPr lang="en-US" altLang="ko-KR" sz="4000" b="1">
+                <a:ln w="9525">
+                  <a:solidFill>
+                    <a:srgbClr val="a6a6a6"/>
+                  </a:solidFill>
+                </a:ln>
                 <a:solidFill>
                   <a:srgbClr val="63d6e1"/>
                 </a:solidFill>
@@ -3815,6 +3810,11 @@
               <a:t>?</a:t>
             </a:r>
             <a:endParaRPr lang="en-US" altLang="ko-KR" sz="4000" b="1">
+              <a:ln w="9525">
+                <a:solidFill>
+                  <a:srgbClr val="a6a6a6"/>
+                </a:solidFill>
+              </a:ln>
               <a:solidFill>
                 <a:srgbClr val="63d6e1"/>
               </a:solidFill>
@@ -3829,6 +3829,11 @@
             </a:pPr>
             <a:r>
               <a:rPr lang="ko-KR" altLang="en-US" sz="4000" b="1">
+                <a:ln w="9525">
+                  <a:solidFill>
+                    <a:srgbClr val="a6a6a6"/>
+                  </a:solidFill>
+                </a:ln>
                 <a:solidFill>
                   <a:srgbClr val="63d6e1"/>
                 </a:solidFill>
@@ -3836,6 +3841,11 @@
               <a:t>학생 정보 알림 시스템</a:t>
             </a:r>
             <a:endParaRPr lang="ko-KR" altLang="en-US" sz="4000" b="1">
+              <a:ln w="9525">
+                <a:solidFill>
+                  <a:schemeClr val="tx1"/>
+                </a:solidFill>
+              </a:ln>
               <a:solidFill>
                 <a:srgbClr val="63d6e1"/>
               </a:solidFill>
@@ -3885,6 +3895,11 @@
             </a:pPr>
             <a:r>
               <a:rPr lang="ko-KR" altLang="en-US" sz="3000" b="1">
+                <a:ln w="9525">
+                  <a:solidFill>
+                    <a:srgbClr val="a6a6a6"/>
+                  </a:solidFill>
+                </a:ln>
                 <a:solidFill>
                   <a:srgbClr val="64d6e1"/>
                 </a:solidFill>
@@ -3892,8 +3907,13 @@
               <a:t>교실 알림 서비스</a:t>
             </a:r>
             <a:endParaRPr lang="ko-KR" altLang="en-US" sz="3000" b="1">
+              <a:ln w="9525">
+                <a:solidFill>
+                  <a:schemeClr val="tx1"/>
+                </a:solidFill>
+              </a:ln>
               <a:solidFill>
-                <a:srgbClr val="98ddf0"/>
+                <a:srgbClr val="64d6e1"/>
               </a:solidFill>
             </a:endParaRPr>
           </a:p>
@@ -3943,7 +3963,7 @@
       </p:sp>
       <p:sp>
         <p:nvSpPr>
-          <p:cNvPr id="40" name=""/>
+          <p:cNvPr id="40" name="직사각형 39"/>
           <p:cNvSpPr/>
           <p:nvPr/>
         </p:nvSpPr>
@@ -4006,15 +4026,16 @@
 </file>
 
 <file path=ppt/slides/slide3.xml><?xml version="1.0" encoding="utf-8"?>
-<p:sld xmlns:r="http://schemas.openxmlformats.org/officeDocument/2006/relationships" xmlns:c="http://schemas.openxmlformats.org/drawingml/2006/chart" xmlns:a="http://schemas.openxmlformats.org/drawingml/2006/main" xmlns:dgm="http://schemas.openxmlformats.org/drawingml/2006/diagram" xmlns:dsp="http://schemas.microsoft.com/office/drawing/2008/diagram" xmlns:p="http://schemas.openxmlformats.org/presentationml/2006/main">
+<p:sld xmlns:a="http://schemas.openxmlformats.org/drawingml/2006/main" xmlns:r="http://schemas.openxmlformats.org/officeDocument/2006/relationships" xmlns:p="http://schemas.openxmlformats.org/presentationml/2006/main">
   <p:cSld>
     <p:bg>
-      <p:bgPr shadeToTitle="0">
+      <p:bgPr>
         <a:solidFill>
           <a:schemeClr val="bg1">
             <a:lumMod val="95000"/>
           </a:schemeClr>
         </a:solidFill>
+        <a:effectLst/>
       </p:bgPr>
     </p:bg>
     <p:spTree>
@@ -4048,10 +4069,10 @@
           <a:gradFill flip="none" rotWithShape="1">
             <a:gsLst>
               <a:gs pos="0">
-                <a:srgbClr val="61d6e1"/>
+                <a:srgbClr val="61D6E1"/>
               </a:gs>
               <a:gs pos="100000">
-                <a:srgbClr val="ffcccc"/>
+                <a:srgbClr val="FFCCCC"/>
               </a:gs>
             </a:gsLst>
             <a:lin ang="0" scaled="1"/>
@@ -4090,9 +4111,11 @@
               <a:defRPr/>
             </a:pPr>
             <a:r>
-              <a:rPr lang="en-US" altLang="ko-KR" sz="2500">
-                <a:solidFill>
-                  <a:prstClr val="white"/>
+              <a:rPr lang="en-US" altLang="ko-KR" sz="2500" dirty="0">
+                <a:solidFill>
+                  <a:schemeClr val="bg2">
+                    <a:lumMod val="50000"/>
+                  </a:schemeClr>
                 </a:solidFill>
                 <a:latin typeface="Cambria"/>
                 <a:cs typeface="Arial"/>
@@ -4100,9 +4123,11 @@
               <a:t>SIINS</a:t>
             </a:r>
             <a:r>
-              <a:rPr lang="ko-KR" altLang="en-US" sz="2500">
-                <a:solidFill>
-                  <a:prstClr val="white"/>
+              <a:rPr lang="ko-KR" altLang="en-US" sz="2500" dirty="0">
+                <a:solidFill>
+                  <a:schemeClr val="bg2">
+                    <a:lumMod val="50000"/>
+                  </a:schemeClr>
                 </a:solidFill>
                 <a:latin typeface="Cambria"/>
                 <a:cs typeface="Arial"/>
@@ -4110,9 +4135,11 @@
               <a:t> </a:t>
             </a:r>
             <a:r>
-              <a:rPr lang="en-US" altLang="ko-KR" sz="2500">
-                <a:solidFill>
-                  <a:prstClr val="white"/>
+              <a:rPr lang="en-US" altLang="ko-KR" sz="2500" dirty="0">
+                <a:solidFill>
+                  <a:schemeClr val="bg2">
+                    <a:lumMod val="50000"/>
+                  </a:schemeClr>
                 </a:solidFill>
                 <a:latin typeface="Cambria"/>
                 <a:cs typeface="Arial"/>
@@ -4120,18 +4147,22 @@
               <a:t>-</a:t>
             </a:r>
             <a:r>
-              <a:rPr lang="ko-KR" altLang="en-US" sz="2500">
-                <a:solidFill>
-                  <a:prstClr val="white"/>
+              <a:rPr lang="ko-KR" altLang="en-US" sz="2500" dirty="0">
+                <a:solidFill>
+                  <a:schemeClr val="bg2">
+                    <a:lumMod val="50000"/>
+                  </a:schemeClr>
                 </a:solidFill>
                 <a:latin typeface="Cambria"/>
                 <a:cs typeface="Arial"/>
               </a:rPr>
               <a:t>과제 정보 서비스</a:t>
             </a:r>
-            <a:endParaRPr lang="ko-KR" altLang="en-US" sz="2500" i="1">
+            <a:endParaRPr lang="ko-KR" altLang="en-US" sz="2500" i="1" dirty="0">
               <a:solidFill>
-                <a:prstClr val="white"/>
+                <a:schemeClr val="bg2">
+                  <a:lumMod val="50000"/>
+                </a:schemeClr>
               </a:solidFill>
               <a:latin typeface="Cambria"/>
               <a:cs typeface="Arial"/>
@@ -4145,49 +4176,44 @@
               <a:defRPr/>
             </a:pPr>
             <a:r>
-              <a:rPr lang="en-US" altLang="ko-KR" sz="1400">
-                <a:solidFill>
-                  <a:prstClr val="white"/>
+              <a:rPr lang="en-US" altLang="ko-KR" sz="1400" dirty="0">
+                <a:solidFill>
+                  <a:schemeClr val="bg2">
+                    <a:lumMod val="50000"/>
+                  </a:schemeClr>
                 </a:solidFill>
                 <a:latin typeface="Cambria"/>
                 <a:cs typeface="Arial"/>
               </a:rPr>
               <a:t>School Information Integrated Notification System</a:t>
             </a:r>
-            <a:endParaRPr lang="en-US" altLang="ko-KR" sz="1400">
-              <a:solidFill>
-                <a:prstClr val="white"/>
-              </a:solidFill>
-              <a:latin typeface="Cambria"/>
-              <a:cs typeface="Arial"/>
-            </a:endParaRPr>
           </a:p>
         </p:txBody>
       </p:sp>
       <p:grpSp>
         <p:nvGrpSpPr>
-          <p:cNvPr id="77" name=""/>
+          <p:cNvPr id="77" name="그룹 76"/>
           <p:cNvGrpSpPr/>
           <p:nvPr/>
         </p:nvGrpSpPr>
         <p:grpSpPr>
-          <a:xfrm rot="0">
+          <a:xfrm>
             <a:off x="825264" y="1753254"/>
-            <a:ext cx="10541472" cy="4131290"/>
+            <a:ext cx="10541472" cy="4131291"/>
             <a:chOff x="825264" y="1753254"/>
-            <a:chExt cx="10541472" cy="4131290"/>
+            <a:chExt cx="10541472" cy="4131291"/>
           </a:xfrm>
         </p:grpSpPr>
         <p:sp>
           <p:nvSpPr>
-            <p:cNvPr id="61" name="양쪽 모서리가 둥근 사각형 110"/>
+            <p:cNvPr id="62" name="양쪽 모서리가 둥근 사각형 111"/>
             <p:cNvSpPr/>
             <p:nvPr/>
           </p:nvSpPr>
           <p:spPr>
             <a:xfrm>
-              <a:off x="894221" y="3957583"/>
-              <a:ext cx="3014608" cy="1284210"/>
+              <a:off x="4607337" y="3977693"/>
+              <a:ext cx="3014608" cy="1274763"/>
             </a:xfrm>
             <a:prstGeom prst="round2SameRect">
               <a:avLst>
@@ -4196,7 +4222,7 @@
               </a:avLst>
             </a:prstGeom>
             <a:solidFill>
-              <a:schemeClr val="bg1"/>
+              <a:srgbClr val="61D6E1"/>
             </a:solidFill>
             <a:ln>
               <a:noFill/>
@@ -4230,15 +4256,15 @@
                 <a:defRPr/>
               </a:pPr>
               <a:r>
-                <a:rPr lang="en-US" altLang="ko-KR" sz="1200">
+                <a:rPr lang="en-US" altLang="ko-KR" sz="1200" b="1" dirty="0">
                   <a:solidFill>
-                    <a:srgbClr val="00b3ff"/>
+                    <a:srgbClr val="203A7B"/>
                   </a:solidFill>
                 </a:rPr>
                 <a:t>---</a:t>
               </a:r>
               <a:r>
-                <a:rPr lang="ko-KR" altLang="en-US" sz="1200">
+                <a:rPr lang="ko-KR" altLang="en-US" sz="1200" dirty="0">
                   <a:solidFill>
                     <a:prstClr val="black">
                       <a:lumMod val="65000"/>
@@ -4249,19 +4275,55 @@
                 <a:t> </a:t>
               </a:r>
               <a:r>
-                <a:rPr lang="ko-KR" altLang="en-US" sz="1200">
+                <a:rPr lang="ko-KR" altLang="en-US" sz="1200" dirty="0">
                   <a:solidFill>
-                    <a:srgbClr val="404040"/>
+                    <a:schemeClr val="bg2">
+                      <a:lumMod val="50000"/>
+                    </a:schemeClr>
                   </a:solidFill>
                 </a:rPr>
-                <a:t>정보를 자세하게 알 수 있음</a:t>
+                <a:t>편리하게 정보를 확인 할 수 있음</a:t>
               </a:r>
-              <a:endParaRPr lang="ko-KR" altLang="en-US" sz="1200">
-                <a:solidFill>
-                  <a:prstClr val="black">
-                    <a:lumMod val="65000"/>
-                    <a:lumOff val="35000"/>
-                  </a:prstClr>
+            </a:p>
+            <a:p>
+              <a:pPr marL="0" indent="0">
+                <a:lnSpc>
+                  <a:spcPct val="150000"/>
+                </a:lnSpc>
+                <a:buNone/>
+                <a:defRPr/>
+              </a:pPr>
+              <a:r>
+                <a:rPr lang="en-US" altLang="ko-KR" sz="1200" b="1" dirty="0">
+                  <a:solidFill>
+                    <a:srgbClr val="FF0000"/>
+                  </a:solidFill>
+                </a:rPr>
+                <a:t>---</a:t>
+              </a:r>
+              <a:r>
+                <a:rPr lang="ko-KR" altLang="en-US" sz="1200" dirty="0">
+                  <a:solidFill>
+                    <a:srgbClr val="FF0000"/>
+                  </a:solidFill>
+                </a:rPr>
+                <a:t> </a:t>
+              </a:r>
+              <a:r>
+                <a:rPr lang="ko-KR" altLang="en-US" sz="1200" dirty="0">
+                  <a:solidFill>
+                    <a:schemeClr val="bg2">
+                      <a:lumMod val="50000"/>
+                    </a:schemeClr>
+                  </a:solidFill>
+                </a:rPr>
+                <a:t>학급 밖에서는 정보를 확인 할 수 없음</a:t>
+              </a:r>
+              <a:endParaRPr lang="en-US" altLang="ko-KR" sz="1200" dirty="0">
+                <a:solidFill>
+                  <a:schemeClr val="bg2">
+                    <a:lumMod val="50000"/>
+                  </a:schemeClr>
                 </a:solidFill>
               </a:endParaRPr>
             </a:p>
@@ -4274,48 +4336,43 @@
                 <a:defRPr/>
               </a:pPr>
               <a:r>
-                <a:rPr lang="en-US" altLang="ko-KR" sz="1200">
+                <a:rPr lang="en-US" altLang="ko-KR" sz="1200" b="1" dirty="0">
                   <a:solidFill>
-                    <a:srgbClr val="ff0000"/>
+                    <a:srgbClr val="FF0000"/>
                   </a:solidFill>
                 </a:rPr>
                 <a:t>---</a:t>
               </a:r>
               <a:r>
-                <a:rPr lang="ko-KR" altLang="en-US" sz="1200">
+                <a:rPr lang="ko-KR" altLang="en-US" sz="1200" dirty="0">
                   <a:solidFill>
-                    <a:srgbClr val="ff0000"/>
+                    <a:srgbClr val="FF0000"/>
                   </a:solidFill>
                 </a:rPr>
                 <a:t> </a:t>
               </a:r>
               <a:r>
-                <a:rPr lang="ko-KR" altLang="en-US" sz="1200">
+                <a:rPr lang="ko-KR" altLang="en-US" sz="1200" dirty="0">
                   <a:solidFill>
-                    <a:srgbClr val="404040"/>
+                    <a:schemeClr val="bg2">
+                      <a:lumMod val="50000"/>
+                    </a:schemeClr>
                   </a:solidFill>
                 </a:rPr>
-                <a:t>학급 밖에서는 정보를 확인 할 수 없음</a:t>
+                <a:t>시간이 지나면 잊어버리기 쉬움</a:t>
               </a:r>
-              <a:endParaRPr lang="ko-KR" altLang="en-US" sz="1200">
-                <a:solidFill>
-                  <a:schemeClr val="dk1"/>
-                </a:solidFill>
-              </a:endParaRPr>
             </a:p>
             <a:p>
-              <a:pPr>
+              <a:pPr marL="0" indent="0">
                 <a:lnSpc>
                   <a:spcPct val="150000"/>
                 </a:lnSpc>
+                <a:buNone/>
                 <a:defRPr/>
               </a:pPr>
-              <a:endParaRPr lang="ko-KR" altLang="en-US" sz="1200">
-                <a:solidFill>
-                  <a:prstClr val="black">
-                    <a:lumMod val="65000"/>
-                    <a:lumOff val="35000"/>
-                  </a:prstClr>
+              <a:endParaRPr lang="ko-KR" altLang="en-US" sz="1200" dirty="0">
+                <a:solidFill>
+                  <a:srgbClr val="404040"/>
                 </a:solidFill>
               </a:endParaRPr>
             </a:p>
@@ -4323,14 +4380,14 @@
         </p:sp>
         <p:sp>
           <p:nvSpPr>
-            <p:cNvPr id="62" name="양쪽 모서리가 둥근 사각형 111"/>
+            <p:cNvPr id="63" name="양쪽 모서리가 둥근 사각형 112"/>
             <p:cNvSpPr/>
             <p:nvPr/>
           </p:nvSpPr>
           <p:spPr>
             <a:xfrm>
-              <a:off x="4607337" y="3977693"/>
-              <a:ext cx="3014608" cy="1274763"/>
+              <a:off x="8313506" y="3975223"/>
+              <a:ext cx="3053229" cy="1284209"/>
             </a:xfrm>
             <a:prstGeom prst="round2SameRect">
               <a:avLst>
@@ -4339,10 +4396,14 @@
               </a:avLst>
             </a:prstGeom>
             <a:solidFill>
-              <a:srgbClr val="61d6e1"/>
+              <a:schemeClr val="bg1"/>
             </a:solidFill>
             <a:ln>
-              <a:noFill/>
+              <a:solidFill>
+                <a:schemeClr val="bg2">
+                  <a:lumMod val="50000"/>
+                </a:schemeClr>
+              </a:solidFill>
             </a:ln>
           </p:spPr>
           <p:style>
@@ -4373,15 +4434,15 @@
                 <a:defRPr/>
               </a:pPr>
               <a:r>
-                <a:rPr lang="en-US" altLang="ko-KR" sz="1200">
+                <a:rPr lang="en-US" altLang="ko-KR" sz="1200" b="1" dirty="0">
                   <a:solidFill>
-                    <a:srgbClr val="203a7b"/>
+                    <a:srgbClr val="00B3FF"/>
                   </a:solidFill>
                 </a:rPr>
                 <a:t>---</a:t>
               </a:r>
               <a:r>
-                <a:rPr lang="ko-KR" altLang="en-US" sz="1200">
+                <a:rPr lang="ko-KR" altLang="en-US" sz="1200" dirty="0">
                   <a:solidFill>
                     <a:prstClr val="black">
                       <a:lumMod val="65000"/>
@@ -4389,24 +4450,8 @@
                     </a:prstClr>
                   </a:solidFill>
                 </a:rPr>
-                <a:t> </a:t>
+                <a:t> 두 방식의 장점을 가지고 있음</a:t>
               </a:r>
-              <a:r>
-                <a:rPr lang="ko-KR" altLang="en-US" sz="1200">
-                  <a:solidFill>
-                    <a:srgbClr val="ffffff"/>
-                  </a:solidFill>
-                </a:rPr>
-                <a:t>편리하게 정보를 확인 할 수 있음</a:t>
-              </a:r>
-              <a:endParaRPr lang="ko-KR" altLang="en-US" sz="1200">
-                <a:solidFill>
-                  <a:prstClr val="black">
-                    <a:lumMod val="65000"/>
-                    <a:lumOff val="35000"/>
-                  </a:prstClr>
-                </a:solidFill>
-              </a:endParaRPr>
             </a:p>
             <a:p>
               <a:pPr marL="0" indent="0">
@@ -4417,34 +4462,29 @@
                 <a:defRPr/>
               </a:pPr>
               <a:r>
-                <a:rPr lang="en-US" altLang="ko-KR" sz="1200">
+                <a:rPr lang="en-US" altLang="ko-KR" sz="1200" b="1" dirty="0">
                   <a:solidFill>
-                    <a:srgbClr val="ff0000"/>
+                    <a:srgbClr val="FF0000"/>
                   </a:solidFill>
                 </a:rPr>
                 <a:t>---</a:t>
               </a:r>
               <a:r>
-                <a:rPr lang="ko-KR" altLang="en-US" sz="1200">
+                <a:rPr lang="ko-KR" altLang="en-US" sz="1200" dirty="0">
                   <a:solidFill>
-                    <a:srgbClr val="ff0000"/>
+                    <a:srgbClr val="FF0000"/>
                   </a:solidFill>
                 </a:rPr>
                 <a:t> </a:t>
               </a:r>
               <a:r>
-                <a:rPr lang="ko-KR" altLang="en-US" sz="1200">
+                <a:rPr lang="ko-KR" altLang="en-US" sz="1200" dirty="0">
                   <a:solidFill>
-                    <a:schemeClr val="lt1"/>
+                    <a:srgbClr val="404040"/>
                   </a:solidFill>
                 </a:rPr>
-                <a:t>학급 밖에서는 정보를 확인 할 수 없음</a:t>
+                <a:t>정보가 많아지면 확인하고 </a:t>
               </a:r>
-              <a:endParaRPr lang="en-US" altLang="ko-KR" sz="1200">
-                <a:solidFill>
-                  <a:srgbClr val="ff0000"/>
-                </a:solidFill>
-              </a:endParaRPr>
             </a:p>
             <a:p>
               <a:pPr marL="0" indent="0">
@@ -4455,185 +4495,22 @@
                 <a:defRPr/>
               </a:pPr>
               <a:r>
-                <a:rPr lang="en-US" altLang="ko-KR" sz="1200">
-                  <a:solidFill>
-                    <a:srgbClr val="ff0000"/>
-                  </a:solidFill>
-                </a:rPr>
-                <a:t>---</a:t>
-              </a:r>
-              <a:r>
-                <a:rPr lang="ko-KR" altLang="en-US" sz="1200">
-                  <a:solidFill>
-                    <a:srgbClr val="ff0000"/>
-                  </a:solidFill>
-                </a:rPr>
-                <a:t> </a:t>
-              </a:r>
-              <a:r>
-                <a:rPr lang="ko-KR" altLang="en-US" sz="1200">
-                  <a:solidFill>
-                    <a:srgbClr val="ffffff"/>
-                  </a:solidFill>
-                </a:rPr>
-                <a:t>시간이 지나면 잊어버리기 쉬움</a:t>
-              </a:r>
-              <a:endParaRPr lang="ko-KR" altLang="en-US" sz="1200">
-                <a:solidFill>
-                  <a:srgbClr val="ff0000"/>
-                </a:solidFill>
-              </a:endParaRPr>
-            </a:p>
-            <a:p>
-              <a:pPr marL="0" indent="0">
-                <a:lnSpc>
-                  <a:spcPct val="150000"/>
-                </a:lnSpc>
-                <a:buNone/>
-                <a:defRPr/>
-              </a:pPr>
-              <a:endParaRPr lang="ko-KR" altLang="en-US" sz="1200">
-                <a:solidFill>
-                  <a:srgbClr val="404040"/>
-                </a:solidFill>
-              </a:endParaRPr>
-            </a:p>
-          </p:txBody>
-        </p:sp>
-        <p:sp>
-          <p:nvSpPr>
-            <p:cNvPr id="63" name="양쪽 모서리가 둥근 사각형 112"/>
-            <p:cNvSpPr/>
-            <p:nvPr/>
-          </p:nvSpPr>
-          <p:spPr>
-            <a:xfrm>
-              <a:off x="8336281" y="3975223"/>
-              <a:ext cx="3014608" cy="1284209"/>
-            </a:xfrm>
-            <a:prstGeom prst="round2SameRect">
-              <a:avLst>
-                <a:gd name="adj1" fmla="val 0"/>
-                <a:gd name="adj2" fmla="val 0"/>
-              </a:avLst>
-            </a:prstGeom>
-            <a:solidFill>
-              <a:schemeClr val="bg1"/>
-            </a:solidFill>
-            <a:ln>
-              <a:noFill/>
-            </a:ln>
-          </p:spPr>
-          <p:style>
-            <a:lnRef idx="2">
-              <a:schemeClr val="accent1">
-                <a:shade val="50000"/>
-              </a:schemeClr>
-            </a:lnRef>
-            <a:fillRef idx="1">
-              <a:schemeClr val="accent1"/>
-            </a:fillRef>
-            <a:effectRef idx="0">
-              <a:schemeClr val="accent1"/>
-            </a:effectRef>
-            <a:fontRef idx="minor">
-              <a:schemeClr val="lt1"/>
-            </a:fontRef>
-          </p:style>
-          <p:txBody>
-            <a:bodyPr lIns="179999" rIns="179999" anchor="t"/>
-            <a:lstStyle/>
-            <a:p>
-              <a:pPr marL="0" indent="0">
-                <a:lnSpc>
-                  <a:spcPct val="150000"/>
-                </a:lnSpc>
-                <a:buNone/>
-                <a:defRPr/>
-              </a:pPr>
-              <a:r>
-                <a:rPr lang="en-US" altLang="ko-KR" sz="1200">
-                  <a:solidFill>
-                    <a:srgbClr val="00b3ff"/>
-                  </a:solidFill>
-                </a:rPr>
-                <a:t>---</a:t>
-              </a:r>
-              <a:r>
-                <a:rPr lang="ko-KR" altLang="en-US" sz="1200">
-                  <a:solidFill>
-                    <a:prstClr val="black">
-                      <a:lumMod val="65000"/>
-                      <a:lumOff val="35000"/>
-                    </a:prstClr>
-                  </a:solidFill>
-                </a:rPr>
-                <a:t> 두 방식의 장점을 가지고 있음</a:t>
-              </a:r>
-              <a:endParaRPr lang="ko-KR" altLang="en-US" sz="1200">
-                <a:solidFill>
-                  <a:prstClr val="black">
-                    <a:lumMod val="65000"/>
-                    <a:lumOff val="35000"/>
-                  </a:prstClr>
-                </a:solidFill>
-              </a:endParaRPr>
-            </a:p>
-            <a:p>
-              <a:pPr marL="0" indent="0">
-                <a:lnSpc>
-                  <a:spcPct val="150000"/>
-                </a:lnSpc>
-                <a:buNone/>
-                <a:defRPr/>
-              </a:pPr>
-              <a:r>
-                <a:rPr lang="en-US" altLang="ko-KR" sz="1200">
-                  <a:solidFill>
-                    <a:srgbClr val="ff0000"/>
-                  </a:solidFill>
-                </a:rPr>
-                <a:t>---</a:t>
-              </a:r>
-              <a:r>
-                <a:rPr lang="ko-KR" altLang="en-US" sz="1200">
-                  <a:solidFill>
-                    <a:srgbClr val="ff0000"/>
-                  </a:solidFill>
-                </a:rPr>
-                <a:t> </a:t>
-              </a:r>
-              <a:r>
-                <a:rPr lang="ko-KR" altLang="en-US" sz="1200">
+                <a:rPr lang="ko-KR" altLang="en-US" sz="1200" dirty="0">
                   <a:solidFill>
                     <a:srgbClr val="404040"/>
                   </a:solidFill>
                 </a:rPr>
-                <a:t>정보가 많아지면 확인하고 </a:t>
+                <a:t>분류하기가 </a:t>
               </a:r>
-              <a:endParaRPr lang="ko-KR" altLang="en-US" sz="1200">
-                <a:solidFill>
-                  <a:srgbClr val="404040"/>
-                </a:solidFill>
-              </a:endParaRPr>
-            </a:p>
-            <a:p>
-              <a:pPr marL="0" indent="0">
-                <a:lnSpc>
-                  <a:spcPct val="150000"/>
-                </a:lnSpc>
-                <a:buNone/>
-                <a:defRPr/>
-              </a:pPr>
               <a:r>
-                <a:rPr lang="ko-KR" altLang="en-US" sz="1200">
+                <a:rPr lang="ko-KR" altLang="en-US" sz="1200" dirty="0" err="1">
                   <a:solidFill>
                     <a:srgbClr val="404040"/>
                   </a:solidFill>
                 </a:rPr>
-                <a:t>분류하기가 어려워짐</a:t>
+                <a:t>어려워짐</a:t>
               </a:r>
-              <a:endParaRPr lang="ko-KR" altLang="en-US" sz="1200">
+              <a:endParaRPr lang="ko-KR" altLang="en-US" sz="1200" dirty="0">
                 <a:solidFill>
                   <a:srgbClr val="404040"/>
                 </a:solidFill>
@@ -4643,7 +4520,7 @@
         </p:sp>
         <p:pic>
           <p:nvPicPr>
-            <p:cNvPr id="70" name=""/>
+            <p:cNvPr id="70" name="그림 69"/>
             <p:cNvPicPr>
               <a:picLocks noChangeAspect="1"/>
             </p:cNvPicPr>
@@ -4665,9 +4542,7 @@
               <a:avLst/>
             </a:prstGeom>
             <a:ln>
-              <a:solidFill>
-                <a:srgbClr val="808080"/>
-              </a:solidFill>
+              <a:noFill/>
             </a:ln>
           </p:spPr>
         </p:pic>
@@ -4694,10 +4569,10 @@
               <a:gradFill flip="none" rotWithShape="1">
                 <a:gsLst>
                   <a:gs pos="0">
-                    <a:srgbClr val="61d6e1"/>
+                    <a:srgbClr val="61D6E1"/>
                   </a:gs>
                   <a:gs pos="100000">
-                    <a:srgbClr val="ffcccc"/>
+                    <a:srgbClr val="FFCCCC"/>
                   </a:gs>
                 </a:gsLst>
                 <a:lin ang="10800000" scaled="0"/>
@@ -4739,14 +4614,6 @@
                 </a:rPr>
                 <a:t>카카오톡</a:t>
               </a:r>
-              <a:endParaRPr lang="ko-KR" altLang="en-US" sz="1200" b="1">
-                <a:solidFill>
-                  <a:prstClr val="black">
-                    <a:lumMod val="65000"/>
-                    <a:lumOff val="35000"/>
-                  </a:prstClr>
-                </a:solidFill>
-              </a:endParaRPr>
             </a:p>
           </p:txBody>
         </p:sp>
@@ -4777,7 +4644,7 @@
               <a:r>
                 <a:rPr lang="ko-KR" altLang="en-US" sz="1400" b="1">
                   <a:solidFill>
-                    <a:srgbClr val="61d6e1"/>
+                    <a:srgbClr val="61D6E1"/>
                   </a:solidFill>
                 </a:rPr>
                 <a:t>♥♥♥</a:t>
@@ -4822,13 +4689,6 @@
                 </a:rPr>
                 <a:t>%</a:t>
               </a:r>
-              <a:endParaRPr lang="en-US" altLang="ko-KR" sz="1600">
-                <a:solidFill>
-                  <a:prstClr val="white">
-                    <a:lumMod val="50000"/>
-                  </a:prstClr>
-                </a:solidFill>
-              </a:endParaRPr>
             </a:p>
           </p:txBody>
         </p:sp>
@@ -4859,7 +4719,7 @@
               <a:r>
                 <a:rPr lang="ko-KR" altLang="en-US" sz="1400" b="1">
                   <a:solidFill>
-                    <a:srgbClr val="61d6e1"/>
+                    <a:srgbClr val="61D6E1"/>
                   </a:solidFill>
                 </a:rPr>
                 <a:t>♥♥♥♥</a:t>
@@ -4904,13 +4764,6 @@
                 </a:rPr>
                 <a:t>%</a:t>
               </a:r>
-              <a:endParaRPr lang="en-US" altLang="ko-KR" sz="1600">
-                <a:solidFill>
-                  <a:prstClr val="white">
-                    <a:lumMod val="50000"/>
-                  </a:prstClr>
-                </a:solidFill>
-              </a:endParaRPr>
             </a:p>
           </p:txBody>
         </p:sp>
@@ -4941,7 +4794,7 @@
               <a:r>
                 <a:rPr lang="ko-KR" altLang="en-US" sz="1400" b="1">
                   <a:solidFill>
-                    <a:srgbClr val="61d6e1"/>
+                    <a:srgbClr val="61D6E1"/>
                   </a:solidFill>
                 </a:rPr>
                 <a:t>♥♥♥♥♥♥</a:t>
@@ -4986,19 +4839,12 @@
                 </a:rPr>
                 <a:t>%</a:t>
               </a:r>
-              <a:endParaRPr lang="en-US" altLang="ko-KR" sz="1600">
-                <a:solidFill>
-                  <a:prstClr val="white">
-                    <a:lumMod val="50000"/>
-                  </a:prstClr>
-                </a:solidFill>
-              </a:endParaRPr>
             </a:p>
           </p:txBody>
         </p:sp>
         <p:pic>
           <p:nvPicPr>
-            <p:cNvPr id="71" name=""/>
+            <p:cNvPr id="71" name="그림 70"/>
             <p:cNvPicPr>
               <a:picLocks noChangeAspect="1"/>
             </p:cNvPicPr>
@@ -5044,10 +4890,10 @@
               <a:gradFill flip="none" rotWithShape="1">
                 <a:gsLst>
                   <a:gs pos="0">
-                    <a:srgbClr val="61d6e1"/>
+                    <a:srgbClr val="61D6E1"/>
                   </a:gs>
                   <a:gs pos="100000">
-                    <a:srgbClr val="ffcccc"/>
+                    <a:srgbClr val="FFCCCC"/>
                   </a:gs>
                 </a:gsLst>
                 <a:lin ang="10800000" scaled="0"/>
@@ -5089,20 +4935,12 @@
                 </a:rPr>
                 <a:t>수업 시간 공지</a:t>
               </a:r>
-              <a:endParaRPr lang="ko-KR" altLang="en-US" sz="1200" b="1">
-                <a:solidFill>
-                  <a:prstClr val="black">
-                    <a:lumMod val="65000"/>
-                    <a:lumOff val="35000"/>
-                  </a:prstClr>
-                </a:solidFill>
-              </a:endParaRPr>
             </a:p>
           </p:txBody>
         </p:sp>
         <p:sp>
           <p:nvSpPr>
-            <p:cNvPr id="73" name=""/>
+            <p:cNvPr id="73" name="직사각형 72"/>
             <p:cNvSpPr/>
             <p:nvPr/>
           </p:nvSpPr>
@@ -5115,7 +4953,7 @@
               <a:avLst/>
             </a:prstGeom>
             <a:solidFill>
-              <a:srgbClr val="f8f8f8"/>
+              <a:srgbClr val="F8F8F8"/>
             </a:solidFill>
             <a:ln>
               <a:noFill/>
@@ -5139,6 +4977,7 @@
           </p:style>
           <p:txBody>
             <a:bodyPr anchor="ctr"/>
+            <a:lstStyle/>
             <a:p>
               <a:pPr algn="ctr">
                 <a:defRPr/>
@@ -5149,7 +4988,7 @@
         </p:sp>
         <p:pic>
           <p:nvPicPr>
-            <p:cNvPr id="72" name=""/>
+            <p:cNvPr id="72" name="그림 71"/>
             <p:cNvPicPr>
               <a:picLocks noChangeAspect="1"/>
             </p:cNvPicPr>
@@ -5171,9 +5010,7 @@
               <a:avLst/>
             </a:prstGeom>
             <a:ln>
-              <a:solidFill>
-                <a:srgbClr val="808080"/>
-              </a:solidFill>
+              <a:noFill/>
             </a:ln>
           </p:spPr>
         </p:pic>
@@ -5200,10 +5037,10 @@
               <a:gradFill flip="none" rotWithShape="1">
                 <a:gsLst>
                   <a:gs pos="0">
-                    <a:srgbClr val="61d6e1"/>
+                    <a:srgbClr val="61D6E1"/>
                   </a:gs>
                   <a:gs pos="100000">
-                    <a:srgbClr val="ffcccc"/>
+                    <a:srgbClr val="FFCCCC"/>
                   </a:gs>
                 </a:gsLst>
                 <a:lin ang="10800000" scaled="0"/>
@@ -5245,7 +5082,146 @@
                 </a:rPr>
                 <a:t>게시판</a:t>
               </a:r>
-              <a:endParaRPr lang="ko-KR" altLang="en-US" sz="1200" b="1">
+            </a:p>
+          </p:txBody>
+        </p:sp>
+        <p:sp>
+          <p:nvSpPr>
+            <p:cNvPr id="61" name="양쪽 모서리가 둥근 사각형 110"/>
+            <p:cNvSpPr/>
+            <p:nvPr/>
+          </p:nvSpPr>
+          <p:spPr>
+            <a:xfrm>
+              <a:off x="911043" y="3947472"/>
+              <a:ext cx="2997103" cy="1284210"/>
+            </a:xfrm>
+            <a:prstGeom prst="round2SameRect">
+              <a:avLst>
+                <a:gd name="adj1" fmla="val 0"/>
+                <a:gd name="adj2" fmla="val 0"/>
+              </a:avLst>
+            </a:prstGeom>
+            <a:solidFill>
+              <a:schemeClr val="bg1"/>
+            </a:solidFill>
+            <a:ln>
+              <a:solidFill>
+                <a:schemeClr val="bg2">
+                  <a:lumMod val="50000"/>
+                </a:schemeClr>
+              </a:solidFill>
+            </a:ln>
+          </p:spPr>
+          <p:style>
+            <a:lnRef idx="2">
+              <a:schemeClr val="accent1">
+                <a:shade val="50000"/>
+              </a:schemeClr>
+            </a:lnRef>
+            <a:fillRef idx="1">
+              <a:schemeClr val="accent1"/>
+            </a:fillRef>
+            <a:effectRef idx="0">
+              <a:schemeClr val="accent1"/>
+            </a:effectRef>
+            <a:fontRef idx="minor">
+              <a:schemeClr val="lt1"/>
+            </a:fontRef>
+          </p:style>
+          <p:txBody>
+            <a:bodyPr lIns="179999" rIns="179999" anchor="t"/>
+            <a:lstStyle/>
+            <a:p>
+              <a:pPr marL="0" indent="0">
+                <a:lnSpc>
+                  <a:spcPct val="150000"/>
+                </a:lnSpc>
+                <a:buNone/>
+                <a:defRPr/>
+              </a:pPr>
+              <a:r>
+                <a:rPr lang="en-US" altLang="ko-KR" sz="1200" b="1" dirty="0">
+                  <a:solidFill>
+                    <a:srgbClr val="00B3FF"/>
+                  </a:solidFill>
+                </a:rPr>
+                <a:t>---</a:t>
+              </a:r>
+              <a:r>
+                <a:rPr lang="ko-KR" altLang="en-US" sz="1200" dirty="0">
+                  <a:solidFill>
+                    <a:prstClr val="black">
+                      <a:lumMod val="65000"/>
+                      <a:lumOff val="35000"/>
+                    </a:prstClr>
+                  </a:solidFill>
+                </a:rPr>
+                <a:t> </a:t>
+              </a:r>
+              <a:r>
+                <a:rPr lang="ko-KR" altLang="en-US" sz="1200" dirty="0">
+                  <a:solidFill>
+                    <a:srgbClr val="404040"/>
+                  </a:solidFill>
+                </a:rPr>
+                <a:t>정보를 자세하게 알 수 있음</a:t>
+              </a:r>
+              <a:endParaRPr lang="ko-KR" altLang="en-US" sz="1200" dirty="0">
+                <a:solidFill>
+                  <a:prstClr val="black">
+                    <a:lumMod val="65000"/>
+                    <a:lumOff val="35000"/>
+                  </a:prstClr>
+                </a:solidFill>
+              </a:endParaRPr>
+            </a:p>
+            <a:p>
+              <a:pPr marL="0" indent="0">
+                <a:lnSpc>
+                  <a:spcPct val="150000"/>
+                </a:lnSpc>
+                <a:buNone/>
+                <a:defRPr/>
+              </a:pPr>
+              <a:r>
+                <a:rPr lang="en-US" altLang="ko-KR" sz="1200" b="1" dirty="0">
+                  <a:solidFill>
+                    <a:srgbClr val="FF0000"/>
+                  </a:solidFill>
+                </a:rPr>
+                <a:t>---</a:t>
+              </a:r>
+              <a:r>
+                <a:rPr lang="ko-KR" altLang="en-US" sz="1200" dirty="0">
+                  <a:solidFill>
+                    <a:srgbClr val="FF0000"/>
+                  </a:solidFill>
+                </a:rPr>
+                <a:t> </a:t>
+              </a:r>
+              <a:r>
+                <a:rPr lang="ko-KR" altLang="en-US" sz="1200" dirty="0">
+                  <a:solidFill>
+                    <a:srgbClr val="404040"/>
+                  </a:solidFill>
+                </a:rPr>
+                <a:t>학급 밖에서는 정보를 확인 할 수 없음</a:t>
+              </a:r>
+              <a:endParaRPr lang="ko-KR" altLang="en-US" sz="1200" dirty="0">
+                <a:solidFill>
+                  <a:schemeClr val="dk1"/>
+                </a:solidFill>
+              </a:endParaRPr>
+            </a:p>
+            <a:p>
+              <a:pPr>
+                <a:lnSpc>
+                  <a:spcPct val="150000"/>
+                </a:lnSpc>
+                <a:defRPr/>
+              </a:pPr>
+              <a:endParaRPr lang="ko-KR" altLang="en-US" sz="1200" dirty="0">
                 <a:solidFill>
                   <a:prstClr val="black">
                     <a:lumMod val="65000"/>
@@ -5259,16 +5235,16 @@
       </p:grpSp>
       <p:grpSp>
         <p:nvGrpSpPr>
-          <p:cNvPr id="83" name=""/>
+          <p:cNvPr id="83" name="그룹 82"/>
           <p:cNvGrpSpPr/>
           <p:nvPr/>
         </p:nvGrpSpPr>
         <p:grpSpPr>
-          <a:xfrm rot="0">
+          <a:xfrm>
             <a:off x="4591507" y="1764543"/>
-            <a:ext cx="3224707" cy="4104480"/>
+            <a:ext cx="3224707" cy="4104872"/>
             <a:chOff x="4591507" y="1764543"/>
-            <a:chExt cx="3224707" cy="4104480"/>
+            <a:chExt cx="3224707" cy="4104872"/>
           </a:xfrm>
         </p:grpSpPr>
         <p:sp>
@@ -5279,7 +5255,7 @@
           </p:nvSpPr>
           <p:spPr>
             <a:xfrm>
-              <a:off x="4607337" y="3977693"/>
+              <a:off x="4607337" y="4011079"/>
               <a:ext cx="3014608" cy="1274763"/>
             </a:xfrm>
             <a:prstGeom prst="round2SameRect">
@@ -5289,7 +5265,7 @@
               </a:avLst>
             </a:prstGeom>
             <a:solidFill>
-              <a:srgbClr val="61d6e1"/>
+              <a:srgbClr val="61D6E1"/>
             </a:solidFill>
             <a:ln>
               <a:noFill/>
@@ -5323,15 +5299,15 @@
                 <a:defRPr/>
               </a:pPr>
               <a:r>
-                <a:rPr lang="en-US" altLang="ko-KR" sz="1200">
+                <a:rPr lang="en-US" altLang="ko-KR" sz="1200" b="1" dirty="0">
                   <a:solidFill>
-                    <a:srgbClr val="203a7b"/>
+                    <a:srgbClr val="203A7B"/>
                   </a:solidFill>
                 </a:rPr>
                 <a:t>---</a:t>
               </a:r>
               <a:r>
-                <a:rPr lang="ko-KR" altLang="en-US" sz="1200">
+                <a:rPr lang="ko-KR" altLang="en-US" sz="1200" dirty="0">
                   <a:solidFill>
                     <a:prstClr val="black">
                       <a:lumMod val="65000"/>
@@ -5342,18 +5318,56 @@
                 <a:t> </a:t>
               </a:r>
               <a:r>
-                <a:rPr lang="ko-KR" altLang="en-US" sz="1200">
+                <a:rPr lang="ko-KR" altLang="en-US" sz="1200" dirty="0">
                   <a:solidFill>
-                    <a:srgbClr val="ffffff"/>
+                    <a:schemeClr val="bg2">
+                      <a:lumMod val="50000"/>
+                    </a:schemeClr>
                   </a:solidFill>
                 </a:rPr>
                 <a:t>편리하게 정보를 확인 할 수 있음</a:t>
               </a:r>
-              <a:endParaRPr lang="ko-KR" altLang="en-US" sz="1200">
-                <a:solidFill>
-                  <a:srgbClr val="ffffff"/>
+              <a:endParaRPr lang="en-US" altLang="ko-KR" sz="1200" dirty="0">
+                <a:solidFill>
+                  <a:schemeClr val="bg2">
+                    <a:lumMod val="50000"/>
+                  </a:schemeClr>
                 </a:solidFill>
               </a:endParaRPr>
+            </a:p>
+            <a:p>
+              <a:pPr>
+                <a:lnSpc>
+                  <a:spcPct val="150000"/>
+                </a:lnSpc>
+                <a:defRPr/>
+              </a:pPr>
+              <a:r>
+                <a:rPr lang="en-US" altLang="ko-KR" sz="1200" b="1" dirty="0">
+                  <a:solidFill>
+                    <a:srgbClr val="203A7B"/>
+                  </a:solidFill>
+                </a:rPr>
+                <a:t>---</a:t>
+              </a:r>
+              <a:r>
+                <a:rPr lang="en-US" altLang="ko-KR" sz="1200" dirty="0">
+                  <a:solidFill>
+                    <a:srgbClr val="203A7B"/>
+                  </a:solidFill>
+                </a:rPr>
+                <a:t> </a:t>
+              </a:r>
+              <a:r>
+                <a:rPr lang="ko-KR" altLang="en-US" sz="1200" dirty="0">
+                  <a:solidFill>
+                    <a:schemeClr val="bg2">
+                      <a:lumMod val="50000"/>
+                    </a:schemeClr>
+                  </a:solidFill>
+                </a:rPr>
+                <a:t>원하는 과제만 한눈에 확인 가능</a:t>
+              </a:r>
             </a:p>
           </p:txBody>
         </p:sp>
@@ -5384,7 +5398,7 @@
               <a:r>
                 <a:rPr lang="ko-KR" altLang="en-US" sz="1400" b="1">
                   <a:solidFill>
-                    <a:srgbClr val="61d6e1"/>
+                    <a:srgbClr val="61D6E1"/>
                   </a:solidFill>
                 </a:rPr>
                 <a:t>♥♥♥♥♥♥♥♥♥♥</a:t>
@@ -5419,19 +5433,12 @@
                 </a:rPr>
                 <a:t>%</a:t>
               </a:r>
-              <a:endParaRPr lang="en-US" altLang="ko-KR" sz="1600">
-                <a:solidFill>
-                  <a:prstClr val="white">
-                    <a:lumMod val="50000"/>
-                  </a:prstClr>
-                </a:solidFill>
-              </a:endParaRPr>
             </a:p>
           </p:txBody>
         </p:sp>
         <p:pic>
           <p:nvPicPr>
-            <p:cNvPr id="82" name=""/>
+            <p:cNvPr id="82" name="그림 81"/>
             <p:cNvPicPr>
               <a:picLocks noChangeAspect="1"/>
             </p:cNvPicPr>
@@ -5477,10 +5484,10 @@
               <a:gradFill flip="none" rotWithShape="1">
                 <a:gsLst>
                   <a:gs pos="0">
-                    <a:srgbClr val="61d6e1"/>
+                    <a:srgbClr val="61D6E1"/>
                   </a:gs>
                   <a:gs pos="100000">
-                    <a:srgbClr val="ffcccc"/>
+                    <a:srgbClr val="FFCCCC"/>
                   </a:gs>
                 </a:gsLst>
                 <a:lin ang="10800000" scaled="0"/>
@@ -5522,14 +5529,6 @@
                 </a:rPr>
                 <a:t>과제 정보 서비스</a:t>
               </a:r>
-              <a:endParaRPr lang="ko-KR" altLang="en-US" sz="1200" b="1">
-                <a:solidFill>
-                  <a:prstClr val="black">
-                    <a:lumMod val="65000"/>
-                    <a:lumOff val="35000"/>
-                  </a:prstClr>
-                </a:solidFill>
-              </a:endParaRPr>
             </a:p>
           </p:txBody>
         </p:sp>
@@ -5539,11 +5538,11 @@
   <p:clrMapOvr>
     <a:masterClrMapping/>
   </p:clrMapOvr>
-  <mc:AlternateContent xmlns:mc="http://schemas.openxmlformats.org/markup-compatibility/2006">
-    <mc:Choice xmlns:p14="http://schemas.microsoft.com/office/powerpoint/2010/main" Requires="p14">
-      <p:transition xmlns:mc="http://schemas.openxmlformats.org/markup-compatibility/2006" xmlns:p14="http://schemas.microsoft.com/office/powerpoint/2010/main" mc:Ignorable="p14" p14:dur="500"/>
+  <mc:AlternateContent xmlns:mc="http://schemas.openxmlformats.org/markup-compatibility/2006" xmlns:p14="http://schemas.microsoft.com/office/powerpoint/2010/main">
+    <mc:Choice Requires="p14">
+      <p:transition/>
     </mc:Choice>
-    <mc:Fallback>
+    <mc:Fallback xmlns:dsp="http://schemas.microsoft.com/office/drawing/2008/diagram" xmlns:dgm="http://schemas.openxmlformats.org/drawingml/2006/diagram" xmlns:c="http://schemas.openxmlformats.org/drawingml/2006/chart" xmlns="">
       <p:transition/>
     </mc:Fallback>
   </mc:AlternateContent>
@@ -5559,6 +5558,9 @@
                     <p:cTn id="3" fill="hold">
                       <p:stCondLst>
                         <p:cond delay="indefinite"/>
+                        <p:cond evt="onBegin" delay="0">
+                          <p:tn val="2"/>
+                        </p:cond>
                       </p:stCondLst>
                       <p:childTnLst>
                         <p:par>
@@ -5568,7 +5570,7 @@
                             </p:stCondLst>
                             <p:childTnLst>
                               <p:par>
-                                <p:cTn id="5" presetID="10" presetClass="entr" presetSubtype="0" fill="hold" grpId="0" nodeType="clickEffect">
+                                <p:cTn id="5" presetID="10" presetClass="entr" presetSubtype="0" fill="hold" grpId="0" nodeType="withEffect">
                                   <p:stCondLst>
                                     <p:cond delay="0"/>
                                   </p:stCondLst>
@@ -5650,30 +5652,21 @@
                             </p:childTnLst>
                           </p:cTn>
                         </p:par>
-                      </p:childTnLst>
-                    </p:cTn>
-                  </p:par>
-                  <p:par>
-                    <p:cTn id="12" fill="hold">
-                      <p:stCondLst>
-                        <p:cond delay="indefinite"/>
-                      </p:stCondLst>
-                      <p:childTnLst>
                         <p:par>
-                          <p:cTn id="13" fill="hold">
+                          <p:cTn id="12" fill="hold">
                             <p:stCondLst>
                               <p:cond delay="0"/>
                             </p:stCondLst>
                             <p:childTnLst>
                               <p:par>
-                                <p:cTn id="14" presetID="2" presetClass="entr" presetSubtype="4" fill="hold" grpId="2" nodeType="clickEffect">
+                                <p:cTn id="13" presetID="2" presetClass="entr" presetSubtype="4" fill="hold" grpId="2" nodeType="afterEffect">
                                   <p:stCondLst>
                                     <p:cond delay="0"/>
                                   </p:stCondLst>
                                   <p:childTnLst>
                                     <p:set>
                                       <p:cBhvr>
-                                        <p:cTn id="15" dur="1" fill="hold">
+                                        <p:cTn id="14" dur="1" fill="hold">
                                           <p:stCondLst>
                                             <p:cond delay="0"/>
                                           </p:stCondLst>
@@ -5691,7 +5684,7 @@
                                     </p:set>
                                     <p:anim calcmode="lin" valueType="num">
                                       <p:cBhvr additive="base">
-                                        <p:cTn id="16" dur="500" fill="hold"/>
+                                        <p:cTn id="15" dur="500" fill="hold"/>
                                         <p:tgtEl>
                                           <p:spTgt spid="83"/>
                                         </p:tgtEl>
@@ -5714,7 +5707,7 @@
                                     </p:anim>
                                     <p:anim calcmode="lin" valueType="num">
                                       <p:cBhvr additive="base">
-                                        <p:cTn id="17" dur="500" fill="hold"/>
+                                        <p:cTn id="16" dur="500" fill="hold"/>
                                         <p:tgtEl>
                                           <p:spTgt spid="83"/>
                                         </p:tgtEl>
@@ -5775,15 +5768,16 @@
 </file>
 
 <file path=ppt/slides/slide4.xml><?xml version="1.0" encoding="utf-8"?>
-<p:sld xmlns:r="http://schemas.openxmlformats.org/officeDocument/2006/relationships" xmlns:c="http://schemas.openxmlformats.org/drawingml/2006/chart" xmlns:a="http://schemas.openxmlformats.org/drawingml/2006/main" xmlns:dgm="http://schemas.openxmlformats.org/drawingml/2006/diagram" xmlns:dsp="http://schemas.microsoft.com/office/drawing/2008/diagram" xmlns:p="http://schemas.openxmlformats.org/presentationml/2006/main">
+<p:sld xmlns:a="http://schemas.openxmlformats.org/drawingml/2006/main" xmlns:r="http://schemas.openxmlformats.org/officeDocument/2006/relationships" xmlns:p="http://schemas.openxmlformats.org/presentationml/2006/main">
   <p:cSld>
     <p:bg>
-      <p:bgPr shadeToTitle="0">
+      <p:bgPr>
         <a:solidFill>
           <a:schemeClr val="bg1">
             <a:lumMod val="95000"/>
           </a:schemeClr>
         </a:solidFill>
+        <a:effectLst/>
       </p:bgPr>
     </p:bg>
     <p:spTree>
@@ -5817,10 +5811,10 @@
           <a:gradFill flip="none" rotWithShape="1">
             <a:gsLst>
               <a:gs pos="0">
-                <a:srgbClr val="61d6e1"/>
+                <a:srgbClr val="61D6E1"/>
               </a:gs>
               <a:gs pos="100000">
-                <a:srgbClr val="ffcccc"/>
+                <a:srgbClr val="FFCCCC"/>
               </a:gs>
             </a:gsLst>
             <a:lin ang="0" scaled="1"/>
@@ -5859,9 +5853,11 @@
               <a:defRPr/>
             </a:pPr>
             <a:r>
-              <a:rPr lang="en-US" altLang="ko-KR" sz="2500">
-                <a:solidFill>
-                  <a:prstClr val="white"/>
+              <a:rPr lang="en-US" altLang="ko-KR" sz="2500" dirty="0">
+                <a:solidFill>
+                  <a:schemeClr val="bg2">
+                    <a:lumMod val="50000"/>
+                  </a:schemeClr>
                 </a:solidFill>
                 <a:latin typeface="Cambria"/>
                 <a:cs typeface="Arial"/>
@@ -5869,9 +5865,11 @@
               <a:t>SIINS</a:t>
             </a:r>
             <a:r>
-              <a:rPr lang="ko-KR" altLang="en-US" sz="2500">
-                <a:solidFill>
-                  <a:prstClr val="white"/>
+              <a:rPr lang="ko-KR" altLang="en-US" sz="2500" dirty="0">
+                <a:solidFill>
+                  <a:schemeClr val="bg2">
+                    <a:lumMod val="50000"/>
+                  </a:schemeClr>
                 </a:solidFill>
                 <a:latin typeface="Cambria"/>
                 <a:cs typeface="Arial"/>
@@ -5879,9 +5877,11 @@
               <a:t> </a:t>
             </a:r>
             <a:r>
-              <a:rPr lang="en-US" altLang="ko-KR" sz="2500">
-                <a:solidFill>
-                  <a:prstClr val="white"/>
+              <a:rPr lang="en-US" altLang="ko-KR" sz="2500" dirty="0">
+                <a:solidFill>
+                  <a:schemeClr val="bg2">
+                    <a:lumMod val="50000"/>
+                  </a:schemeClr>
                 </a:solidFill>
                 <a:latin typeface="Cambria"/>
                 <a:cs typeface="Arial"/>
@@ -5889,22 +5889,17 @@
               <a:t>-</a:t>
             </a:r>
             <a:r>
-              <a:rPr lang="ko-KR" altLang="en-US" sz="2500">
-                <a:solidFill>
-                  <a:prstClr val="white"/>
+              <a:rPr lang="ko-KR" altLang="en-US" sz="2500" dirty="0">
+                <a:solidFill>
+                  <a:schemeClr val="bg2">
+                    <a:lumMod val="50000"/>
+                  </a:schemeClr>
                 </a:solidFill>
                 <a:latin typeface="Cambria"/>
                 <a:cs typeface="Arial"/>
               </a:rPr>
               <a:t>교실 알림 서비스</a:t>
             </a:r>
-            <a:endParaRPr lang="ko-KR" altLang="en-US" sz="2500">
-              <a:solidFill>
-                <a:prstClr val="white"/>
-              </a:solidFill>
-              <a:latin typeface="Cambria"/>
-              <a:cs typeface="Arial"/>
-            </a:endParaRPr>
           </a:p>
           <a:p>
             <a:pPr lvl="1">
@@ -5914,49 +5909,125 @@
               <a:defRPr/>
             </a:pPr>
             <a:r>
-              <a:rPr lang="en-US" altLang="ko-KR" sz="1400">
-                <a:solidFill>
-                  <a:prstClr val="white"/>
+              <a:rPr lang="en-US" altLang="ko-KR" sz="1400" dirty="0">
+                <a:solidFill>
+                  <a:schemeClr val="bg2">
+                    <a:lumMod val="50000"/>
+                  </a:schemeClr>
                 </a:solidFill>
                 <a:latin typeface="Cambria"/>
                 <a:cs typeface="Arial"/>
               </a:rPr>
               <a:t>School Information Integrated Notification System</a:t>
             </a:r>
-            <a:endParaRPr lang="en-US" altLang="ko-KR" sz="1400">
-              <a:solidFill>
-                <a:prstClr val="white"/>
-              </a:solidFill>
-              <a:latin typeface="Cambria"/>
-              <a:cs typeface="Arial"/>
-            </a:endParaRPr>
+          </a:p>
+        </p:txBody>
+      </p:sp>
+      <p:sp>
+        <p:nvSpPr>
+          <p:cNvPr id="69" name="직사각형 143"/>
+          <p:cNvSpPr/>
+          <p:nvPr/>
+        </p:nvSpPr>
+        <p:spPr>
+          <a:xfrm>
+            <a:off x="8321567" y="5412163"/>
+            <a:ext cx="3044036" cy="453331"/>
+          </a:xfrm>
+          <a:prstGeom prst="rect">
+            <a:avLst/>
+          </a:prstGeom>
+        </p:spPr>
+        <p:txBody>
+          <a:bodyPr wrap="square">
+            <a:spAutoFit/>
+          </a:bodyPr>
+          <a:lstStyle/>
+          <a:p>
+            <a:pPr lvl="0">
+              <a:defRPr/>
+            </a:pPr>
+            <a:r>
+              <a:rPr lang="ko-KR" altLang="en-US" sz="1400" b="1" dirty="0">
+                <a:solidFill>
+                  <a:srgbClr val="61D6E1"/>
+                </a:solidFill>
+              </a:rPr>
+              <a:t>♥♥♥♥♥♥♥♥</a:t>
+            </a:r>
+            <a:r>
+              <a:rPr lang="ko-KR" altLang="en-US" sz="1400" b="1" dirty="0">
+                <a:solidFill>
+                  <a:prstClr val="white">
+                    <a:lumMod val="75000"/>
+                  </a:prstClr>
+                </a:solidFill>
+              </a:rPr>
+              <a:t>♥♥</a:t>
+            </a:r>
+            <a:r>
+              <a:rPr lang="ko-KR" altLang="en-US" sz="1400" b="1" dirty="0">
+                <a:solidFill>
+                  <a:prstClr val="white">
+                    <a:lumMod val="50000"/>
+                  </a:prstClr>
+                </a:solidFill>
+              </a:rPr>
+              <a:t>         </a:t>
+            </a:r>
+            <a:r>
+              <a:rPr lang="en-US" altLang="ko-KR" sz="2400" b="1" dirty="0">
+                <a:solidFill>
+                  <a:prstClr val="white">
+                    <a:lumMod val="50000"/>
+                  </a:prstClr>
+                </a:solidFill>
+              </a:rPr>
+              <a:t>80</a:t>
+            </a:r>
+            <a:r>
+              <a:rPr lang="en-US" altLang="ko-KR" sz="1600" dirty="0">
+                <a:solidFill>
+                  <a:prstClr val="white">
+                    <a:lumMod val="50000"/>
+                  </a:prstClr>
+                </a:solidFill>
+              </a:rPr>
+              <a:t>%</a:t>
+            </a:r>
           </a:p>
         </p:txBody>
       </p:sp>
       <p:grpSp>
         <p:nvGrpSpPr>
-          <p:cNvPr id="88" name=""/>
+          <p:cNvPr id="3" name="그룹 2">
+            <a:extLst>
+              <a:ext uri="{FF2B5EF4-FFF2-40B4-BE49-F238E27FC236}">
+                <a16:creationId xmlns:a16="http://schemas.microsoft.com/office/drawing/2014/main" id="{5A6B6AF7-763A-4117-B639-03FD3BD08BA8}"/>
+              </a:ext>
+            </a:extLst>
+          </p:cNvPr>
           <p:cNvGrpSpPr/>
           <p:nvPr/>
         </p:nvGrpSpPr>
         <p:grpSpPr>
-          <a:xfrm rot="0">
+          <a:xfrm>
             <a:off x="825264" y="1753254"/>
-            <a:ext cx="10525625" cy="4131290"/>
+            <a:ext cx="10525182" cy="4115769"/>
             <a:chOff x="825264" y="1753254"/>
-            <a:chExt cx="10525625" cy="4131290"/>
+            <a:chExt cx="10525182" cy="4115769"/>
           </a:xfrm>
         </p:grpSpPr>
         <p:sp>
           <p:nvSpPr>
-            <p:cNvPr id="61" name="양쪽 모서리가 둥근 사각형 110"/>
+            <p:cNvPr id="62" name="양쪽 모서리가 둥근 사각형 111"/>
             <p:cNvSpPr/>
             <p:nvPr/>
           </p:nvSpPr>
           <p:spPr>
             <a:xfrm>
-              <a:off x="894221" y="3957583"/>
-              <a:ext cx="3014608" cy="1284210"/>
+              <a:off x="4607337" y="3977693"/>
+              <a:ext cx="3014608" cy="1274763"/>
             </a:xfrm>
             <a:prstGeom prst="round2SameRect">
               <a:avLst>
@@ -5965,7 +6036,7 @@
               </a:avLst>
             </a:prstGeom>
             <a:solidFill>
-              <a:schemeClr val="bg1"/>
+              <a:srgbClr val="61D6E1"/>
             </a:solidFill>
             <a:ln>
               <a:noFill/>
@@ -5999,114 +6070,15 @@
                 <a:defRPr/>
               </a:pPr>
               <a:r>
-                <a:rPr lang="en-US" altLang="ko-KR" sz="1200">
+                <a:rPr lang="en-US" altLang="ko-KR" sz="1200" b="1" dirty="0">
                   <a:solidFill>
-                    <a:srgbClr val="ff0000"/>
+                    <a:srgbClr val="203A7B"/>
                   </a:solidFill>
                 </a:rPr>
                 <a:t>---</a:t>
               </a:r>
               <a:r>
-                <a:rPr lang="ko-KR" altLang="en-US" sz="1200">
-                  <a:solidFill>
-                    <a:srgbClr val="ff0000"/>
-                  </a:solidFill>
-                </a:rPr>
-                <a:t> </a:t>
-              </a:r>
-              <a:r>
-                <a:rPr lang="ko-KR" altLang="en-US" sz="1200">
-                  <a:solidFill>
-                    <a:schemeClr val="dk1"/>
-                  </a:solidFill>
-                </a:rPr>
-                <a:t>선생님 께서 번거로우심</a:t>
-              </a:r>
-              <a:endParaRPr lang="ko-KR" altLang="en-US" sz="1200">
-                <a:solidFill>
-                  <a:srgbClr val="ff0000"/>
-                </a:solidFill>
-              </a:endParaRPr>
-            </a:p>
-            <a:p>
-              <a:pPr>
-                <a:lnSpc>
-                  <a:spcPct val="150000"/>
-                </a:lnSpc>
-                <a:defRPr/>
-              </a:pPr>
-              <a:endParaRPr lang="ko-KR" altLang="en-US" sz="1200">
-                <a:solidFill>
-                  <a:prstClr val="black">
-                    <a:lumMod val="65000"/>
-                    <a:lumOff val="35000"/>
-                  </a:prstClr>
-                </a:solidFill>
-              </a:endParaRPr>
-            </a:p>
-          </p:txBody>
-        </p:sp>
-        <p:sp>
-          <p:nvSpPr>
-            <p:cNvPr id="62" name="양쪽 모서리가 둥근 사각형 111"/>
-            <p:cNvSpPr/>
-            <p:nvPr/>
-          </p:nvSpPr>
-          <p:spPr>
-            <a:xfrm>
-              <a:off x="4607337" y="3977693"/>
-              <a:ext cx="3014608" cy="1274763"/>
-            </a:xfrm>
-            <a:prstGeom prst="round2SameRect">
-              <a:avLst>
-                <a:gd name="adj1" fmla="val 0"/>
-                <a:gd name="adj2" fmla="val 0"/>
-              </a:avLst>
-            </a:prstGeom>
-            <a:solidFill>
-              <a:srgbClr val="61d6e1"/>
-            </a:solidFill>
-            <a:ln>
-              <a:noFill/>
-            </a:ln>
-          </p:spPr>
-          <p:style>
-            <a:lnRef idx="2">
-              <a:schemeClr val="accent1">
-                <a:shade val="50000"/>
-              </a:schemeClr>
-            </a:lnRef>
-            <a:fillRef idx="1">
-              <a:schemeClr val="accent1"/>
-            </a:fillRef>
-            <a:effectRef idx="0">
-              <a:schemeClr val="accent1"/>
-            </a:effectRef>
-            <a:fontRef idx="minor">
-              <a:schemeClr val="lt1"/>
-            </a:fontRef>
-          </p:style>
-          <p:txBody>
-            <a:bodyPr lIns="179999" rIns="179999" anchor="t"/>
-            <a:lstStyle/>
-            <a:p>
-              <a:pPr marL="0" indent="0">
-                <a:lnSpc>
-                  <a:spcPct val="150000"/>
-                </a:lnSpc>
-                <a:buNone/>
-                <a:defRPr/>
-              </a:pPr>
-              <a:r>
-                <a:rPr lang="en-US" altLang="ko-KR" sz="1200">
-                  <a:solidFill>
-                    <a:srgbClr val="203a7b"/>
-                  </a:solidFill>
-                </a:rPr>
-                <a:t>---</a:t>
-              </a:r>
-              <a:r>
-                <a:rPr lang="ko-KR" altLang="en-US" sz="1200">
+                <a:rPr lang="ko-KR" altLang="en-US" sz="1200" dirty="0">
                   <a:solidFill>
                     <a:prstClr val="black">
                       <a:lumMod val="65000"/>
@@ -6117,16 +6089,62 @@
                 <a:t> </a:t>
               </a:r>
               <a:r>
-                <a:rPr lang="ko-KR" altLang="en-US" sz="1200">
+                <a:rPr lang="ko-KR" altLang="en-US" sz="1200" dirty="0">
                   <a:solidFill>
-                    <a:srgbClr val="ffffff"/>
+                    <a:schemeClr val="bg2">
+                      <a:lumMod val="50000"/>
+                    </a:schemeClr>
                   </a:solidFill>
                 </a:rPr>
                 <a:t>교내 전원에게 쉽게 정보 전달 가능</a:t>
               </a:r>
-              <a:endParaRPr lang="ko-KR" altLang="en-US" sz="1200">
-                <a:solidFill>
-                  <a:srgbClr val="ffffff"/>
+            </a:p>
+            <a:p>
+              <a:pPr marL="0" indent="0">
+                <a:lnSpc>
+                  <a:spcPct val="150000"/>
+                </a:lnSpc>
+                <a:buNone/>
+                <a:defRPr/>
+              </a:pPr>
+              <a:r>
+                <a:rPr lang="en-US" altLang="ko-KR" sz="1200" b="1" dirty="0">
+                  <a:solidFill>
+                    <a:srgbClr val="FF0000"/>
+                  </a:solidFill>
+                </a:rPr>
+                <a:t>---</a:t>
+              </a:r>
+              <a:r>
+                <a:rPr lang="ko-KR" altLang="en-US" sz="1200" dirty="0">
+                  <a:solidFill>
+                    <a:srgbClr val="FF0000"/>
+                  </a:solidFill>
+                </a:rPr>
+                <a:t> </a:t>
+              </a:r>
+              <a:r>
+                <a:rPr lang="ko-KR" altLang="en-US" sz="1200" dirty="0">
+                  <a:solidFill>
+                    <a:schemeClr val="bg2">
+                      <a:lumMod val="50000"/>
+                    </a:schemeClr>
+                  </a:solidFill>
+                </a:rPr>
+                <a:t>소음에 묻힐 가능성 존재</a:t>
+              </a:r>
+            </a:p>
+            <a:p>
+              <a:pPr marL="0" indent="0">
+                <a:lnSpc>
+                  <a:spcPct val="150000"/>
+                </a:lnSpc>
+                <a:buNone/>
+                <a:defRPr/>
+              </a:pPr>
+              <a:endParaRPr lang="en-US" altLang="ko-KR" sz="1200" dirty="0">
+                <a:solidFill>
+                  <a:srgbClr val="FF0000"/>
                 </a:solidFill>
               </a:endParaRPr>
             </a:p>
@@ -6138,178 +6156,7 @@
                 <a:buNone/>
                 <a:defRPr/>
               </a:pPr>
-              <a:r>
-                <a:rPr lang="en-US" altLang="ko-KR" sz="1200">
-                  <a:solidFill>
-                    <a:srgbClr val="ff0000"/>
-                  </a:solidFill>
-                </a:rPr>
-                <a:t>---</a:t>
-              </a:r>
-              <a:r>
-                <a:rPr lang="ko-KR" altLang="en-US" sz="1200">
-                  <a:solidFill>
-                    <a:srgbClr val="ff0000"/>
-                  </a:solidFill>
-                </a:rPr>
-                <a:t> </a:t>
-              </a:r>
-              <a:r>
-                <a:rPr lang="ko-KR" altLang="en-US" sz="1200">
-                  <a:solidFill>
-                    <a:schemeClr val="lt1"/>
-                  </a:solidFill>
-                </a:rPr>
-                <a:t>소음에 묻힐 가능성 존재</a:t>
-              </a:r>
-              <a:endParaRPr lang="ko-KR" altLang="en-US" sz="1200">
-                <a:solidFill>
-                  <a:srgbClr val="ff0000"/>
-                </a:solidFill>
-              </a:endParaRPr>
-            </a:p>
-            <a:p>
-              <a:pPr marL="0" indent="0">
-                <a:lnSpc>
-                  <a:spcPct val="150000"/>
-                </a:lnSpc>
-                <a:buNone/>
-                <a:defRPr/>
-              </a:pPr>
-              <a:endParaRPr lang="en-US" altLang="ko-KR" sz="1200">
-                <a:solidFill>
-                  <a:srgbClr val="ff0000"/>
-                </a:solidFill>
-              </a:endParaRPr>
-            </a:p>
-            <a:p>
-              <a:pPr marL="0" indent="0">
-                <a:lnSpc>
-                  <a:spcPct val="150000"/>
-                </a:lnSpc>
-                <a:buNone/>
-                <a:defRPr/>
-              </a:pPr>
-              <a:endParaRPr lang="ko-KR" altLang="en-US" sz="1200">
-                <a:solidFill>
-                  <a:srgbClr val="404040"/>
-                </a:solidFill>
-              </a:endParaRPr>
-            </a:p>
-          </p:txBody>
-        </p:sp>
-        <p:sp>
-          <p:nvSpPr>
-            <p:cNvPr id="63" name="양쪽 모서리가 둥근 사각형 112"/>
-            <p:cNvSpPr/>
-            <p:nvPr/>
-          </p:nvSpPr>
-          <p:spPr>
-            <a:xfrm>
-              <a:off x="8336281" y="3975223"/>
-              <a:ext cx="3014608" cy="1284209"/>
-            </a:xfrm>
-            <a:prstGeom prst="round2SameRect">
-              <a:avLst>
-                <a:gd name="adj1" fmla="val 0"/>
-                <a:gd name="adj2" fmla="val 0"/>
-              </a:avLst>
-            </a:prstGeom>
-            <a:solidFill>
-              <a:schemeClr val="bg1"/>
-            </a:solidFill>
-            <a:ln>
-              <a:noFill/>
-            </a:ln>
-          </p:spPr>
-          <p:style>
-            <a:lnRef idx="2">
-              <a:schemeClr val="accent1">
-                <a:shade val="50000"/>
-              </a:schemeClr>
-            </a:lnRef>
-            <a:fillRef idx="1">
-              <a:schemeClr val="accent1"/>
-            </a:fillRef>
-            <a:effectRef idx="0">
-              <a:schemeClr val="accent1"/>
-            </a:effectRef>
-            <a:fontRef idx="minor">
-              <a:schemeClr val="lt1"/>
-            </a:fontRef>
-          </p:style>
-          <p:txBody>
-            <a:bodyPr lIns="179999" rIns="179999" anchor="t"/>
-            <a:lstStyle/>
-            <a:p>
-              <a:pPr marL="0" indent="0">
-                <a:lnSpc>
-                  <a:spcPct val="150000"/>
-                </a:lnSpc>
-                <a:buNone/>
-                <a:defRPr/>
-              </a:pPr>
-              <a:r>
-                <a:rPr lang="en-US" altLang="ko-KR" sz="1200">
-                  <a:solidFill>
-                    <a:srgbClr val="00b3ff"/>
-                  </a:solidFill>
-                </a:rPr>
-                <a:t>---</a:t>
-              </a:r>
-              <a:r>
-                <a:rPr lang="ko-KR" altLang="en-US" sz="1200">
-                  <a:solidFill>
-                    <a:prstClr val="black">
-                      <a:lumMod val="65000"/>
-                      <a:lumOff val="35000"/>
-                    </a:prstClr>
-                  </a:solidFill>
-                </a:rPr>
-                <a:t> 기존 안내 방송이 주변 소음에 묻히는 문제 개선</a:t>
-              </a:r>
-              <a:endParaRPr lang="ko-KR" altLang="en-US" sz="1200">
-                <a:solidFill>
-                  <a:prstClr val="black">
-                    <a:lumMod val="65000"/>
-                    <a:lumOff val="35000"/>
-                  </a:prstClr>
-                </a:solidFill>
-              </a:endParaRPr>
-            </a:p>
-            <a:p>
-              <a:pPr marL="0" indent="0">
-                <a:lnSpc>
-                  <a:spcPct val="150000"/>
-                </a:lnSpc>
-                <a:buNone/>
-                <a:defRPr/>
-              </a:pPr>
-              <a:r>
-                <a:rPr lang="en-US" altLang="ko-KR" sz="1200">
-                  <a:solidFill>
-                    <a:srgbClr val="00b3ff"/>
-                  </a:solidFill>
-                </a:rPr>
-                <a:t>---</a:t>
-              </a:r>
-              <a:r>
-                <a:rPr lang="ko-KR" altLang="en-US" sz="1200">
-                  <a:solidFill>
-                    <a:srgbClr val="ff0000"/>
-                  </a:solidFill>
-                </a:rPr>
-                <a:t> </a:t>
-              </a:r>
-              <a:r>
-                <a:rPr lang="ko-KR" altLang="en-US" sz="1200">
-                  <a:solidFill>
-                    <a:srgbClr val="404040"/>
-                  </a:solidFill>
-                </a:rPr>
-                <a:t>시각적으로 빠르게 확인 가능</a:t>
-              </a:r>
-              <a:endParaRPr lang="ko-KR" altLang="en-US" sz="1200">
+              <a:endParaRPr lang="ko-KR" altLang="en-US" sz="1200" dirty="0">
                 <a:solidFill>
                   <a:srgbClr val="404040"/>
                 </a:solidFill>
@@ -6344,7 +6191,7 @@
               <a:r>
                 <a:rPr lang="ko-KR" altLang="en-US" sz="1400" b="1">
                   <a:solidFill>
-                    <a:srgbClr val="61d6e1"/>
+                    <a:srgbClr val="61D6E1"/>
                   </a:solidFill>
                 </a:rPr>
                 <a:t>♥♥</a:t>
@@ -6389,13 +6236,6 @@
                 </a:rPr>
                 <a:t>%</a:t>
               </a:r>
-              <a:endParaRPr lang="en-US" altLang="ko-KR" sz="1600">
-                <a:solidFill>
-                  <a:prstClr val="white">
-                    <a:lumMod val="50000"/>
-                  </a:prstClr>
-                </a:solidFill>
-              </a:endParaRPr>
             </a:p>
           </p:txBody>
         </p:sp>
@@ -6424,15 +6264,15 @@
                 <a:defRPr/>
               </a:pPr>
               <a:r>
-                <a:rPr lang="ko-KR" altLang="en-US" sz="1400" b="1">
+                <a:rPr lang="ko-KR" altLang="en-US" sz="1400" b="1" dirty="0">
                   <a:solidFill>
-                    <a:srgbClr val="61d6e1"/>
+                    <a:srgbClr val="61D6E1"/>
                   </a:solidFill>
                 </a:rPr>
                 <a:t>♥♥♥♥♥♥</a:t>
               </a:r>
               <a:r>
-                <a:rPr lang="ko-KR" altLang="en-US" sz="1400" b="1">
+                <a:rPr lang="ko-KR" altLang="en-US" sz="1400" b="1" dirty="0">
                   <a:solidFill>
                     <a:prstClr val="white">
                       <a:lumMod val="75000"/>
@@ -6442,7 +6282,7 @@
                 <a:t>♥♥♥♥</a:t>
               </a:r>
               <a:r>
-                <a:rPr lang="ko-KR" altLang="en-US" sz="1400" b="1">
+                <a:rPr lang="ko-KR" altLang="en-US" sz="1400" b="1" dirty="0">
                   <a:solidFill>
                     <a:prstClr val="white">
                       <a:lumMod val="50000"/>
@@ -6452,7 +6292,7 @@
                 <a:t>         </a:t>
               </a:r>
               <a:r>
-                <a:rPr lang="en-US" altLang="ko-KR" sz="2400" b="1">
+                <a:rPr lang="en-US" altLang="ko-KR" sz="2400" b="1" dirty="0">
                   <a:solidFill>
                     <a:prstClr val="white">
                       <a:lumMod val="50000"/>
@@ -6462,7 +6302,7 @@
                 <a:t>60</a:t>
               </a:r>
               <a:r>
-                <a:rPr lang="en-US" altLang="ko-KR" sz="1600">
+                <a:rPr lang="en-US" altLang="ko-KR" sz="1600" dirty="0">
                   <a:solidFill>
                     <a:prstClr val="white">
                       <a:lumMod val="50000"/>
@@ -6471,101 +6311,12 @@
                 </a:rPr>
                 <a:t>%</a:t>
               </a:r>
-              <a:endParaRPr lang="en-US" altLang="ko-KR" sz="1600">
-                <a:solidFill>
-                  <a:prstClr val="white">
-                    <a:lumMod val="50000"/>
-                  </a:prstClr>
-                </a:solidFill>
-              </a:endParaRPr>
-            </a:p>
-          </p:txBody>
-        </p:sp>
-        <p:sp>
-          <p:nvSpPr>
-            <p:cNvPr id="69" name="직사각형 143"/>
-            <p:cNvSpPr/>
-            <p:nvPr/>
-          </p:nvSpPr>
-          <p:spPr>
-            <a:xfrm>
-              <a:off x="8286904" y="5431214"/>
-              <a:ext cx="3044036" cy="453331"/>
-            </a:xfrm>
-            <a:prstGeom prst="rect">
-              <a:avLst/>
-            </a:prstGeom>
-          </p:spPr>
-          <p:txBody>
-            <a:bodyPr wrap="square">
-              <a:spAutoFit/>
-            </a:bodyPr>
-            <a:lstStyle/>
-            <a:p>
-              <a:pPr lvl="0">
-                <a:defRPr/>
-              </a:pPr>
-              <a:r>
-                <a:rPr lang="ko-KR" altLang="en-US" sz="1400" b="1">
-                  <a:solidFill>
-                    <a:srgbClr val="61d6e1"/>
-                  </a:solidFill>
-                </a:rPr>
-                <a:t>♥♥♥♥♥♥♥♥</a:t>
-              </a:r>
-              <a:r>
-                <a:rPr lang="ko-KR" altLang="en-US" sz="1400" b="1">
-                  <a:solidFill>
-                    <a:prstClr val="white">
-                      <a:lumMod val="75000"/>
-                    </a:prstClr>
-                  </a:solidFill>
-                </a:rPr>
-                <a:t>♥♥</a:t>
-              </a:r>
-              <a:r>
-                <a:rPr lang="ko-KR" altLang="en-US" sz="1400" b="1">
-                  <a:solidFill>
-                    <a:prstClr val="white">
-                      <a:lumMod val="50000"/>
-                    </a:prstClr>
-                  </a:solidFill>
-                </a:rPr>
-                <a:t>         </a:t>
-              </a:r>
-              <a:r>
-                <a:rPr lang="en-US" altLang="ko-KR" sz="2400" b="1">
-                  <a:solidFill>
-                    <a:prstClr val="white">
-                      <a:lumMod val="50000"/>
-                    </a:prstClr>
-                  </a:solidFill>
-                </a:rPr>
-                <a:t>80</a:t>
-              </a:r>
-              <a:r>
-                <a:rPr lang="en-US" altLang="ko-KR" sz="1600">
-                  <a:solidFill>
-                    <a:prstClr val="white">
-                      <a:lumMod val="50000"/>
-                    </a:prstClr>
-                  </a:solidFill>
-                </a:rPr>
-                <a:t>%</a:t>
-              </a:r>
-              <a:endParaRPr lang="en-US" altLang="ko-KR" sz="1600">
-                <a:solidFill>
-                  <a:prstClr val="white">
-                    <a:lumMod val="50000"/>
-                  </a:prstClr>
-                </a:solidFill>
-              </a:endParaRPr>
             </a:p>
           </p:txBody>
         </p:sp>
         <p:pic>
           <p:nvPicPr>
-            <p:cNvPr id="71" name=""/>
+            <p:cNvPr id="71" name="그림 70"/>
             <p:cNvPicPr>
               <a:picLocks noChangeAspect="1"/>
             </p:cNvPicPr>
@@ -6587,9 +6338,7 @@
               <a:avLst/>
             </a:prstGeom>
             <a:ln>
-              <a:solidFill>
-                <a:srgbClr val="bfbfbf"/>
-              </a:solidFill>
+              <a:noFill/>
             </a:ln>
           </p:spPr>
         </p:pic>
@@ -6616,10 +6365,10 @@
               <a:gradFill flip="none" rotWithShape="1">
                 <a:gsLst>
                   <a:gs pos="0">
-                    <a:srgbClr val="61d6e1"/>
+                    <a:srgbClr val="61D6E1"/>
                   </a:gs>
                   <a:gs pos="100000">
-                    <a:srgbClr val="ffcccc"/>
+                    <a:srgbClr val="FFCCCC"/>
                   </a:gs>
                 </a:gsLst>
                 <a:lin ang="10800000" scaled="0"/>
@@ -6661,20 +6410,12 @@
                 </a:rPr>
                 <a:t>구두 공지</a:t>
               </a:r>
-              <a:endParaRPr lang="ko-KR" altLang="en-US" sz="1200" b="1">
-                <a:solidFill>
-                  <a:prstClr val="black">
-                    <a:lumMod val="65000"/>
-                    <a:lumOff val="35000"/>
-                  </a:prstClr>
-                </a:solidFill>
-              </a:endParaRPr>
             </a:p>
           </p:txBody>
         </p:sp>
         <p:pic>
           <p:nvPicPr>
-            <p:cNvPr id="86" name=""/>
+            <p:cNvPr id="86" name="그림 85"/>
             <p:cNvPicPr>
               <a:picLocks noChangeAspect="1"/>
             </p:cNvPicPr>
@@ -6696,9 +6437,7 @@
               <a:avLst/>
             </a:prstGeom>
             <a:ln>
-              <a:solidFill>
-                <a:srgbClr val="bfbfbf"/>
-              </a:solidFill>
+              <a:noFill/>
             </a:ln>
           </p:spPr>
         </p:pic>
@@ -6725,10 +6464,10 @@
               <a:gradFill flip="none" rotWithShape="1">
                 <a:gsLst>
                   <a:gs pos="0">
-                    <a:srgbClr val="61d6e1"/>
+                    <a:srgbClr val="61D6E1"/>
                   </a:gs>
                   <a:gs pos="100000">
-                    <a:srgbClr val="ffcccc"/>
+                    <a:srgbClr val="FFCCCC"/>
                   </a:gs>
                 </a:gsLst>
                 <a:lin ang="10800000" scaled="0"/>
@@ -6770,20 +6509,12 @@
                 </a:rPr>
                 <a:t>교내 안내 방송</a:t>
               </a:r>
-              <a:endParaRPr lang="ko-KR" altLang="en-US" sz="1200" b="1">
-                <a:solidFill>
-                  <a:prstClr val="black">
-                    <a:lumMod val="65000"/>
-                    <a:lumOff val="35000"/>
-                  </a:prstClr>
-                </a:solidFill>
-              </a:endParaRPr>
             </a:p>
           </p:txBody>
         </p:sp>
         <p:pic>
           <p:nvPicPr>
-            <p:cNvPr id="87" name=""/>
+            <p:cNvPr id="87" name="그림 86"/>
             <p:cNvPicPr>
               <a:picLocks noChangeAspect="1"/>
             </p:cNvPicPr>
@@ -6829,10 +6560,10 @@
               <a:gradFill flip="none" rotWithShape="1">
                 <a:gsLst>
                   <a:gs pos="0">
-                    <a:srgbClr val="61d6e1"/>
+                    <a:srgbClr val="61D6E1"/>
                   </a:gs>
                   <a:gs pos="100000">
-                    <a:srgbClr val="ffcccc"/>
+                    <a:srgbClr val="FFCCCC"/>
                   </a:gs>
                 </a:gsLst>
                 <a:lin ang="10800000" scaled="0"/>
@@ -6874,7 +6605,102 @@
                 </a:rPr>
                 <a:t>교실 알림 서비스</a:t>
               </a:r>
-              <a:endParaRPr lang="ko-KR" altLang="en-US" sz="1200" b="1">
+            </a:p>
+          </p:txBody>
+        </p:sp>
+        <p:sp>
+          <p:nvSpPr>
+            <p:cNvPr id="61" name="양쪽 모서리가 둥근 사각형 110"/>
+            <p:cNvSpPr/>
+            <p:nvPr/>
+          </p:nvSpPr>
+          <p:spPr>
+            <a:xfrm>
+              <a:off x="894221" y="3957583"/>
+              <a:ext cx="3014608" cy="1284210"/>
+            </a:xfrm>
+            <a:prstGeom prst="round2SameRect">
+              <a:avLst>
+                <a:gd name="adj1" fmla="val 0"/>
+                <a:gd name="adj2" fmla="val 0"/>
+              </a:avLst>
+            </a:prstGeom>
+            <a:solidFill>
+              <a:schemeClr val="bg1"/>
+            </a:solidFill>
+            <a:ln>
+              <a:solidFill>
+                <a:schemeClr val="bg2">
+                  <a:lumMod val="50000"/>
+                </a:schemeClr>
+              </a:solidFill>
+            </a:ln>
+          </p:spPr>
+          <p:style>
+            <a:lnRef idx="2">
+              <a:schemeClr val="accent1">
+                <a:shade val="50000"/>
+              </a:schemeClr>
+            </a:lnRef>
+            <a:fillRef idx="1">
+              <a:schemeClr val="accent1"/>
+            </a:fillRef>
+            <a:effectRef idx="0">
+              <a:schemeClr val="accent1"/>
+            </a:effectRef>
+            <a:fontRef idx="minor">
+              <a:schemeClr val="lt1"/>
+            </a:fontRef>
+          </p:style>
+          <p:txBody>
+            <a:bodyPr lIns="179999" rIns="179999" anchor="t"/>
+            <a:lstStyle/>
+            <a:p>
+              <a:pPr marL="0" indent="0">
+                <a:lnSpc>
+                  <a:spcPct val="150000"/>
+                </a:lnSpc>
+                <a:buNone/>
+                <a:defRPr/>
+              </a:pPr>
+              <a:r>
+                <a:rPr lang="en-US" altLang="ko-KR" sz="1200" b="1" dirty="0">
+                  <a:solidFill>
+                    <a:srgbClr val="FF0000"/>
+                  </a:solidFill>
+                </a:rPr>
+                <a:t>---</a:t>
+              </a:r>
+              <a:r>
+                <a:rPr lang="ko-KR" altLang="en-US" sz="1200" dirty="0">
+                  <a:solidFill>
+                    <a:srgbClr val="FF0000"/>
+                  </a:solidFill>
+                </a:rPr>
+                <a:t> </a:t>
+              </a:r>
+              <a:r>
+                <a:rPr lang="ko-KR" altLang="en-US" sz="1200" dirty="0">
+                  <a:solidFill>
+                    <a:schemeClr val="dk1"/>
+                  </a:solidFill>
+                </a:rPr>
+                <a:t>선생님 께서 번거로우심</a:t>
+              </a:r>
+              <a:endParaRPr lang="ko-KR" altLang="en-US" sz="1200" dirty="0">
+                <a:solidFill>
+                  <a:srgbClr val="FF0000"/>
+                </a:solidFill>
+              </a:endParaRPr>
+            </a:p>
+            <a:p>
+              <a:pPr>
+                <a:lnSpc>
+                  <a:spcPct val="150000"/>
+                </a:lnSpc>
+                <a:defRPr/>
+              </a:pPr>
+              <a:endParaRPr lang="ko-KR" altLang="en-US" sz="1200" dirty="0">
                 <a:solidFill>
                   <a:prstClr val="black">
                     <a:lumMod val="65000"/>
@@ -6885,17 +6711,337 @@
             </a:p>
           </p:txBody>
         </p:sp>
+        <p:sp>
+          <p:nvSpPr>
+            <p:cNvPr id="63" name="양쪽 모서리가 둥근 사각형 112"/>
+            <p:cNvSpPr/>
+            <p:nvPr/>
+          </p:nvSpPr>
+          <p:spPr>
+            <a:xfrm>
+              <a:off x="8326756" y="3975223"/>
+              <a:ext cx="3014608" cy="1284209"/>
+            </a:xfrm>
+            <a:prstGeom prst="round2SameRect">
+              <a:avLst>
+                <a:gd name="adj1" fmla="val 0"/>
+                <a:gd name="adj2" fmla="val 0"/>
+              </a:avLst>
+            </a:prstGeom>
+            <a:solidFill>
+              <a:schemeClr val="bg1"/>
+            </a:solidFill>
+            <a:ln>
+              <a:solidFill>
+                <a:schemeClr val="bg2">
+                  <a:lumMod val="50000"/>
+                </a:schemeClr>
+              </a:solidFill>
+            </a:ln>
+          </p:spPr>
+          <p:style>
+            <a:lnRef idx="2">
+              <a:schemeClr val="accent1">
+                <a:shade val="50000"/>
+              </a:schemeClr>
+            </a:lnRef>
+            <a:fillRef idx="1">
+              <a:schemeClr val="accent1"/>
+            </a:fillRef>
+            <a:effectRef idx="0">
+              <a:schemeClr val="accent1"/>
+            </a:effectRef>
+            <a:fontRef idx="minor">
+              <a:schemeClr val="lt1"/>
+            </a:fontRef>
+          </p:style>
+          <p:txBody>
+            <a:bodyPr lIns="179999" rIns="179999" anchor="t"/>
+            <a:lstStyle/>
+            <a:p>
+              <a:pPr marL="0" indent="0">
+                <a:lnSpc>
+                  <a:spcPct val="150000"/>
+                </a:lnSpc>
+                <a:buNone/>
+                <a:defRPr/>
+              </a:pPr>
+              <a:r>
+                <a:rPr lang="en-US" altLang="ko-KR" sz="1200" b="1" dirty="0">
+                  <a:solidFill>
+                    <a:srgbClr val="00B3FF"/>
+                  </a:solidFill>
+                </a:rPr>
+                <a:t>---</a:t>
+              </a:r>
+              <a:r>
+                <a:rPr lang="ko-KR" altLang="en-US" sz="1200" dirty="0">
+                  <a:solidFill>
+                    <a:prstClr val="black">
+                      <a:lumMod val="65000"/>
+                      <a:lumOff val="35000"/>
+                    </a:prstClr>
+                  </a:solidFill>
+                </a:rPr>
+                <a:t> 기존 안내 방송이 주변 소음에 묻히는 문제 개선</a:t>
+              </a:r>
+            </a:p>
+            <a:p>
+              <a:pPr marL="0" indent="0">
+                <a:lnSpc>
+                  <a:spcPct val="150000"/>
+                </a:lnSpc>
+                <a:buNone/>
+                <a:defRPr/>
+              </a:pPr>
+              <a:r>
+                <a:rPr lang="en-US" altLang="ko-KR" sz="1200" b="1" dirty="0">
+                  <a:solidFill>
+                    <a:srgbClr val="00B3FF"/>
+                  </a:solidFill>
+                </a:rPr>
+                <a:t>---</a:t>
+              </a:r>
+              <a:r>
+                <a:rPr lang="ko-KR" altLang="en-US" sz="1200" dirty="0">
+                  <a:solidFill>
+                    <a:srgbClr val="FF0000"/>
+                  </a:solidFill>
+                </a:rPr>
+                <a:t> </a:t>
+              </a:r>
+              <a:r>
+                <a:rPr lang="ko-KR" altLang="en-US" sz="1200" dirty="0">
+                  <a:solidFill>
+                    <a:srgbClr val="404040"/>
+                  </a:solidFill>
+                </a:rPr>
+                <a:t>시각적으로 빠르게 확인 가능</a:t>
+              </a:r>
+            </a:p>
+          </p:txBody>
+        </p:sp>
       </p:grpSp>
+      <p:sp>
+        <p:nvSpPr>
+          <p:cNvPr id="2" name="더하기 기호 1">
+            <a:extLst>
+              <a:ext uri="{FF2B5EF4-FFF2-40B4-BE49-F238E27FC236}">
+                <a16:creationId xmlns:a16="http://schemas.microsoft.com/office/drawing/2014/main" id="{6C9CE14F-78F2-4AC7-B988-E3C06ABD4502}"/>
+              </a:ext>
+            </a:extLst>
+          </p:cNvPr>
+          <p:cNvSpPr/>
+          <p:nvPr/>
+        </p:nvSpPr>
+        <p:spPr>
+          <a:xfrm>
+            <a:off x="7610249" y="2883325"/>
+            <a:ext cx="749848" cy="749848"/>
+          </a:xfrm>
+          <a:prstGeom prst="mathPlus">
+            <a:avLst>
+              <a:gd name="adj1" fmla="val 14570"/>
+            </a:avLst>
+          </a:prstGeom>
+          <a:solidFill>
+            <a:srgbClr val="61D6E1"/>
+          </a:solidFill>
+          <a:ln w="3175">
+            <a:solidFill>
+              <a:schemeClr val="bg2">
+                <a:lumMod val="50000"/>
+              </a:schemeClr>
+            </a:solidFill>
+          </a:ln>
+        </p:spPr>
+        <p:style>
+          <a:lnRef idx="2">
+            <a:schemeClr val="accent1">
+              <a:shade val="50000"/>
+            </a:schemeClr>
+          </a:lnRef>
+          <a:fillRef idx="1">
+            <a:schemeClr val="accent1"/>
+          </a:fillRef>
+          <a:effectRef idx="0">
+            <a:schemeClr val="accent1"/>
+          </a:effectRef>
+          <a:fontRef idx="minor">
+            <a:schemeClr val="lt1"/>
+          </a:fontRef>
+        </p:style>
+        <p:txBody>
+          <a:bodyPr rtlCol="0" anchor="ctr"/>
+          <a:lstStyle/>
+          <a:p>
+            <a:pPr algn="ctr"/>
+            <a:endParaRPr lang="ko-KR" altLang="en-US" dirty="0"/>
+          </a:p>
+        </p:txBody>
+      </p:sp>
+      <p:sp>
+        <p:nvSpPr>
+          <p:cNvPr id="17" name="직사각형 143">
+            <a:extLst>
+              <a:ext uri="{FF2B5EF4-FFF2-40B4-BE49-F238E27FC236}">
+                <a16:creationId xmlns:a16="http://schemas.microsoft.com/office/drawing/2014/main" id="{2CCF878F-9793-437A-99AB-4975AB3C5BDE}"/>
+              </a:ext>
+            </a:extLst>
+          </p:cNvPr>
+          <p:cNvSpPr/>
+          <p:nvPr/>
+        </p:nvSpPr>
+        <p:spPr>
+          <a:xfrm>
+            <a:off x="8321567" y="5412163"/>
+            <a:ext cx="3044036" cy="461665"/>
+          </a:xfrm>
+          <a:prstGeom prst="rect">
+            <a:avLst/>
+          </a:prstGeom>
+        </p:spPr>
+        <p:txBody>
+          <a:bodyPr wrap="square">
+            <a:spAutoFit/>
+          </a:bodyPr>
+          <a:lstStyle/>
+          <a:p>
+            <a:pPr lvl="0">
+              <a:defRPr/>
+            </a:pPr>
+            <a:r>
+              <a:rPr lang="ko-KR" altLang="en-US" sz="1400" b="1" dirty="0">
+                <a:solidFill>
+                  <a:srgbClr val="61D6E1"/>
+                </a:solidFill>
+              </a:rPr>
+              <a:t>♥♥♥♥♥♥♥♥♥</a:t>
+            </a:r>
+            <a:r>
+              <a:rPr lang="ko-KR" altLang="en-US" sz="1400" b="1" dirty="0">
+                <a:solidFill>
+                  <a:prstClr val="white">
+                    <a:lumMod val="75000"/>
+                  </a:prstClr>
+                </a:solidFill>
+              </a:rPr>
+              <a:t>♥</a:t>
+            </a:r>
+            <a:r>
+              <a:rPr lang="ko-KR" altLang="en-US" sz="1400" b="1" dirty="0">
+                <a:solidFill>
+                  <a:prstClr val="white">
+                    <a:lumMod val="50000"/>
+                  </a:prstClr>
+                </a:solidFill>
+              </a:rPr>
+              <a:t>         </a:t>
+            </a:r>
+            <a:r>
+              <a:rPr lang="en-US" altLang="ko-KR" sz="2400" b="1" dirty="0">
+                <a:solidFill>
+                  <a:prstClr val="white">
+                    <a:lumMod val="50000"/>
+                  </a:prstClr>
+                </a:solidFill>
+              </a:rPr>
+              <a:t>90</a:t>
+            </a:r>
+            <a:r>
+              <a:rPr lang="en-US" altLang="ko-KR" sz="1600" dirty="0">
+                <a:solidFill>
+                  <a:prstClr val="white">
+                    <a:lumMod val="50000"/>
+                  </a:prstClr>
+                </a:solidFill>
+              </a:rPr>
+              <a:t>%</a:t>
+            </a:r>
+          </a:p>
+        </p:txBody>
+      </p:sp>
+      <p:sp>
+        <p:nvSpPr>
+          <p:cNvPr id="18" name="직사각형 143">
+            <a:extLst>
+              <a:ext uri="{FF2B5EF4-FFF2-40B4-BE49-F238E27FC236}">
+                <a16:creationId xmlns:a16="http://schemas.microsoft.com/office/drawing/2014/main" id="{8B5ED6D8-A60A-4FCA-A4DD-BCACDE9A9093}"/>
+              </a:ext>
+            </a:extLst>
+          </p:cNvPr>
+          <p:cNvSpPr/>
+          <p:nvPr/>
+        </p:nvSpPr>
+        <p:spPr>
+          <a:xfrm>
+            <a:off x="8321567" y="5411731"/>
+            <a:ext cx="3044036" cy="461665"/>
+          </a:xfrm>
+          <a:prstGeom prst="rect">
+            <a:avLst/>
+          </a:prstGeom>
+        </p:spPr>
+        <p:txBody>
+          <a:bodyPr wrap="square">
+            <a:spAutoFit/>
+          </a:bodyPr>
+          <a:lstStyle/>
+          <a:p>
+            <a:pPr lvl="0">
+              <a:defRPr/>
+            </a:pPr>
+            <a:r>
+              <a:rPr lang="ko-KR" altLang="en-US" sz="1400" b="1" dirty="0">
+                <a:solidFill>
+                  <a:srgbClr val="61D6E1"/>
+                </a:solidFill>
+              </a:rPr>
+              <a:t>♥♥♥♥♥♥♥♥♥♥</a:t>
+            </a:r>
+            <a:r>
+              <a:rPr lang="ko-KR" altLang="en-US" sz="1400" b="1" dirty="0">
+                <a:solidFill>
+                  <a:prstClr val="white">
+                    <a:lumMod val="50000"/>
+                  </a:prstClr>
+                </a:solidFill>
+              </a:rPr>
+              <a:t>      </a:t>
+            </a:r>
+            <a:r>
+              <a:rPr lang="en-US" altLang="ko-KR" sz="2400" b="1" dirty="0">
+                <a:solidFill>
+                  <a:prstClr val="white">
+                    <a:lumMod val="50000"/>
+                  </a:prstClr>
+                </a:solidFill>
+              </a:rPr>
+              <a:t>100</a:t>
+            </a:r>
+            <a:r>
+              <a:rPr lang="en-US" altLang="ko-KR" sz="1600" dirty="0">
+                <a:solidFill>
+                  <a:prstClr val="white">
+                    <a:lumMod val="50000"/>
+                  </a:prstClr>
+                </a:solidFill>
+              </a:rPr>
+              <a:t>%</a:t>
+            </a:r>
+          </a:p>
+        </p:txBody>
+      </p:sp>
     </p:spTree>
   </p:cSld>
   <p:clrMapOvr>
     <a:masterClrMapping/>
   </p:clrMapOvr>
-  <mc:AlternateContent xmlns:mc="http://schemas.openxmlformats.org/markup-compatibility/2006">
-    <mc:Choice xmlns:p14="http://schemas.microsoft.com/office/powerpoint/2010/main" Requires="p14">
-      <p:transition xmlns:mc="http://schemas.openxmlformats.org/markup-compatibility/2006" xmlns:p14="http://schemas.microsoft.com/office/powerpoint/2010/main" mc:Ignorable="p14" p14:dur="500"/>
+  <mc:AlternateContent xmlns:mc="http://schemas.openxmlformats.org/markup-compatibility/2006" xmlns:p14="http://schemas.microsoft.com/office/powerpoint/2010/main">
+    <mc:Choice Requires="p14">
+      <p:transition/>
     </mc:Choice>
-    <mc:Fallback>
+    <mc:Fallback xmlns:dsp="http://schemas.microsoft.com/office/drawing/2008/diagram" xmlns:dgm="http://schemas.openxmlformats.org/drawingml/2006/diagram" xmlns:c="http://schemas.openxmlformats.org/drawingml/2006/chart" xmlns="">
       <p:transition/>
     </mc:Fallback>
   </mc:AlternateContent>
@@ -6920,7 +7066,7 @@
                             </p:stCondLst>
                             <p:childTnLst>
                               <p:par>
-                                <p:cTn id="5" presetID="10" presetClass="entr" presetSubtype="0" fill="hold" grpId="0" nodeType="clickEffect">
+                                <p:cTn id="5" presetID="10" presetClass="entr" presetSubtype="0" fill="hold" nodeType="clickEffect">
                                   <p:stCondLst>
                                     <p:cond delay="0"/>
                                   </p:stCondLst>
@@ -6933,7 +7079,7 @@
                                           </p:stCondLst>
                                         </p:cTn>
                                         <p:tgtEl>
-                                          <p:spTgt spid="88"/>
+                                          <p:spTgt spid="3"/>
                                         </p:tgtEl>
                                         <p:attrNameLst>
                                           <p:attrName>style.visibility</p:attrName>
@@ -6945,12 +7091,227 @@
                                     </p:set>
                                     <p:animEffect transition="in" filter="fade">
                                       <p:cBhvr>
-                                        <p:cTn id="7" dur="2000"/>
+                                        <p:cTn id="7" dur="500"/>
                                         <p:tgtEl>
-                                          <p:spTgt spid="88"/>
+                                          <p:spTgt spid="3"/>
                                         </p:tgtEl>
                                       </p:cBhvr>
                                     </p:animEffect>
+                                  </p:childTnLst>
+                                </p:cTn>
+                              </p:par>
+                              <p:par>
+                                <p:cTn id="8" presetID="1" presetClass="entr" presetSubtype="0" fill="hold" grpId="0" nodeType="withEffect">
+                                  <p:stCondLst>
+                                    <p:cond delay="0"/>
+                                  </p:stCondLst>
+                                  <p:childTnLst>
+                                    <p:set>
+                                      <p:cBhvr>
+                                        <p:cTn id="9" dur="1" fill="hold">
+                                          <p:stCondLst>
+                                            <p:cond delay="0"/>
+                                          </p:stCondLst>
+                                        </p:cTn>
+                                        <p:tgtEl>
+                                          <p:spTgt spid="69"/>
+                                        </p:tgtEl>
+                                        <p:attrNameLst>
+                                          <p:attrName>style.visibility</p:attrName>
+                                        </p:attrNameLst>
+                                      </p:cBhvr>
+                                      <p:to>
+                                        <p:strVal val="visible"/>
+                                      </p:to>
+                                    </p:set>
+                                  </p:childTnLst>
+                                </p:cTn>
+                              </p:par>
+                            </p:childTnLst>
+                          </p:cTn>
+                        </p:par>
+                      </p:childTnLst>
+                    </p:cTn>
+                  </p:par>
+                  <p:par>
+                    <p:cTn id="10" fill="hold">
+                      <p:stCondLst>
+                        <p:cond delay="indefinite"/>
+                      </p:stCondLst>
+                      <p:childTnLst>
+                        <p:par>
+                          <p:cTn id="11" fill="hold">
+                            <p:stCondLst>
+                              <p:cond delay="0"/>
+                            </p:stCondLst>
+                            <p:childTnLst>
+                              <p:par>
+                                <p:cTn id="12" presetID="10" presetClass="entr" presetSubtype="0" fill="hold" grpId="0" nodeType="clickEffect">
+                                  <p:stCondLst>
+                                    <p:cond delay="0"/>
+                                  </p:stCondLst>
+                                  <p:childTnLst>
+                                    <p:set>
+                                      <p:cBhvr>
+                                        <p:cTn id="13" dur="1" fill="hold">
+                                          <p:stCondLst>
+                                            <p:cond delay="0"/>
+                                          </p:stCondLst>
+                                        </p:cTn>
+                                        <p:tgtEl>
+                                          <p:spTgt spid="2"/>
+                                        </p:tgtEl>
+                                        <p:attrNameLst>
+                                          <p:attrName>style.visibility</p:attrName>
+                                        </p:attrNameLst>
+                                      </p:cBhvr>
+                                      <p:to>
+                                        <p:strVal val="visible"/>
+                                      </p:to>
+                                    </p:set>
+                                    <p:animEffect transition="in" filter="fade">
+                                      <p:cBhvr>
+                                        <p:cTn id="14" dur="500"/>
+                                        <p:tgtEl>
+                                          <p:spTgt spid="2"/>
+                                        </p:tgtEl>
+                                      </p:cBhvr>
+                                    </p:animEffect>
+                                  </p:childTnLst>
+                                </p:cTn>
+                              </p:par>
+                            </p:childTnLst>
+                          </p:cTn>
+                        </p:par>
+                      </p:childTnLst>
+                    </p:cTn>
+                  </p:par>
+                  <p:par>
+                    <p:cTn id="15" fill="hold">
+                      <p:stCondLst>
+                        <p:cond delay="indefinite"/>
+                      </p:stCondLst>
+                      <p:childTnLst>
+                        <p:par>
+                          <p:cTn id="16" fill="hold">
+                            <p:stCondLst>
+                              <p:cond delay="0"/>
+                            </p:stCondLst>
+                            <p:childTnLst>
+                              <p:par>
+                                <p:cTn id="17" presetID="1" presetClass="exit" presetSubtype="0" fill="hold" grpId="1" nodeType="clickEffect">
+                                  <p:stCondLst>
+                                    <p:cond delay="0"/>
+                                  </p:stCondLst>
+                                  <p:childTnLst>
+                                    <p:set>
+                                      <p:cBhvr>
+                                        <p:cTn id="18" dur="1" fill="hold">
+                                          <p:stCondLst>
+                                            <p:cond delay="0"/>
+                                          </p:stCondLst>
+                                        </p:cTn>
+                                        <p:tgtEl>
+                                          <p:spTgt spid="69"/>
+                                        </p:tgtEl>
+                                        <p:attrNameLst>
+                                          <p:attrName>style.visibility</p:attrName>
+                                        </p:attrNameLst>
+                                      </p:cBhvr>
+                                      <p:to>
+                                        <p:strVal val="hidden"/>
+                                      </p:to>
+                                    </p:set>
+                                  </p:childTnLst>
+                                </p:cTn>
+                              </p:par>
+                              <p:par>
+                                <p:cTn id="19" presetID="1" presetClass="entr" presetSubtype="0" fill="hold" grpId="1" nodeType="withEffect">
+                                  <p:stCondLst>
+                                    <p:cond delay="0"/>
+                                  </p:stCondLst>
+                                  <p:childTnLst>
+                                    <p:set>
+                                      <p:cBhvr>
+                                        <p:cTn id="20" dur="1" fill="hold">
+                                          <p:stCondLst>
+                                            <p:cond delay="0"/>
+                                          </p:stCondLst>
+                                        </p:cTn>
+                                        <p:tgtEl>
+                                          <p:spTgt spid="17"/>
+                                        </p:tgtEl>
+                                        <p:attrNameLst>
+                                          <p:attrName>style.visibility</p:attrName>
+                                        </p:attrNameLst>
+                                      </p:cBhvr>
+                                      <p:to>
+                                        <p:strVal val="visible"/>
+                                      </p:to>
+                                    </p:set>
+                                  </p:childTnLst>
+                                </p:cTn>
+                              </p:par>
+                            </p:childTnLst>
+                          </p:cTn>
+                        </p:par>
+                        <p:par>
+                          <p:cTn id="21" fill="hold">
+                            <p:stCondLst>
+                              <p:cond delay="0"/>
+                            </p:stCondLst>
+                            <p:childTnLst>
+                              <p:par>
+                                <p:cTn id="22" presetID="1" presetClass="exit" presetSubtype="0" fill="hold" grpId="0" nodeType="afterEffect">
+                                  <p:stCondLst>
+                                    <p:cond delay="500"/>
+                                  </p:stCondLst>
+                                  <p:childTnLst>
+                                    <p:set>
+                                      <p:cBhvr>
+                                        <p:cTn id="23" dur="1" fill="hold">
+                                          <p:stCondLst>
+                                            <p:cond delay="9"/>
+                                          </p:stCondLst>
+                                        </p:cTn>
+                                        <p:tgtEl>
+                                          <p:spTgt spid="17"/>
+                                        </p:tgtEl>
+                                        <p:attrNameLst>
+                                          <p:attrName>style.visibility</p:attrName>
+                                        </p:attrNameLst>
+                                      </p:cBhvr>
+                                      <p:to>
+                                        <p:strVal val="hidden"/>
+                                      </p:to>
+                                    </p:set>
+                                  </p:childTnLst>
+                                </p:cTn>
+                              </p:par>
+                              <p:par>
+                                <p:cTn id="24" presetID="1" presetClass="entr" presetSubtype="0" fill="hold" grpId="0" nodeType="withEffect">
+                                  <p:stCondLst>
+                                    <p:cond delay="500"/>
+                                  </p:stCondLst>
+                                  <p:childTnLst>
+                                    <p:set>
+                                      <p:cBhvr>
+                                        <p:cTn id="25" dur="1" fill="hold">
+                                          <p:stCondLst>
+                                            <p:cond delay="0"/>
+                                          </p:stCondLst>
+                                        </p:cTn>
+                                        <p:tgtEl>
+                                          <p:spTgt spid="18"/>
+                                        </p:tgtEl>
+                                        <p:attrNameLst>
+                                          <p:attrName>style.visibility</p:attrName>
+                                        </p:attrNameLst>
+                                      </p:cBhvr>
+                                      <p:to>
+                                        <p:strVal val="visible"/>
+                                      </p:to>
+                                    </p:set>
                                   </p:childTnLst>
                                 </p:cTn>
                               </p:par>
@@ -6982,7 +7343,12 @@
       </p:par>
     </p:tnLst>
     <p:bldLst>
-      <p:bldP spid="88" grpId="0" animBg="1"/>
+      <p:bldP spid="69" grpId="0"/>
+      <p:bldP spid="69" grpId="1"/>
+      <p:bldP spid="2" grpId="0" animBg="1"/>
+      <p:bldP spid="17" grpId="0"/>
+      <p:bldP spid="17" grpId="1"/>
+      <p:bldP spid="18" grpId="0"/>
     </p:bldLst>
   </p:timing>
 </p:sld>
@@ -7075,7 +7441,9 @@
             <a:r>
               <a:rPr lang="en-US" altLang="ko-KR" sz="2500" i="1">
                 <a:solidFill>
-                  <a:prstClr val="white"/>
+                  <a:schemeClr val="bg2">
+                    <a:lumMod val="50000"/>
+                  </a:schemeClr>
                 </a:solidFill>
                 <a:latin typeface="Cambria"/>
                 <a:cs typeface="Arial"/>
@@ -7084,7 +7452,9 @@
             </a:r>
             <a:endParaRPr lang="en-US" altLang="ko-KR" sz="2500" i="1">
               <a:solidFill>
-                <a:prstClr val="white"/>
+                <a:schemeClr val="bg2">
+                  <a:lumMod val="50000"/>
+                </a:schemeClr>
               </a:solidFill>
               <a:latin typeface="Cambria"/>
               <a:cs typeface="Arial"/>
@@ -7100,7 +7470,9 @@
             <a:r>
               <a:rPr lang="en-US" altLang="ko-KR" sz="1400">
                 <a:solidFill>
-                  <a:prstClr val="white"/>
+                  <a:schemeClr val="bg2">
+                    <a:lumMod val="50000"/>
+                  </a:schemeClr>
                 </a:solidFill>
                 <a:latin typeface="Cambria"/>
                 <a:cs typeface="Arial"/>
@@ -7109,7 +7481,9 @@
             </a:r>
             <a:endParaRPr lang="en-US" altLang="ko-KR" sz="1400">
               <a:solidFill>
-                <a:prstClr val="white"/>
+                <a:schemeClr val="bg2">
+                  <a:lumMod val="50000"/>
+                </a:schemeClr>
               </a:solidFill>
               <a:latin typeface="Cambria"/>
               <a:cs typeface="Arial"/>
@@ -7125,8 +7499,8 @@
         </p:nvSpPr>
         <p:spPr>
           <a:xfrm>
-            <a:off x="5610319" y="0"/>
-            <a:ext cx="5927885" cy="1002338"/>
+            <a:off x="5610318" y="0"/>
+            <a:ext cx="5927885" cy="998220"/>
           </a:xfrm>
           <a:prstGeom prst="rect">
             <a:avLst/>
@@ -7147,7 +7521,9 @@
             <a:r>
               <a:rPr lang="en-US" altLang="ko-KR" sz="4000" b="1">
                 <a:solidFill>
-                  <a:schemeClr val="lt1"/>
+                  <a:schemeClr val="bg2">
+                    <a:lumMod val="50000"/>
+                  </a:schemeClr>
                 </a:solidFill>
               </a:rPr>
               <a:t>SIINS</a:t>
@@ -7155,14 +7531,18 @@
             <a:r>
               <a:rPr lang="ko-KR" altLang="en-US" sz="4000" b="1">
                 <a:solidFill>
-                  <a:schemeClr val="lt1"/>
+                  <a:schemeClr val="bg2">
+                    <a:lumMod val="50000"/>
+                  </a:schemeClr>
                 </a:solidFill>
               </a:rPr>
               <a:t> 구조</a:t>
             </a:r>
             <a:endParaRPr lang="ko-KR" altLang="en-US" sz="4000" b="1">
               <a:solidFill>
-                <a:schemeClr val="lt1"/>
+                <a:schemeClr val="bg2">
+                  <a:lumMod val="50000"/>
+                </a:schemeClr>
               </a:solidFill>
             </a:endParaRPr>
           </a:p>
@@ -7170,7 +7550,7 @@
       </p:sp>
       <p:grpSp>
         <p:nvGrpSpPr>
-          <p:cNvPr id="93" name=""/>
+          <p:cNvPr id="93" name="그룹 92"/>
           <p:cNvGrpSpPr/>
           <p:nvPr/>
         </p:nvGrpSpPr>
@@ -7184,230 +7564,13 @@
         </p:grpSpPr>
         <p:sp>
           <p:nvSpPr>
-            <p:cNvPr id="86" name=""/>
+            <p:cNvPr id="86" name="직사각형 85"/>
             <p:cNvSpPr/>
             <p:nvPr/>
           </p:nvSpPr>
           <p:spPr>
             <a:xfrm>
-              <a:off x="934356" y="2109107"/>
-              <a:ext cx="2059214" cy="544285"/>
-            </a:xfrm>
-            <a:prstGeom prst="rect">
-              <a:avLst/>
-            </a:prstGeom>
-            <a:solidFill>
-              <a:srgbClr val="9ad2d9"/>
-            </a:solidFill>
-            <a:ln>
-              <a:noFill/>
-            </a:ln>
-          </p:spPr>
-          <p:style>
-            <a:lnRef idx="2">
-              <a:schemeClr val="accent1">
-                <a:shade val="20000"/>
-              </a:schemeClr>
-            </a:lnRef>
-            <a:fillRef idx="1">
-              <a:schemeClr val="accent1"/>
-            </a:fillRef>
-            <a:effectRef idx="0">
-              <a:schemeClr val="accent1"/>
-            </a:effectRef>
-            <a:fontRef idx="minor">
-              <a:schemeClr val="lt1"/>
-            </a:fontRef>
-          </p:style>
-          <p:txBody>
-            <a:bodyPr anchor="ctr"/>
-            <a:p>
-              <a:pPr algn="ctr">
-                <a:defRPr/>
-              </a:pPr>
-              <a:r>
-                <a:rPr lang="ko-KR" altLang="en-US">
-                  <a:solidFill>
-                    <a:schemeClr val="lt1"/>
-                  </a:solidFill>
-                </a:rPr>
-                <a:t>라즈베리파이</a:t>
-              </a:r>
-              <a:endParaRPr lang="ko-KR" altLang="en-US">
-                <a:solidFill>
-                  <a:schemeClr val="lt1"/>
-                </a:solidFill>
-              </a:endParaRPr>
-            </a:p>
-          </p:txBody>
-        </p:sp>
-        <p:sp>
-          <p:nvSpPr>
-            <p:cNvPr id="89" name=""/>
-            <p:cNvSpPr/>
-            <p:nvPr/>
-          </p:nvSpPr>
-          <p:spPr>
-            <a:xfrm>
-              <a:off x="934810" y="2653393"/>
-              <a:ext cx="2057018" cy="2041071"/>
-            </a:xfrm>
-            <a:prstGeom prst="rect">
-              <a:avLst/>
-            </a:prstGeom>
-            <a:solidFill>
-              <a:schemeClr val="lt1"/>
-            </a:solidFill>
-            <a:ln>
-              <a:noFill/>
-            </a:ln>
-          </p:spPr>
-          <p:style>
-            <a:lnRef idx="2">
-              <a:schemeClr val="accent1">
-                <a:shade val="20000"/>
-              </a:schemeClr>
-            </a:lnRef>
-            <a:fillRef idx="1">
-              <a:schemeClr val="accent1"/>
-            </a:fillRef>
-            <a:effectRef idx="0">
-              <a:schemeClr val="accent1"/>
-            </a:effectRef>
-            <a:fontRef idx="minor">
-              <a:schemeClr val="lt1"/>
-            </a:fontRef>
-          </p:style>
-          <p:txBody>
-            <a:bodyPr anchor="ctr"/>
-            <a:p>
-              <a:pPr algn="ctr">
-                <a:defRPr/>
-              </a:pPr>
-              <a:endParaRPr lang="ko-KR" altLang="en-US"/>
-            </a:p>
-          </p:txBody>
-        </p:sp>
-        <p:sp>
-          <p:nvSpPr>
-            <p:cNvPr id="91" name=""/>
-            <p:cNvSpPr/>
-            <p:nvPr/>
-          </p:nvSpPr>
-          <p:spPr>
-            <a:xfrm>
-              <a:off x="2585357" y="4277179"/>
-              <a:ext cx="434791" cy="408214"/>
-            </a:xfrm>
-            <a:prstGeom prst="rect">
-              <a:avLst/>
-            </a:prstGeom>
-            <a:solidFill>
-              <a:schemeClr val="lt1"/>
-            </a:solidFill>
-            <a:ln>
-              <a:solidFill>
-                <a:srgbClr val="bfbfbf"/>
-              </a:solidFill>
-            </a:ln>
-          </p:spPr>
-          <p:style>
-            <a:lnRef idx="2">
-              <a:schemeClr val="accent1">
-                <a:shade val="20000"/>
-              </a:schemeClr>
-            </a:lnRef>
-            <a:fillRef idx="1">
-              <a:schemeClr val="accent1"/>
-            </a:fillRef>
-            <a:effectRef idx="0">
-              <a:schemeClr val="accent1"/>
-            </a:effectRef>
-            <a:fontRef idx="minor">
-              <a:schemeClr val="lt1"/>
-            </a:fontRef>
-          </p:style>
-          <p:txBody>
-            <a:bodyPr anchor="ctr"/>
-            <a:p>
-              <a:pPr algn="ctr">
-                <a:defRPr/>
-              </a:pPr>
-              <a:endParaRPr lang="ko-KR" altLang="en-US"/>
-            </a:p>
-          </p:txBody>
-        </p:sp>
-        <p:sp>
-          <p:nvSpPr>
-            <p:cNvPr id="92" name=""/>
-            <p:cNvSpPr/>
-            <p:nvPr/>
-          </p:nvSpPr>
-          <p:spPr>
-            <a:xfrm rot="2700000">
-              <a:off x="2712783" y="4384194"/>
-              <a:ext cx="594233" cy="594233"/>
-            </a:xfrm>
-            <a:prstGeom prst="rect">
-              <a:avLst/>
-            </a:prstGeom>
-            <a:solidFill>
-              <a:srgbClr val="f2f2f2"/>
-            </a:solidFill>
-            <a:ln>
-              <a:noFill/>
-            </a:ln>
-          </p:spPr>
-          <p:style>
-            <a:lnRef idx="2">
-              <a:schemeClr val="accent1">
-                <a:shade val="20000"/>
-              </a:schemeClr>
-            </a:lnRef>
-            <a:fillRef idx="1">
-              <a:schemeClr val="accent1"/>
-            </a:fillRef>
-            <a:effectRef idx="0">
-              <a:schemeClr val="accent1"/>
-            </a:effectRef>
-            <a:fontRef idx="minor">
-              <a:schemeClr val="lt1"/>
-            </a:fontRef>
-          </p:style>
-          <p:txBody>
-            <a:bodyPr anchor="ctr"/>
-            <a:p>
-              <a:pPr algn="ctr">
-                <a:defRPr/>
-              </a:pPr>
-              <a:endParaRPr lang="ko-KR" altLang="en-US"/>
-            </a:p>
-          </p:txBody>
-        </p:sp>
-      </p:grpSp>
-      <p:grpSp>
-        <p:nvGrpSpPr>
-          <p:cNvPr id="104" name=""/>
-          <p:cNvGrpSpPr/>
-          <p:nvPr/>
-        </p:nvGrpSpPr>
-        <p:grpSpPr>
-          <a:xfrm rot="0">
-            <a:off x="4339502" y="1644649"/>
-            <a:ext cx="4049118" cy="4896706"/>
-            <a:chOff x="934356" y="2109107"/>
-            <a:chExt cx="2372660" cy="2869321"/>
-          </a:xfrm>
-        </p:grpSpPr>
-        <p:sp>
-          <p:nvSpPr>
-            <p:cNvPr id="105" name=""/>
-            <p:cNvSpPr/>
-            <p:nvPr/>
-          </p:nvSpPr>
-          <p:spPr>
-            <a:xfrm>
-              <a:off x="934356" y="2109107"/>
+              <a:off x="934355" y="2109107"/>
               <a:ext cx="2059214" cy="544285"/>
             </a:xfrm>
             <a:prstGeom prst="rect">
@@ -7446,14 +7609,18 @@
               <a:r>
                 <a:rPr lang="en-US" altLang="ko-KR">
                   <a:solidFill>
-                    <a:schemeClr val="lt1"/>
+                    <a:schemeClr val="bg2">
+                      <a:lumMod val="50000"/>
+                    </a:schemeClr>
                   </a:solidFill>
                 </a:rPr>
-                <a:t>Asp.net MVC 5</a:t>
+                <a:t>Raspberry Pi - Python</a:t>
               </a:r>
               <a:endParaRPr lang="en-US" altLang="ko-KR">
                 <a:solidFill>
-                  <a:schemeClr val="lt1"/>
+                  <a:schemeClr val="bg2">
+                    <a:lumMod val="50000"/>
+                  </a:schemeClr>
                 </a:solidFill>
               </a:endParaRPr>
             </a:p>
@@ -7461,7 +7628,7 @@
         </p:sp>
         <p:sp>
           <p:nvSpPr>
-            <p:cNvPr id="106" name=""/>
+            <p:cNvPr id="89" name="직사각형 88"/>
             <p:cNvSpPr/>
             <p:nvPr/>
           </p:nvSpPr>
@@ -7509,7 +7676,7 @@
         </p:sp>
         <p:sp>
           <p:nvSpPr>
-            <p:cNvPr id="107" name=""/>
+            <p:cNvPr id="91" name="직사각형 90"/>
             <p:cNvSpPr/>
             <p:nvPr/>
           </p:nvSpPr>
@@ -7559,7 +7726,7 @@
         </p:sp>
         <p:sp>
           <p:nvSpPr>
-            <p:cNvPr id="108" name=""/>
+            <p:cNvPr id="92" name="직사각형 91"/>
             <p:cNvSpPr/>
             <p:nvPr/>
           </p:nvSpPr>
@@ -7608,27 +7775,27 @@
       </p:grpSp>
       <p:grpSp>
         <p:nvGrpSpPr>
-          <p:cNvPr id="109" name=""/>
+          <p:cNvPr id="104" name="그룹 103"/>
           <p:cNvGrpSpPr/>
           <p:nvPr/>
         </p:nvGrpSpPr>
         <p:grpSpPr>
           <a:xfrm rot="0">
-            <a:off x="8247655" y="1651905"/>
-            <a:ext cx="4049119" cy="4896706"/>
+            <a:off x="4339502" y="1644649"/>
+            <a:ext cx="4049118" cy="4896706"/>
             <a:chOff x="934356" y="2109107"/>
-            <a:chExt cx="2372661" cy="2869321"/>
+            <a:chExt cx="2372660" cy="2869321"/>
           </a:xfrm>
         </p:grpSpPr>
         <p:sp>
           <p:nvSpPr>
-            <p:cNvPr id="110" name=""/>
+            <p:cNvPr id="105" name="직사각형 104"/>
             <p:cNvSpPr/>
             <p:nvPr/>
           </p:nvSpPr>
           <p:spPr>
             <a:xfrm>
-              <a:off x="934355" y="2109107"/>
+              <a:off x="934356" y="2109107"/>
               <a:ext cx="2059214" cy="544285"/>
             </a:xfrm>
             <a:prstGeom prst="rect">
@@ -7667,22 +7834,18 @@
               <a:r>
                 <a:rPr lang="en-US" altLang="ko-KR">
                   <a:solidFill>
-                    <a:schemeClr val="lt1"/>
+                    <a:schemeClr val="bg2">
+                      <a:lumMod val="50000"/>
+                    </a:schemeClr>
                   </a:solidFill>
                 </a:rPr>
-                <a:t>MSSQL </a:t>
+                <a:t>Asp.net MVC 5</a:t>
               </a:r>
-              <a:r>
-                <a:rPr lang="ko-KR" altLang="en-US">
-                  <a:solidFill>
-                    <a:schemeClr val="lt1"/>
-                  </a:solidFill>
-                </a:rPr>
-                <a:t>서버</a:t>
-              </a:r>
-              <a:endParaRPr lang="ko-KR" altLang="en-US">
-                <a:solidFill>
-                  <a:schemeClr val="lt1"/>
+              <a:endParaRPr lang="en-US" altLang="ko-KR">
+                <a:solidFill>
+                  <a:schemeClr val="bg2">
+                    <a:lumMod val="50000"/>
+                  </a:schemeClr>
                 </a:solidFill>
               </a:endParaRPr>
             </a:p>
@@ -7690,7 +7853,7 @@
         </p:sp>
         <p:sp>
           <p:nvSpPr>
-            <p:cNvPr id="111" name=""/>
+            <p:cNvPr id="106" name="직사각형 105"/>
             <p:cNvSpPr/>
             <p:nvPr/>
           </p:nvSpPr>
@@ -7738,7 +7901,7 @@
         </p:sp>
         <p:sp>
           <p:nvSpPr>
-            <p:cNvPr id="112" name=""/>
+            <p:cNvPr id="107" name="직사각형 106"/>
             <p:cNvSpPr/>
             <p:nvPr/>
           </p:nvSpPr>
@@ -7788,7 +7951,7 @@
         </p:sp>
         <p:sp>
           <p:nvSpPr>
-            <p:cNvPr id="113" name=""/>
+            <p:cNvPr id="108" name="직사각형 107"/>
             <p:cNvSpPr/>
             <p:nvPr/>
           </p:nvSpPr>
@@ -7835,38 +7998,304 @@
           </p:txBody>
         </p:sp>
       </p:grpSp>
-      <p:pic>
-        <p:nvPicPr>
-          <p:cNvPr id="114" name=""/>
-          <p:cNvPicPr>
-            <a:picLocks noChangeAspect="1"/>
-          </p:cNvPicPr>
+      <p:grpSp>
+        <p:nvGrpSpPr>
+          <p:cNvPr id="109" name="그룹 108"/>
+          <p:cNvGrpSpPr/>
           <p:nvPr/>
-        </p:nvPicPr>
-        <p:blipFill rotWithShape="1">
-          <a:blip r:embed="rId2"/>
-          <a:stretch>
-            <a:fillRect/>
-          </a:stretch>
-        </p:blipFill>
-        <p:spPr>
-          <a:xfrm>
-            <a:off x="1475213" y="2719448"/>
-            <a:ext cx="1369791" cy="1419103"/>
+        </p:nvGrpSpPr>
+        <p:grpSpPr>
+          <a:xfrm rot="0">
+            <a:off x="8247653" y="1651905"/>
+            <a:ext cx="4049119" cy="4896704"/>
+            <a:chOff x="934355" y="2109107"/>
+            <a:chExt cx="2372661" cy="2869320"/>
           </a:xfrm>
-          <a:prstGeom prst="rect">
-            <a:avLst/>
-          </a:prstGeom>
-          <a:ln>
+        </p:grpSpPr>
+        <p:sp>
+          <p:nvSpPr>
+            <p:cNvPr id="110" name="직사각형 109"/>
+            <p:cNvSpPr/>
+            <p:nvPr/>
+          </p:nvSpPr>
+          <p:spPr>
+            <a:xfrm>
+              <a:off x="934355" y="2109107"/>
+              <a:ext cx="2059214" cy="544285"/>
+            </a:xfrm>
+            <a:prstGeom prst="rect">
+              <a:avLst/>
+            </a:prstGeom>
             <a:solidFill>
-              <a:srgbClr val="bfbfbf"/>
+              <a:srgbClr val="9ad2d9"/>
             </a:solidFill>
-          </a:ln>
-        </p:spPr>
-      </p:pic>
+            <a:ln>
+              <a:noFill/>
+            </a:ln>
+          </p:spPr>
+          <p:style>
+            <a:lnRef idx="2">
+              <a:schemeClr val="accent1">
+                <a:shade val="20000"/>
+              </a:schemeClr>
+            </a:lnRef>
+            <a:fillRef idx="1">
+              <a:schemeClr val="accent1"/>
+            </a:fillRef>
+            <a:effectRef idx="0">
+              <a:schemeClr val="accent1"/>
+            </a:effectRef>
+            <a:fontRef idx="minor">
+              <a:schemeClr val="lt1"/>
+            </a:fontRef>
+          </p:style>
+          <p:txBody>
+            <a:bodyPr anchor="ctr"/>
+            <a:lstStyle/>
+            <a:p>
+              <a:pPr algn="ctr">
+                <a:defRPr/>
+              </a:pPr>
+              <a:r>
+                <a:rPr lang="en-US" altLang="ko-KR">
+                  <a:solidFill>
+                    <a:schemeClr val="bg2">
+                      <a:lumMod val="50000"/>
+                    </a:schemeClr>
+                  </a:solidFill>
+                </a:rPr>
+                <a:t>MSSQL </a:t>
+              </a:r>
+              <a:r>
+                <a:rPr lang="ko-KR" altLang="en-US">
+                  <a:solidFill>
+                    <a:schemeClr val="bg2">
+                      <a:lumMod val="50000"/>
+                    </a:schemeClr>
+                  </a:solidFill>
+                </a:rPr>
+                <a:t>서버</a:t>
+              </a:r>
+              <a:endParaRPr lang="ko-KR" altLang="en-US">
+                <a:solidFill>
+                  <a:schemeClr val="bg2">
+                    <a:lumMod val="50000"/>
+                  </a:schemeClr>
+                </a:solidFill>
+              </a:endParaRPr>
+            </a:p>
+          </p:txBody>
+        </p:sp>
+        <p:sp>
+          <p:nvSpPr>
+            <p:cNvPr id="111" name="직사각형 110"/>
+            <p:cNvSpPr/>
+            <p:nvPr/>
+          </p:nvSpPr>
+          <p:spPr>
+            <a:xfrm>
+              <a:off x="934810" y="2653393"/>
+              <a:ext cx="2057018" cy="2041071"/>
+            </a:xfrm>
+            <a:prstGeom prst="rect">
+              <a:avLst/>
+            </a:prstGeom>
+            <a:solidFill>
+              <a:schemeClr val="lt1"/>
+            </a:solidFill>
+            <a:ln>
+              <a:noFill/>
+            </a:ln>
+          </p:spPr>
+          <p:style>
+            <a:lnRef idx="2">
+              <a:schemeClr val="accent1">
+                <a:shade val="20000"/>
+              </a:schemeClr>
+            </a:lnRef>
+            <a:fillRef idx="1">
+              <a:schemeClr val="accent1"/>
+            </a:fillRef>
+            <a:effectRef idx="0">
+              <a:schemeClr val="accent1"/>
+            </a:effectRef>
+            <a:fontRef idx="minor">
+              <a:schemeClr val="lt1"/>
+            </a:fontRef>
+          </p:style>
+          <p:txBody>
+            <a:bodyPr anchor="ctr"/>
+            <a:lstStyle/>
+            <a:p>
+              <a:pPr algn="ctr">
+                <a:defRPr/>
+              </a:pPr>
+              <a:endParaRPr lang="ko-KR" altLang="en-US"/>
+            </a:p>
+          </p:txBody>
+        </p:sp>
+        <p:sp>
+          <p:nvSpPr>
+            <p:cNvPr id="112" name="직사각형 111"/>
+            <p:cNvSpPr/>
+            <p:nvPr/>
+          </p:nvSpPr>
+          <p:spPr>
+            <a:xfrm>
+              <a:off x="2585357" y="4277179"/>
+              <a:ext cx="434791" cy="408214"/>
+            </a:xfrm>
+            <a:prstGeom prst="rect">
+              <a:avLst/>
+            </a:prstGeom>
+            <a:solidFill>
+              <a:schemeClr val="lt1"/>
+            </a:solidFill>
+            <a:ln>
+              <a:solidFill>
+                <a:srgbClr val="bfbfbf"/>
+              </a:solidFill>
+            </a:ln>
+          </p:spPr>
+          <p:style>
+            <a:lnRef idx="2">
+              <a:schemeClr val="accent1">
+                <a:shade val="20000"/>
+              </a:schemeClr>
+            </a:lnRef>
+            <a:fillRef idx="1">
+              <a:schemeClr val="accent1"/>
+            </a:fillRef>
+            <a:effectRef idx="0">
+              <a:schemeClr val="accent1"/>
+            </a:effectRef>
+            <a:fontRef idx="minor">
+              <a:schemeClr val="lt1"/>
+            </a:fontRef>
+          </p:style>
+          <p:txBody>
+            <a:bodyPr anchor="ctr"/>
+            <a:lstStyle/>
+            <a:p>
+              <a:pPr algn="ctr">
+                <a:defRPr/>
+              </a:pPr>
+              <a:endParaRPr lang="ko-KR" altLang="en-US"/>
+            </a:p>
+          </p:txBody>
+        </p:sp>
+        <p:sp>
+          <p:nvSpPr>
+            <p:cNvPr id="113" name="직사각형 112"/>
+            <p:cNvSpPr/>
+            <p:nvPr/>
+          </p:nvSpPr>
+          <p:spPr>
+            <a:xfrm rot="2700000">
+              <a:off x="2712783" y="4384194"/>
+              <a:ext cx="594233" cy="594233"/>
+            </a:xfrm>
+            <a:custGeom>
+              <a:avLst/>
+              <a:gdLst>
+                <a:gd name="connsiteX0" fmla="*/ 0 w 1014102"/>
+                <a:gd name="connsiteY0" fmla="*/ 0 h 1014102"/>
+                <a:gd name="connsiteX1" fmla="*/ 1014102 w 1014102"/>
+                <a:gd name="connsiteY1" fmla="*/ 0 h 1014102"/>
+                <a:gd name="connsiteX2" fmla="*/ 1014102 w 1014102"/>
+                <a:gd name="connsiteY2" fmla="*/ 1014102 h 1014102"/>
+                <a:gd name="connsiteX3" fmla="*/ 0 w 1014102"/>
+                <a:gd name="connsiteY3" fmla="*/ 1014102 h 1014102"/>
+                <a:gd name="connsiteX4" fmla="*/ 0 w 1014102"/>
+                <a:gd name="connsiteY4" fmla="*/ 0 h 1014102"/>
+                <a:gd name="connsiteX0" fmla="*/ 0 w 1014102"/>
+                <a:gd name="connsiteY0" fmla="*/ 0 h 1014102"/>
+                <a:gd name="connsiteX1" fmla="*/ 670607 w 1014102"/>
+                <a:gd name="connsiteY1" fmla="*/ 249202 h 1014102"/>
+                <a:gd name="connsiteX2" fmla="*/ 1014102 w 1014102"/>
+                <a:gd name="connsiteY2" fmla="*/ 1014102 h 1014102"/>
+                <a:gd name="connsiteX3" fmla="*/ 0 w 1014102"/>
+                <a:gd name="connsiteY3" fmla="*/ 1014102 h 1014102"/>
+                <a:gd name="connsiteX4" fmla="*/ 0 w 1014102"/>
+                <a:gd name="connsiteY4" fmla="*/ 0 h 1014102"/>
+              </a:gdLst>
+              <a:cxnLst>
+                <a:cxn ang="0">
+                  <a:pos x="connsiteX0" y="connsiteY0"/>
+                </a:cxn>
+                <a:cxn ang="0">
+                  <a:pos x="connsiteX1" y="connsiteY1"/>
+                </a:cxn>
+                <a:cxn ang="0">
+                  <a:pos x="connsiteX2" y="connsiteY2"/>
+                </a:cxn>
+                <a:cxn ang="0">
+                  <a:pos x="connsiteX3" y="connsiteY3"/>
+                </a:cxn>
+                <a:cxn ang="0">
+                  <a:pos x="connsiteX4" y="connsiteY4"/>
+                </a:cxn>
+              </a:cxnLst>
+              <a:rect l="l" t="t" r="r" b="b"/>
+              <a:pathLst>
+                <a:path w="1014102" h="1014102">
+                  <a:moveTo>
+                    <a:pt x="0" y="0"/>
+                  </a:moveTo>
+                  <a:lnTo>
+                    <a:pt x="670607" y="249202"/>
+                  </a:lnTo>
+                  <a:lnTo>
+                    <a:pt x="1014102" y="1014102"/>
+                  </a:lnTo>
+                  <a:lnTo>
+                    <a:pt x="0" y="1014102"/>
+                  </a:lnTo>
+                  <a:lnTo>
+                    <a:pt x="0" y="0"/>
+                  </a:lnTo>
+                  <a:close/>
+                </a:path>
+              </a:pathLst>
+            </a:custGeom>
+            <a:solidFill>
+              <a:srgbClr val="f2f2f2"/>
+            </a:solidFill>
+            <a:ln>
+              <a:noFill/>
+            </a:ln>
+          </p:spPr>
+          <p:style>
+            <a:lnRef idx="2">
+              <a:schemeClr val="accent1">
+                <a:shade val="20000"/>
+              </a:schemeClr>
+            </a:lnRef>
+            <a:fillRef idx="1">
+              <a:schemeClr val="accent1"/>
+            </a:fillRef>
+            <a:effectRef idx="0">
+              <a:schemeClr val="accent1"/>
+            </a:effectRef>
+            <a:fontRef idx="minor">
+              <a:schemeClr val="lt1"/>
+            </a:fontRef>
+          </p:style>
+          <p:txBody>
+            <a:bodyPr anchor="ctr"/>
+            <a:lstStyle/>
+            <a:p>
+              <a:pPr algn="ctr">
+                <a:defRPr/>
+              </a:pPr>
+              <a:endParaRPr lang="ko-KR" altLang="en-US"/>
+            </a:p>
+          </p:txBody>
+        </p:sp>
+      </p:grpSp>
       <p:sp>
         <p:nvSpPr>
-          <p:cNvPr id="115" name=""/>
+          <p:cNvPr id="115" name="TextBox 114"/>
           <p:cNvSpPr txBox="1"/>
           <p:nvPr/>
         </p:nvSpPr>
@@ -7883,6 +8312,7 @@
           <a:bodyPr wrap="square">
             <a:spAutoFit/>
           </a:bodyPr>
+          <a:lstStyle/>
           <a:p>
             <a:pPr>
               <a:defRPr/>
@@ -7893,7 +8323,7 @@
       </p:sp>
       <p:sp>
         <p:nvSpPr>
-          <p:cNvPr id="116" name=""/>
+          <p:cNvPr id="116" name="TextBox 115"/>
           <p:cNvSpPr txBox="1"/>
           <p:nvPr/>
         </p:nvSpPr>
@@ -7910,6 +8340,7 @@
           <a:bodyPr wrap="square">
             <a:spAutoFit/>
           </a:bodyPr>
+          <a:lstStyle/>
           <a:p>
             <a:pPr algn="ctr">
               <a:defRPr/>
@@ -7958,14 +8389,14 @@
       </p:sp>
       <p:pic>
         <p:nvPicPr>
-          <p:cNvPr id="118" name=""/>
+          <p:cNvPr id="118" name="그림 117"/>
           <p:cNvPicPr>
             <a:picLocks noChangeAspect="1"/>
           </p:cNvPicPr>
           <p:nvPr/>
         </p:nvPicPr>
         <p:blipFill rotWithShape="1">
-          <a:blip r:embed="rId3"/>
+          <a:blip r:embed="rId2"/>
           <a:srcRect l="23010" t="21720" r="25600" b="24570"/>
           <a:stretch>
             <a:fillRect/>
@@ -7973,22 +8404,20 @@
         </p:blipFill>
         <p:spPr>
           <a:xfrm>
-            <a:off x="4899202" y="2681399"/>
+            <a:off x="4898705" y="2676162"/>
             <a:ext cx="2393596" cy="1552350"/>
           </a:xfrm>
           <a:prstGeom prst="rect">
             <a:avLst/>
           </a:prstGeom>
           <a:ln>
-            <a:solidFill>
-              <a:srgbClr val="bfbfbf"/>
-            </a:solidFill>
+            <a:noFill/>
           </a:ln>
         </p:spPr>
       </p:pic>
       <p:sp>
         <p:nvSpPr>
-          <p:cNvPr id="119" name=""/>
+          <p:cNvPr id="119" name="TextBox 118"/>
           <p:cNvSpPr txBox="1"/>
           <p:nvPr/>
         </p:nvSpPr>
@@ -8036,36 +8465,34 @@
       </p:sp>
       <p:pic>
         <p:nvPicPr>
-          <p:cNvPr id="122" name=""/>
+          <p:cNvPr id="122" name="그림 121"/>
           <p:cNvPicPr>
             <a:picLocks noChangeAspect="1"/>
           </p:cNvPicPr>
           <p:nvPr/>
         </p:nvPicPr>
         <p:blipFill rotWithShape="1">
-          <a:blip r:embed="rId4"/>
+          <a:blip r:embed="rId3"/>
           <a:stretch>
             <a:fillRect/>
           </a:stretch>
         </p:blipFill>
         <p:spPr>
           <a:xfrm>
-            <a:off x="8795456" y="2696246"/>
+            <a:off x="8757915" y="2688072"/>
             <a:ext cx="2550572" cy="1570352"/>
           </a:xfrm>
           <a:prstGeom prst="rect">
             <a:avLst/>
           </a:prstGeom>
           <a:ln>
-            <a:solidFill>
-              <a:srgbClr val="bfbfbf"/>
-            </a:solidFill>
+            <a:noFill/>
           </a:ln>
         </p:spPr>
       </p:pic>
       <p:sp>
         <p:nvSpPr>
-          <p:cNvPr id="123" name=""/>
+          <p:cNvPr id="123" name="TextBox 122"/>
           <p:cNvSpPr txBox="1"/>
           <p:nvPr/>
         </p:nvSpPr>
@@ -8103,6 +8530,32 @@
           </a:p>
         </p:txBody>
       </p:sp>
+      <p:pic>
+        <p:nvPicPr>
+          <p:cNvPr id="1026" name="Picture 2" descr="python logo"/>
+          <p:cNvPicPr>
+            <a:picLocks noChangeAspect="1" noChangeArrowheads="1"/>
+          </p:cNvPicPr>
+          <p:nvPr/>
+        </p:nvPicPr>
+        <p:blipFill rotWithShape="1">
+          <a:blip r:embed="rId4"/>
+          <a:srcRect/>
+          <a:stretch>
+            <a:fillRect/>
+          </a:stretch>
+        </p:blipFill>
+        <p:spPr>
+          <a:xfrm>
+            <a:off x="588271" y="2620868"/>
+            <a:ext cx="3124756" cy="1525760"/>
+          </a:xfrm>
+          <a:prstGeom prst="rect">
+            <a:avLst/>
+          </a:prstGeom>
+          <a:noFill/>
+        </p:spPr>
+      </p:pic>
     </p:spTree>
   </p:cSld>
   <p:clrMapOvr>
@@ -8120,15 +8573,16 @@
 </file>
 
 <file path=ppt/slides/slide6.xml><?xml version="1.0" encoding="utf-8"?>
-<p:sld xmlns:r="http://schemas.openxmlformats.org/officeDocument/2006/relationships" xmlns:c="http://schemas.openxmlformats.org/drawingml/2006/chart" xmlns:a="http://schemas.openxmlformats.org/drawingml/2006/main" xmlns:dgm="http://schemas.openxmlformats.org/drawingml/2006/diagram" xmlns:dsp="http://schemas.microsoft.com/office/drawing/2008/diagram" xmlns:p="http://schemas.openxmlformats.org/presentationml/2006/main">
+<p:sld xmlns:a="http://schemas.openxmlformats.org/drawingml/2006/main" xmlns:r="http://schemas.openxmlformats.org/officeDocument/2006/relationships" xmlns:p="http://schemas.openxmlformats.org/presentationml/2006/main">
   <p:cSld>
     <p:bg>
-      <p:bgPr shadeToTitle="0">
+      <p:bgPr>
         <a:solidFill>
           <a:schemeClr val="bg1">
             <a:lumMod val="95000"/>
           </a:schemeClr>
         </a:solidFill>
+        <a:effectLst/>
       </p:bgPr>
     </p:bg>
     <p:spTree>
@@ -8162,10 +8616,10 @@
           <a:gradFill flip="none" rotWithShape="1">
             <a:gsLst>
               <a:gs pos="0">
-                <a:srgbClr val="61d6e1"/>
+                <a:srgbClr val="61D6E1"/>
               </a:gs>
               <a:gs pos="100000">
-                <a:srgbClr val="ffcccc"/>
+                <a:srgbClr val="FFCCCC"/>
               </a:gs>
             </a:gsLst>
             <a:lin ang="0" scaled="1"/>
@@ -8204,22 +8658,17 @@
               <a:defRPr/>
             </a:pPr>
             <a:r>
-              <a:rPr lang="en-US" altLang="ko-KR" sz="2500" i="1">
-                <a:solidFill>
-                  <a:prstClr val="white"/>
+              <a:rPr lang="en-US" altLang="ko-KR" sz="2500" i="1" dirty="0">
+                <a:solidFill>
+                  <a:schemeClr val="bg2">
+                    <a:lumMod val="50000"/>
+                  </a:schemeClr>
                 </a:solidFill>
                 <a:latin typeface="Cambria"/>
                 <a:cs typeface="Arial"/>
               </a:rPr>
               <a:t>SIINS</a:t>
             </a:r>
-            <a:endParaRPr lang="en-US" altLang="ko-KR" sz="2500" i="1">
-              <a:solidFill>
-                <a:prstClr val="white"/>
-              </a:solidFill>
-              <a:latin typeface="Cambria"/>
-              <a:cs typeface="Arial"/>
-            </a:endParaRPr>
           </a:p>
           <a:p>
             <a:pPr lvl="1">
@@ -8229,22 +8678,17 @@
               <a:defRPr/>
             </a:pPr>
             <a:r>
-              <a:rPr lang="en-US" altLang="ko-KR" sz="1400">
-                <a:solidFill>
-                  <a:prstClr val="white"/>
+              <a:rPr lang="en-US" altLang="ko-KR" sz="1400" dirty="0">
+                <a:solidFill>
+                  <a:schemeClr val="bg2">
+                    <a:lumMod val="50000"/>
+                  </a:schemeClr>
                 </a:solidFill>
                 <a:latin typeface="Cambria"/>
                 <a:cs typeface="Arial"/>
               </a:rPr>
               <a:t>School Information Integrated Notification System</a:t>
             </a:r>
-            <a:endParaRPr lang="en-US" altLang="ko-KR" sz="1400">
-              <a:solidFill>
-                <a:prstClr val="white"/>
-              </a:solidFill>
-              <a:latin typeface="Cambria"/>
-              <a:cs typeface="Arial"/>
-            </a:endParaRPr>
           </a:p>
         </p:txBody>
       </p:sp>
@@ -8257,7 +8701,7 @@
         <p:spPr>
           <a:xfrm>
             <a:off x="5610319" y="0"/>
-            <a:ext cx="5927885" cy="1002338"/>
+            <a:ext cx="5927885" cy="896720"/>
           </a:xfrm>
           <a:prstGeom prst="rect">
             <a:avLst/>
@@ -8276,26 +8720,25 @@
               <a:defRPr/>
             </a:pPr>
             <a:r>
-              <a:rPr lang="en-US" altLang="ko-KR" sz="4000" b="1">
-                <a:solidFill>
-                  <a:schemeClr val="lt1"/>
+              <a:rPr lang="en-US" altLang="ko-KR" sz="4000" b="1" dirty="0">
+                <a:solidFill>
+                  <a:schemeClr val="bg2">
+                    <a:lumMod val="50000"/>
+                  </a:schemeClr>
                 </a:solidFill>
               </a:rPr>
               <a:t>SIINS</a:t>
             </a:r>
             <a:r>
-              <a:rPr lang="ko-KR" altLang="en-US" sz="4000" b="1">
-                <a:solidFill>
-                  <a:schemeClr val="lt1"/>
+              <a:rPr lang="ko-KR" altLang="en-US" sz="4000" b="1" dirty="0">
+                <a:solidFill>
+                  <a:schemeClr val="bg2">
+                    <a:lumMod val="50000"/>
+                  </a:schemeClr>
                 </a:solidFill>
               </a:rPr>
               <a:t> 구조</a:t>
             </a:r>
-            <a:endParaRPr lang="ko-KR" altLang="en-US" sz="4000" b="1">
-              <a:solidFill>
-                <a:schemeClr val="lt1"/>
-              </a:solidFill>
-            </a:endParaRPr>
           </a:p>
         </p:txBody>
       </p:sp>
@@ -8306,7 +8749,7 @@
           <p:nvPr/>
         </p:nvGrpSpPr>
         <p:grpSpPr>
-          <a:xfrm rot="0">
+          <a:xfrm>
             <a:off x="4485037" y="2069187"/>
             <a:ext cx="616640" cy="808646"/>
             <a:chOff x="850914" y="3376083"/>
@@ -8328,7 +8771,7 @@
               <a:avLst/>
             </a:prstGeom>
             <a:solidFill>
-              <a:srgbClr val="ffb900"/>
+              <a:srgbClr val="FFB900"/>
             </a:solidFill>
             <a:ln>
               <a:solidFill>
@@ -8378,7 +8821,7 @@
               <a:avLst/>
             </a:prstGeom>
             <a:solidFill>
-              <a:srgbClr val="d2d2d2"/>
+              <a:srgbClr val="D2D2D2"/>
             </a:solidFill>
             <a:ln>
               <a:noFill/>
@@ -8764,6 +9207,7 @@
                 <a:gd name="connsiteX8" fmla="*/ 8467 w 863599"/>
                 <a:gd name="connsiteY8" fmla="*/ 118534 h 1778386"/>
               </a:gdLst>
+              <a:ahLst/>
               <a:cxnLst>
                 <a:cxn ang="0">
                   <a:pos x="connsiteX0" y="connsiteY0"/>
@@ -8907,11 +9351,6 @@
                 </a:rPr>
                 <a:t>DB</a:t>
               </a:r>
-              <a:endParaRPr lang="en-US" altLang="ko-KR" sz="1600" b="1">
-                <a:latin typeface="함초롬돋움"/>
-                <a:ea typeface="함초롬돋움"/>
-                <a:cs typeface="함초롬돋움"/>
-              </a:endParaRPr>
             </a:p>
           </p:txBody>
         </p:sp>
@@ -8959,7 +9398,7 @@
           </a:prstGeom>
           <a:ln w="38100">
             <a:solidFill>
-              <a:srgbClr val="48a2a0"/>
+              <a:srgbClr val="48A2A0"/>
             </a:solidFill>
             <a:tailEnd type="triangle"/>
           </a:ln>
@@ -9037,11 +9476,6 @@
               </a:rPr>
               <a:t>웹 페이지</a:t>
             </a:r>
-            <a:endParaRPr lang="ko-KR" altLang="en-US">
-              <a:latin typeface="함초롬돋움"/>
-              <a:ea typeface="함초롬돋움"/>
-              <a:cs typeface="함초롬돋움"/>
-            </a:endParaRPr>
           </a:p>
         </p:txBody>
       </p:sp>
@@ -9054,7 +9488,7 @@
           <p:nvPr/>
         </p:nvPicPr>
         <p:blipFill rotWithShape="1">
-          <a:blip r:embed="rId4"/>
+          <a:blip r:embed="rId2"/>
           <a:srcRect l="11040" t="15770" r="10340" b="31080"/>
           <a:stretch>
             <a:fillRect/>
@@ -9103,11 +9537,6 @@
               </a:rPr>
               <a:t>웹 페이지</a:t>
             </a:r>
-            <a:endParaRPr lang="ko-KR" altLang="en-US">
-              <a:latin typeface="함초롬돋움"/>
-              <a:ea typeface="함초롬돋움"/>
-              <a:cs typeface="함초롬돋움"/>
-            </a:endParaRPr>
           </a:p>
         </p:txBody>
       </p:sp>
@@ -9177,11 +9606,6 @@
               </a:rPr>
               <a:t>데이터베이스에서 과제 및 메시지 수신 및 저장</a:t>
             </a:r>
-            <a:endParaRPr lang="ko-KR" altLang="en-US">
-              <a:latin typeface="함초롬돋움"/>
-              <a:ea typeface="함초롬돋움"/>
-              <a:cs typeface="함초롬돋움"/>
-            </a:endParaRPr>
           </a:p>
         </p:txBody>
       </p:sp>
@@ -9201,7 +9625,7 @@
           </a:prstGeom>
           <a:ln w="38100">
             <a:solidFill>
-              <a:srgbClr val="48a2a0"/>
+              <a:srgbClr val="48A2A0"/>
             </a:solidFill>
           </a:ln>
         </p:spPr>
@@ -9253,11 +9677,6 @@
               </a:rPr>
               <a:t>선생님</a:t>
             </a:r>
-            <a:endParaRPr lang="ko-KR" altLang="en-US">
-              <a:latin typeface="함초롬돋움"/>
-              <a:ea typeface="함초롬돋움"/>
-              <a:cs typeface="함초롬돋움"/>
-            </a:endParaRPr>
           </a:p>
         </p:txBody>
       </p:sp>
@@ -9294,11 +9713,6 @@
               </a:rPr>
               <a:t>웹 페이지를 통하여 </a:t>
             </a:r>
-            <a:endParaRPr lang="ko-KR" altLang="en-US">
-              <a:latin typeface="함초롬돋움"/>
-              <a:ea typeface="함초롬돋움"/>
-              <a:cs typeface="함초롬돋움"/>
-            </a:endParaRPr>
           </a:p>
           <a:p>
             <a:pPr lvl="0">
@@ -9312,11 +9726,6 @@
               </a:rPr>
               <a:t>과제 및 메시지 전송</a:t>
             </a:r>
-            <a:endParaRPr lang="ko-KR" altLang="en-US">
-              <a:latin typeface="함초롬돋움"/>
-              <a:ea typeface="함초롬돋움"/>
-              <a:cs typeface="함초롬돋움"/>
-            </a:endParaRPr>
           </a:p>
         </p:txBody>
       </p:sp>
@@ -9353,11 +9762,6 @@
               </a:rPr>
               <a:t>웹 페이지에서 </a:t>
             </a:r>
-            <a:endParaRPr lang="ko-KR" altLang="en-US">
-              <a:latin typeface="함초롬돋움"/>
-              <a:ea typeface="함초롬돋움"/>
-              <a:cs typeface="함초롬돋움"/>
-            </a:endParaRPr>
           </a:p>
           <a:p>
             <a:pPr lvl="0">
@@ -9371,11 +9775,6 @@
               </a:rPr>
               <a:t>메시지와 과제 확인</a:t>
             </a:r>
-            <a:endParaRPr lang="ko-KR" altLang="en-US">
-              <a:latin typeface="함초롬돋움"/>
-              <a:ea typeface="함초롬돋움"/>
-              <a:cs typeface="함초롬돋움"/>
-            </a:endParaRPr>
           </a:p>
         </p:txBody>
       </p:sp>
@@ -9386,7 +9785,7 @@
           <p:nvPr/>
         </p:nvGrpSpPr>
         <p:grpSpPr>
-          <a:xfrm rot="0">
+          <a:xfrm>
             <a:off x="8893400" y="1841500"/>
             <a:ext cx="1025672" cy="661318"/>
             <a:chOff x="9598521" y="2259120"/>
@@ -9402,7 +9801,7 @@
             <p:nvPr/>
           </p:nvPicPr>
           <p:blipFill rotWithShape="1">
-            <a:blip r:embed="rId5"/>
+            <a:blip r:embed="rId2"/>
             <a:srcRect l="11040" t="15770" r="10340" b="31080"/>
             <a:stretch>
               <a:fillRect/>
@@ -9427,7 +9826,7 @@
             <p:nvPr/>
           </p:nvPicPr>
           <p:blipFill rotWithShape="1">
-            <a:blip r:embed="rId6"/>
+            <a:blip r:embed="rId4"/>
             <a:srcRect/>
             <a:stretch>
               <a:fillRect/>
@@ -9454,7 +9853,7 @@
           <p:nvPr/>
         </p:nvPicPr>
         <p:blipFill rotWithShape="1">
-          <a:blip r:embed="rId7"/>
+          <a:blip r:embed="rId5"/>
           <a:srcRect l="5880" t="16880" r="6020" b="31440"/>
           <a:stretch>
             <a:fillRect/>
@@ -9503,11 +9902,6 @@
               </a:rPr>
               <a:t>교실에 설치된 라즈베리파이를 통해 메시지 수신 및 출력</a:t>
             </a:r>
-            <a:endParaRPr lang="ko-KR" altLang="en-US">
-              <a:latin typeface="함초롬돋움"/>
-              <a:ea typeface="함초롬돋움"/>
-              <a:cs typeface="함초롬돋움"/>
-            </a:endParaRPr>
           </a:p>
         </p:txBody>
       </p:sp>
@@ -9520,7 +9914,7 @@
           <p:nvPr/>
         </p:nvPicPr>
         <p:blipFill rotWithShape="1">
-          <a:blip r:embed="rId8"/>
+          <a:blip r:embed="rId6"/>
           <a:srcRect l="9580" t="1800" r="9850" b="16040"/>
           <a:stretch>
             <a:fillRect/>
@@ -9545,7 +9939,7 @@
           <p:nvPr/>
         </p:nvPicPr>
         <p:blipFill rotWithShape="1">
-          <a:blip r:embed="rId9"/>
+          <a:blip r:embed="rId6"/>
           <a:srcRect l="9580" t="1800" r="9850" b="16040"/>
           <a:stretch>
             <a:fillRect/>
@@ -9594,11 +9988,6 @@
               </a:rPr>
               <a:t>웹 서버</a:t>
             </a:r>
-            <a:endParaRPr lang="ko-KR" altLang="en-US">
-              <a:latin typeface="함초롬돋움"/>
-              <a:ea typeface="함초롬돋움"/>
-              <a:cs typeface="함초롬돋움"/>
-            </a:endParaRPr>
           </a:p>
         </p:txBody>
       </p:sp>
@@ -9618,7 +10007,7 @@
           </a:prstGeom>
           <a:ln w="38100">
             <a:solidFill>
-              <a:srgbClr val="48a2a0"/>
+              <a:srgbClr val="48A2A0"/>
             </a:solidFill>
             <a:tailEnd type="triangle"/>
           </a:ln>
@@ -9654,7 +10043,7 @@
           </a:prstGeom>
           <a:ln w="38100">
             <a:solidFill>
-              <a:srgbClr val="48a2a0"/>
+              <a:srgbClr val="48A2A0"/>
             </a:solidFill>
             <a:tailEnd type="triangle"/>
           </a:ln>
@@ -9693,7 +10082,7 @@
           </a:prstGeom>
           <a:ln w="38100">
             <a:solidFill>
-              <a:srgbClr val="48a2a0"/>
+              <a:srgbClr val="48A2A0"/>
             </a:solidFill>
             <a:tailEnd type="triangle"/>
           </a:ln>
@@ -9746,11 +10135,6 @@
               </a:rPr>
               <a:t>데이터베이스에 저장된 정보들</a:t>
             </a:r>
-            <a:endParaRPr lang="ko-KR" altLang="en-US">
-              <a:latin typeface="함초롬돋움"/>
-              <a:ea typeface="함초롬돋움"/>
-              <a:cs typeface="함초롬돋움"/>
-            </a:endParaRPr>
           </a:p>
           <a:p>
             <a:pPr lvl="0">
@@ -9764,11 +10148,6 @@
               </a:rPr>
               <a:t> 처리</a:t>
             </a:r>
-            <a:endParaRPr lang="ko-KR" altLang="en-US">
-              <a:latin typeface="함초롬돋움"/>
-              <a:ea typeface="함초롬돋움"/>
-              <a:cs typeface="함초롬돋움"/>
-            </a:endParaRPr>
           </a:p>
         </p:txBody>
       </p:sp>
@@ -9777,11 +10156,11 @@
   <p:clrMapOvr>
     <a:masterClrMapping/>
   </p:clrMapOvr>
-  <mc:AlternateContent xmlns:mc="http://schemas.openxmlformats.org/markup-compatibility/2006">
-    <mc:Choice xmlns:p14="http://schemas.microsoft.com/office/powerpoint/2010/main" Requires="p14">
-      <p:transition xmlns:mc="http://schemas.openxmlformats.org/markup-compatibility/2006" xmlns:p14="http://schemas.microsoft.com/office/powerpoint/2010/main" mc:Ignorable="p14" p14:dur="500"/>
+  <mc:AlternateContent xmlns:mc="http://schemas.openxmlformats.org/markup-compatibility/2006" xmlns:p14="http://schemas.microsoft.com/office/powerpoint/2010/main">
+    <mc:Choice Requires="p14">
+      <p:transition/>
     </mc:Choice>
-    <mc:Fallback>
+    <mc:Fallback xmlns:dsp="http://schemas.microsoft.com/office/drawing/2008/diagram" xmlns:dgm="http://schemas.openxmlformats.org/drawingml/2006/diagram" xmlns:c="http://schemas.openxmlformats.org/drawingml/2006/chart" xmlns="">
       <p:transition/>
     </mc:Fallback>
   </mc:AlternateContent>
@@ -9875,7 +10254,9 @@
             <a:r>
               <a:rPr lang="en-US" altLang="ko-KR" sz="2500" i="1">
                 <a:solidFill>
-                  <a:prstClr val="white"/>
+                  <a:schemeClr val="bg2">
+                    <a:lumMod val="50000"/>
+                  </a:schemeClr>
                 </a:solidFill>
                 <a:latin typeface="Cambria"/>
                 <a:cs typeface="Arial"/>
@@ -9884,7 +10265,9 @@
             </a:r>
             <a:endParaRPr lang="en-US" altLang="ko-KR" sz="2500" i="1">
               <a:solidFill>
-                <a:prstClr val="white"/>
+                <a:schemeClr val="bg2">
+                  <a:lumMod val="50000"/>
+                </a:schemeClr>
               </a:solidFill>
               <a:latin typeface="Cambria"/>
               <a:cs typeface="Arial"/>
@@ -9900,7 +10283,9 @@
             <a:r>
               <a:rPr lang="en-US" altLang="ko-KR" sz="1400">
                 <a:solidFill>
-                  <a:prstClr val="white"/>
+                  <a:schemeClr val="bg2">
+                    <a:lumMod val="50000"/>
+                  </a:schemeClr>
                 </a:solidFill>
                 <a:latin typeface="Cambria"/>
                 <a:cs typeface="Arial"/>
@@ -9909,7 +10294,9 @@
             </a:r>
             <a:endParaRPr lang="en-US" altLang="ko-KR" sz="1400">
               <a:solidFill>
-                <a:prstClr val="white"/>
+                <a:schemeClr val="bg2">
+                  <a:lumMod val="50000"/>
+                </a:schemeClr>
               </a:solidFill>
               <a:latin typeface="Cambria"/>
               <a:cs typeface="Arial"/>
@@ -9926,7 +10313,7 @@
         <p:spPr>
           <a:xfrm>
             <a:off x="-44409" y="1669244"/>
-            <a:ext cx="12280820" cy="3519976"/>
+            <a:ext cx="12280819" cy="3519976"/>
           </a:xfrm>
           <a:prstGeom prst="rect">
             <a:avLst/>
@@ -9946,6 +10333,11 @@
             </a:pPr>
             <a:r>
               <a:rPr lang="en-US" altLang="ko-KR" sz="15000" b="1">
+                <a:ln w="9525">
+                  <a:solidFill>
+                    <a:srgbClr val="a6a6a6"/>
+                  </a:solidFill>
+                </a:ln>
                 <a:solidFill>
                   <a:srgbClr val="63d6e1"/>
                 </a:solidFill>
@@ -9953,6 +10345,11 @@
               <a:t>SIINS.SITE</a:t>
             </a:r>
             <a:endParaRPr lang="en-US" altLang="ko-KR" sz="15000" b="1">
+              <a:ln w="9525">
+                <a:solidFill>
+                  <a:srgbClr val="a6a6a6"/>
+                </a:solidFill>
+              </a:ln>
               <a:solidFill>
                 <a:srgbClr val="63d6e1"/>
               </a:solidFill>
@@ -9968,8 +10365,8 @@
         </p:nvSpPr>
         <p:spPr>
           <a:xfrm>
-            <a:off x="5610319" y="0"/>
-            <a:ext cx="5927885" cy="1002338"/>
+            <a:off x="5610318" y="0"/>
+            <a:ext cx="5927885" cy="998220"/>
           </a:xfrm>
           <a:prstGeom prst="rect">
             <a:avLst/>
@@ -9990,14 +10387,18 @@
             <a:r>
               <a:rPr lang="ko-KR" altLang="en-US" sz="4000" b="1">
                 <a:solidFill>
-                  <a:schemeClr val="lt1"/>
+                  <a:schemeClr val="bg2">
+                    <a:lumMod val="50000"/>
+                  </a:schemeClr>
                 </a:solidFill>
               </a:rPr>
               <a:t>데모 시연</a:t>
             </a:r>
             <a:endParaRPr lang="ko-KR" altLang="en-US" sz="4000" b="1">
               <a:solidFill>
-                <a:schemeClr val="lt1"/>
+                <a:schemeClr val="bg2">
+                  <a:lumMod val="50000"/>
+                </a:schemeClr>
               </a:solidFill>
             </a:endParaRPr>
           </a:p>
@@ -10106,7 +10507,9 @@
             <a:r>
               <a:rPr lang="en-US" altLang="ko-KR" sz="2500" i="1">
                 <a:solidFill>
-                  <a:prstClr val="white"/>
+                  <a:schemeClr val="bg2">
+                    <a:lumMod val="50000"/>
+                  </a:schemeClr>
                 </a:solidFill>
                 <a:latin typeface="Cambria"/>
                 <a:cs typeface="Arial"/>
@@ -10115,7 +10518,9 @@
             </a:r>
             <a:endParaRPr lang="en-US" altLang="ko-KR" sz="2500" i="1">
               <a:solidFill>
-                <a:prstClr val="white"/>
+                <a:schemeClr val="bg2">
+                  <a:lumMod val="50000"/>
+                </a:schemeClr>
               </a:solidFill>
               <a:latin typeface="Cambria"/>
               <a:cs typeface="Arial"/>
@@ -10131,7 +10536,9 @@
             <a:r>
               <a:rPr lang="en-US" altLang="ko-KR" sz="1400">
                 <a:solidFill>
-                  <a:prstClr val="white"/>
+                  <a:schemeClr val="bg2">
+                    <a:lumMod val="50000"/>
+                  </a:schemeClr>
                 </a:solidFill>
                 <a:latin typeface="Cambria"/>
                 <a:cs typeface="Arial"/>
@@ -10140,7 +10547,9 @@
             </a:r>
             <a:endParaRPr lang="en-US" altLang="ko-KR" sz="1400">
               <a:solidFill>
-                <a:prstClr val="white"/>
+                <a:schemeClr val="bg2">
+                  <a:lumMod val="50000"/>
+                </a:schemeClr>
               </a:solidFill>
               <a:latin typeface="Cambria"/>
               <a:cs typeface="Arial"/>
@@ -10177,6 +10586,11 @@
             </a:pPr>
             <a:r>
               <a:rPr lang="ko-KR" altLang="en-US" sz="3000" b="1">
+                <a:ln w="9525">
+                  <a:solidFill>
+                    <a:srgbClr val="a6a6a6"/>
+                  </a:solidFill>
+                </a:ln>
                 <a:solidFill>
                   <a:srgbClr val="62d6e1"/>
                 </a:solidFill>
@@ -10184,6 +10598,11 @@
               <a:t>학생들의 편의성 증가</a:t>
             </a:r>
             <a:endParaRPr lang="ko-KR" altLang="en-US" sz="3000" b="1">
+              <a:ln w="9525">
+                <a:solidFill>
+                  <a:schemeClr val="tx1"/>
+                </a:solidFill>
+              </a:ln>
               <a:solidFill>
                 <a:srgbClr val="62d6e1"/>
               </a:solidFill>
@@ -10199,14 +10618,23 @@
             <a:r>
               <a:rPr lang="ko-KR" altLang="en-US" sz="1600">
                 <a:solidFill>
-                  <a:srgbClr val="808080"/>
+                  <a:schemeClr val="bg2">
+                    <a:lumMod val="50000"/>
+                  </a:schemeClr>
                 </a:solidFill>
               </a:rPr>
               <a:t>학생들이 좀 더 편하게 공지를 확인 가능</a:t>
             </a:r>
             <a:endParaRPr lang="ko-KR" altLang="en-US" sz="1600">
+              <a:ln w="9525">
+                <a:solidFill>
+                  <a:schemeClr val="tx1"/>
+                </a:solidFill>
+              </a:ln>
               <a:solidFill>
-                <a:srgbClr val="808080"/>
+                <a:schemeClr val="bg2">
+                  <a:lumMod val="50000"/>
+                </a:schemeClr>
               </a:solidFill>
             </a:endParaRPr>
           </a:p>
@@ -10241,6 +10669,11 @@
             </a:pPr>
             <a:r>
               <a:rPr lang="ko-KR" altLang="en-US" sz="3000" b="1">
+                <a:ln w="9525">
+                  <a:solidFill>
+                    <a:srgbClr val="a6a6a6"/>
+                  </a:solidFill>
+                </a:ln>
                 <a:solidFill>
                   <a:srgbClr val="64d6e1"/>
                 </a:solidFill>
@@ -10248,6 +10681,11 @@
               <a:t>공지 시스템 간소화</a:t>
             </a:r>
             <a:endParaRPr lang="ko-KR" altLang="en-US" sz="3000" b="1">
+              <a:ln w="9525">
+                <a:solidFill>
+                  <a:schemeClr val="tx1"/>
+                </a:solidFill>
+              </a:ln>
               <a:solidFill>
                 <a:srgbClr val="64d6e1"/>
               </a:solidFill>
@@ -10263,14 +10701,23 @@
             <a:r>
               <a:rPr lang="ko-KR" altLang="en-US" sz="1600">
                 <a:solidFill>
-                  <a:srgbClr val="808080"/>
+                  <a:schemeClr val="bg2">
+                    <a:lumMod val="50000"/>
+                  </a:schemeClr>
                 </a:solidFill>
               </a:rPr>
               <a:t>정보 공지가 단 하나의 사이트에서만 이루어지므로 정보의 혼선도 적음</a:t>
             </a:r>
             <a:endParaRPr lang="ko-KR" altLang="en-US" sz="1600">
+              <a:ln w="9525">
+                <a:solidFill>
+                  <a:schemeClr val="tx1"/>
+                </a:solidFill>
+              </a:ln>
               <a:solidFill>
-                <a:srgbClr val="808080"/>
+                <a:schemeClr val="bg2">
+                  <a:lumMod val="50000"/>
+                </a:schemeClr>
               </a:solidFill>
             </a:endParaRPr>
           </a:p>
@@ -10284,8 +10731,8 @@
         </p:nvSpPr>
         <p:spPr>
           <a:xfrm>
-            <a:off x="5945457" y="0"/>
-            <a:ext cx="5927885" cy="1002338"/>
+            <a:off x="5945456" y="0"/>
+            <a:ext cx="5927885" cy="998220"/>
           </a:xfrm>
           <a:prstGeom prst="rect">
             <a:avLst/>
@@ -10306,14 +10753,18 @@
             <a:r>
               <a:rPr lang="ko-KR" altLang="en-US" sz="4000" b="1">
                 <a:solidFill>
-                  <a:schemeClr val="lt1"/>
+                  <a:schemeClr val="bg2">
+                    <a:lumMod val="50000"/>
+                  </a:schemeClr>
                 </a:solidFill>
               </a:rPr>
               <a:t>기대효과</a:t>
             </a:r>
             <a:endParaRPr lang="ko-KR" altLang="en-US" sz="4000" b="1">
               <a:solidFill>
-                <a:schemeClr val="lt1"/>
+                <a:schemeClr val="bg2">
+                  <a:lumMod val="50000"/>
+                </a:schemeClr>
               </a:solidFill>
             </a:endParaRPr>
           </a:p>
@@ -10348,6 +10799,11 @@
             </a:pPr>
             <a:r>
               <a:rPr lang="ko-KR" altLang="en-US" sz="3000" b="1">
+                <a:ln w="9525">
+                  <a:solidFill>
+                    <a:srgbClr val="a6a6a6"/>
+                  </a:solidFill>
+                </a:ln>
                 <a:solidFill>
                   <a:srgbClr val="64d6e1"/>
                 </a:solidFill>
@@ -10355,6 +10811,11 @@
               <a:t>정보의 불균형 해소</a:t>
             </a:r>
             <a:endParaRPr lang="ko-KR" altLang="en-US" sz="3000" b="1">
+              <a:ln w="9525">
+                <a:solidFill>
+                  <a:schemeClr val="tx1"/>
+                </a:solidFill>
+              </a:ln>
               <a:solidFill>
                 <a:srgbClr val="64d6e1"/>
               </a:solidFill>
@@ -10370,14 +10831,18 @@
             <a:r>
               <a:rPr lang="ko-KR" altLang="en-US" sz="1600">
                 <a:solidFill>
-                  <a:srgbClr val="808080"/>
+                  <a:schemeClr val="bg2">
+                    <a:lumMod val="50000"/>
+                  </a:schemeClr>
                 </a:solidFill>
               </a:rPr>
               <a:t>정보를 얻지 못한 학생들이 받는</a:t>
             </a:r>
             <a:endParaRPr lang="ko-KR" altLang="en-US" sz="1600">
               <a:solidFill>
-                <a:srgbClr val="808080"/>
+                <a:schemeClr val="bg2">
+                  <a:lumMod val="50000"/>
+                </a:schemeClr>
               </a:solidFill>
             </a:endParaRPr>
           </a:p>
@@ -10391,14 +10856,18 @@
             <a:r>
               <a:rPr lang="ko-KR" altLang="en-US" sz="1600">
                 <a:solidFill>
-                  <a:srgbClr val="808080"/>
+                  <a:schemeClr val="bg2">
+                    <a:lumMod val="50000"/>
+                  </a:schemeClr>
                 </a:solidFill>
               </a:rPr>
               <a:t> 불이익을 조금이나마 줄일 수 있음</a:t>
             </a:r>
             <a:endParaRPr lang="ko-KR" altLang="en-US" sz="1600">
               <a:solidFill>
-                <a:srgbClr val="808080"/>
+                <a:schemeClr val="bg2">
+                  <a:lumMod val="50000"/>
+                </a:schemeClr>
               </a:solidFill>
             </a:endParaRPr>
           </a:p>
@@ -10463,7 +10932,7 @@
     </a:clrScheme>
     <a:fontScheme name="Office">
       <a:majorFont>
-        <a:latin typeface="맑은 고딕" panose="20"/>
+        <a:latin typeface="맑은 고딕" panose="2147483647"/>
         <a:ea typeface=""/>
         <a:cs typeface=""/>
         <a:font script="Jpan" typeface="MS PGothic"/>
@@ -10498,7 +10967,7 @@
         <a:font script="Geor" typeface="Sylfaen"/>
       </a:majorFont>
       <a:minorFont>
-        <a:latin typeface="맑은 고딕" panose="20"/>
+        <a:latin typeface="맑은 고딕" panose="2147483647"/>
         <a:ea typeface=""/>
         <a:cs typeface=""/>
         <a:font script="Jpan" typeface="MS PGothic"/>
